--- a/public/video-presentation/video-presentation.pptx
+++ b/public/video-presentation/video-presentation.pptx
@@ -15,10 +15,29 @@
     <p:sldId id="264" r:id="rId9"/>
     <p:sldId id="265" r:id="rId10"/>
     <p:sldId id="266" r:id="rId11"/>
-    <p:sldId id="267" r:id="rId12"/>
-    <p:sldId id="268" r:id="rId13"/>
-    <p:sldId id="269" r:id="rId14"/>
-    <p:sldId id="270" r:id="rId15"/>
+    <p:sldId id="286" r:id="rId12"/>
+    <p:sldId id="267" r:id="rId13"/>
+    <p:sldId id="268" r:id="rId14"/>
+    <p:sldId id="269" r:id="rId15"/>
+    <p:sldId id="270" r:id="rId16"/>
+    <p:sldId id="271" r:id="rId17"/>
+    <p:sldId id="272" r:id="rId18"/>
+    <p:sldId id="273" r:id="rId19"/>
+    <p:sldId id="274" r:id="rId20"/>
+    <p:sldId id="275" r:id="rId21"/>
+    <p:sldId id="276" r:id="rId22"/>
+    <p:sldId id="277" r:id="rId23"/>
+    <p:sldId id="278" r:id="rId24"/>
+    <p:sldId id="279" r:id="rId25"/>
+    <p:sldId id="280" r:id="rId26"/>
+    <p:sldId id="281" r:id="rId27"/>
+    <p:sldId id="282" r:id="rId28"/>
+    <p:sldId id="283" r:id="rId29"/>
+    <p:sldId id="284" r:id="rId30"/>
+    <p:sldId id="287" r:id="rId31"/>
+    <p:sldId id="285" r:id="rId32"/>
+    <p:sldId id="288" r:id="rId33"/>
+    <p:sldId id="289" r:id="rId34"/>
   </p:sldIdLst>
   <p:sldSz cx="12192000" cy="6858000"/>
   <p:notesSz cx="6858000" cy="9144000"/>
@@ -3644,12 +3663,12 @@
         </p:spPr>
         <p:txBody>
           <a:bodyPr>
-            <a:normAutofit/>
+            <a:noAutofit/>
           </a:bodyPr>
           <a:lstStyle/>
           <a:p>
             <a:r>
-              <a:rPr lang="en-US">
+              <a:rPr lang="en-US" sz="3200">
                 <a:solidFill>
                   <a:schemeClr val="accent1"/>
                 </a:solidFill>
@@ -3662,7 +3681,7 @@
               <a:buNone/>
             </a:pPr>
             <a:r>
-              <a:rPr lang="en-US" sz="2800">
+              <a:rPr lang="en-US" sz="3200">
                 <a:solidFill>
                   <a:srgbClr val="C00000"/>
                 </a:solidFill>
@@ -3673,7 +3692,7 @@
           </a:p>
           <a:p>
             <a:r>
-              <a:rPr lang="en-US">
+              <a:rPr lang="en-US" sz="3200">
                 <a:solidFill>
                   <a:schemeClr val="accent1"/>
                 </a:solidFill>
@@ -3683,7 +3702,7 @@
           </a:p>
           <a:p>
             <a:r>
-              <a:rPr lang="en-US">
+              <a:rPr lang="en-US" sz="3200">
                 <a:solidFill>
                   <a:schemeClr val="accent1"/>
                 </a:solidFill>
@@ -3691,7 +3710,7 @@
               <a:t>One very simple way of getting information from a user is through the browser's </a:t>
             </a:r>
             <a:r>
-              <a:rPr lang="en-US" i="1">
+              <a:rPr lang="en-US" sz="3200" i="1">
                 <a:solidFill>
                   <a:schemeClr val="accent1"/>
                 </a:solidFill>
@@ -3699,7 +3718,7 @@
               <a:t>prompt</a:t>
             </a:r>
             <a:r>
-              <a:rPr lang="en-US">
+              <a:rPr lang="en-US" sz="3200">
                 <a:solidFill>
                   <a:schemeClr val="accent1"/>
                 </a:solidFill>
@@ -3712,7 +3731,7 @@
               <a:buNone/>
             </a:pPr>
             <a:r>
-              <a:rPr lang="en-US" sz="2800">
+              <a:rPr lang="en-US" sz="3200">
                 <a:solidFill>
                   <a:srgbClr val="C00000"/>
                 </a:solidFill>
@@ -3726,33 +3745,13 @@
               <a:buNone/>
             </a:pPr>
             <a:r>
-              <a:rPr lang="en-US" sz="2800">
+              <a:rPr lang="en-US" sz="3200">
                 <a:solidFill>
                   <a:srgbClr val="C00000"/>
                 </a:solidFill>
                 <a:latin typeface="Avenir Next Condensed" panose="020B0506020202020204" pitchFamily="34" charset="0"/>
               </a:rPr>
               <a:t>document.getElementById('firstName').innerHTML = firstName</a:t>
-            </a:r>
-          </a:p>
-          <a:p>
-            <a:r>
-              <a:rPr lang="en-US">
-                <a:solidFill>
-                  <a:schemeClr val="accent1"/>
-                </a:solidFill>
-              </a:rPr>
-              <a:t>This is seldom done in production code, but we can use it to begin introducing getting values dynamically</a:t>
-            </a:r>
-          </a:p>
-          <a:p>
-            <a:r>
-              <a:rPr lang="en-US">
-                <a:solidFill>
-                  <a:schemeClr val="accent1"/>
-                </a:solidFill>
-              </a:rPr>
-              <a:t>It's common to have content that is partially static and partially dynamic</a:t>
             </a:r>
           </a:p>
         </p:txBody>
@@ -3815,7 +3814,7 @@
                 </a:solidFill>
                 <a:latin typeface="Contrail One" panose="02000000000000000000" pitchFamily="2" charset="77"/>
               </a:rPr>
-              <a:t>Exercise 7</a:t>
+              <a:t>Exercise 6</a:t>
             </a:r>
           </a:p>
         </p:txBody>
@@ -3844,167 +3843,35 @@
         </p:spPr>
         <p:txBody>
           <a:bodyPr>
-            <a:normAutofit/>
+            <a:noAutofit/>
           </a:bodyPr>
           <a:lstStyle/>
           <a:p>
             <a:r>
-              <a:rPr lang="en-US">
-                <a:solidFill>
-                  <a:schemeClr val="accent1"/>
-                </a:solidFill>
-              </a:rPr>
-              <a:t>HTML elements have various attributes</a:t>
-            </a:r>
-          </a:p>
-          <a:p>
-            <a:pPr marL="0" indent="0">
-              <a:buNone/>
-            </a:pPr>
-            <a:r>
-              <a:rPr lang="en-US">
-                <a:solidFill>
-                  <a:srgbClr val="C00000"/>
-                </a:solidFill>
-                <a:latin typeface="Avenir Next Condensed" panose="020B0506020202020204" pitchFamily="34" charset="0"/>
-              </a:rPr>
-              <a:t>&lt;div id="deal-of-the-day" class="featured-product"&gt;Red Widget&lt;/div&gt;</a:t>
-            </a:r>
-            <a:endParaRPr lang="en-US">
-              <a:solidFill>
-                <a:schemeClr val="accent1"/>
-              </a:solidFill>
-            </a:endParaRPr>
-          </a:p>
-          <a:p>
-            <a:pPr marL="0" indent="0">
-              <a:buNone/>
-            </a:pPr>
-            <a:r>
-              <a:rPr lang="en-US">
-                <a:solidFill>
-                  <a:srgbClr val="C00000"/>
-                </a:solidFill>
-                <a:latin typeface="Avenir Next Condensed" panose="020B0506020202020204" pitchFamily="34" charset="0"/>
-              </a:rPr>
-              <a:t>&lt;div class="featured-product"&gt;Blue Widget&lt;/div&gt;</a:t>
-            </a:r>
-          </a:p>
-          <a:p>
-            <a:pPr marL="0" indent="0">
-              <a:buNone/>
-            </a:pPr>
-            <a:r>
-              <a:rPr lang="en-US">
-                <a:solidFill>
-                  <a:srgbClr val="C00000"/>
-                </a:solidFill>
-                <a:latin typeface="Avenir Next Condensed" panose="020B0506020202020204" pitchFamily="34" charset="0"/>
-              </a:rPr>
-              <a:t>&lt;div class="featured-product"&gt;White Widget&lt;/div&gt;</a:t>
-            </a:r>
-          </a:p>
-          <a:p>
-            <a:r>
-              <a:rPr lang="en-US">
-                <a:solidFill>
-                  <a:schemeClr val="accent1"/>
-                </a:solidFill>
-              </a:rPr>
-              <a:t>The class attribute is useful in grouping elements that have some commonality that we wish to either style using CSS or manipulate using JavaScript.</a:t>
-            </a:r>
-          </a:p>
-          <a:p>
-            <a:pPr marL="0" indent="0">
-              <a:buNone/>
-            </a:pPr>
-            <a:r>
-              <a:rPr lang="en-US">
-                <a:solidFill>
-                  <a:srgbClr val="C00000"/>
-                </a:solidFill>
-                <a:latin typeface="Avenir Next Condensed" panose="020B0506020202020204" pitchFamily="34" charset="0"/>
-              </a:rPr>
-              <a:t>.featured-product{</a:t>
-            </a:r>
-          </a:p>
-          <a:p>
-            <a:pPr marL="0" indent="0">
-              <a:buNone/>
-            </a:pPr>
-            <a:r>
-              <a:rPr lang="en-US">
-                <a:solidFill>
-                  <a:srgbClr val="C00000"/>
-                </a:solidFill>
-                <a:latin typeface="Avenir Next Condensed" panose="020B0506020202020204" pitchFamily="34" charset="0"/>
-              </a:rPr>
-              <a:t>  color: red;</a:t>
-            </a:r>
-          </a:p>
-          <a:p>
-            <a:pPr marL="0" indent="0">
-              <a:buNone/>
-            </a:pPr>
-            <a:r>
-              <a:rPr lang="en-US">
-                <a:solidFill>
-                  <a:srgbClr val="C00000"/>
-                </a:solidFill>
-                <a:latin typeface="Avenir Next Condensed" panose="020B0506020202020204" pitchFamily="34" charset="0"/>
-              </a:rPr>
-              <a:t>}</a:t>
-            </a:r>
-          </a:p>
-        </p:txBody>
-      </p:sp>
-      <p:sp>
-        <p:nvSpPr>
-          <p:cNvPr id="4" name="TextBox 3">
-            <a:extLst>
-              <a:ext uri="{FF2B5EF4-FFF2-40B4-BE49-F238E27FC236}">
-                <a16:creationId xmlns:a16="http://schemas.microsoft.com/office/drawing/2014/main" id="{64E29C0E-9858-FD48-AEDC-08ECAB0D391A}"/>
-              </a:ext>
-            </a:extLst>
-          </p:cNvPr>
-          <p:cNvSpPr txBox="1"/>
-          <p:nvPr/>
-        </p:nvSpPr>
-        <p:spPr>
-          <a:xfrm>
-            <a:off x="5576934" y="4666400"/>
-            <a:ext cx="6346479" cy="954107"/>
-          </a:xfrm>
-          <a:prstGeom prst="rect">
-            <a:avLst/>
-          </a:prstGeom>
-          <a:noFill/>
-        </p:spPr>
-        <p:txBody>
-          <a:bodyPr wrap="square" rtlCol="0">
-            <a:spAutoFit/>
-          </a:bodyPr>
-          <a:lstStyle/>
-          <a:p>
-            <a:r>
-              <a:rPr lang="en-US" sz="2800">
-                <a:solidFill>
-                  <a:srgbClr val="C00000"/>
-                </a:solidFill>
-                <a:latin typeface="Avenir Next Condensed" panose="020B0506020202020204" pitchFamily="34" charset="0"/>
-              </a:rPr>
-              <a:t>document.querySelectorAll('.featured-product')</a:t>
-            </a:r>
-          </a:p>
-          <a:p>
-            <a:endParaRPr lang="en-US" sz="2800"/>
+              <a:rPr lang="en-US" sz="3200">
+                <a:solidFill>
+                  <a:schemeClr val="accent1"/>
+                </a:solidFill>
+              </a:rPr>
+              <a:t>This is seldom done in production code, but we can use it to begin introducing getting values dynamically</a:t>
+            </a:r>
+          </a:p>
+          <a:p>
+            <a:r>
+              <a:rPr lang="en-US" sz="3200">
+                <a:solidFill>
+                  <a:schemeClr val="accent1"/>
+                </a:solidFill>
+              </a:rPr>
+              <a:t>It's common to have content that is partially static and partially dynamic</a:t>
+            </a:r>
           </a:p>
         </p:txBody>
       </p:sp>
     </p:spTree>
     <p:extLst>
       <p:ext uri="{BB962C8B-B14F-4D97-AF65-F5344CB8AC3E}">
-        <p14:creationId xmlns:p14="http://schemas.microsoft.com/office/powerpoint/2010/main" val="862168098"/>
+        <p14:creationId xmlns:p14="http://schemas.microsoft.com/office/powerpoint/2010/main" val="976637671"/>
       </p:ext>
     </p:extLst>
   </p:cSld>
@@ -4059,7 +3926,7 @@
                 </a:solidFill>
                 <a:latin typeface="Contrail One" panose="02000000000000000000" pitchFamily="2" charset="77"/>
               </a:rPr>
-              <a:t>Exercise 8</a:t>
+              <a:t>Exercise 7</a:t>
             </a:r>
           </a:p>
         </p:txBody>
@@ -4098,8 +3965,13 @@
                   <a:schemeClr val="accent1"/>
                 </a:solidFill>
               </a:rPr>
-              <a:t>The browser function, </a:t>
-            </a:r>
+              <a:t>HTML elements have various attributes</a:t>
+            </a:r>
+          </a:p>
+          <a:p>
+            <a:pPr marL="0" indent="0">
+              <a:buNone/>
+            </a:pPr>
             <a:r>
               <a:rPr lang="en-US">
                 <a:solidFill>
@@ -4107,16 +3979,13 @@
                 </a:solidFill>
                 <a:latin typeface="Avenir Next Condensed" panose="020B0506020202020204" pitchFamily="34" charset="0"/>
               </a:rPr>
-              <a:t>document.querySelector</a:t>
-            </a:r>
-            <a:r>
-              <a:rPr lang="en-US">
-                <a:solidFill>
-                  <a:schemeClr val="accent1"/>
-                </a:solidFill>
-              </a:rPr>
-              <a:t>, lets us select from a wide range of criteria</a:t>
-            </a:r>
+              <a:t>&lt;div id="deal-of-the-day" class="featured-product"&gt;Red Widget&lt;/div&gt;</a:t>
+            </a:r>
+            <a:endParaRPr lang="en-US">
+              <a:solidFill>
+                <a:schemeClr val="accent1"/>
+              </a:solidFill>
+            </a:endParaRPr>
           </a:p>
           <a:p>
             <a:pPr marL="0" indent="0">
@@ -4129,15 +3998,7 @@
                 </a:solidFill>
                 <a:latin typeface="Avenir Next Condensed" panose="020B0506020202020204" pitchFamily="34" charset="0"/>
               </a:rPr>
-              <a:t>document.querySelector('main') </a:t>
-            </a:r>
-            <a:r>
-              <a:rPr lang="en-US">
-                <a:solidFill>
-                  <a:schemeClr val="accent1"/>
-                </a:solidFill>
-              </a:rPr>
-              <a:t>selects by element name</a:t>
+              <a:t>&lt;div class="featured-product"&gt;Blue Widget&lt;/div&gt;</a:t>
             </a:r>
           </a:p>
           <a:p>
@@ -4151,15 +4012,17 @@
                 </a:solidFill>
                 <a:latin typeface="Avenir Next Condensed" panose="020B0506020202020204" pitchFamily="34" charset="0"/>
               </a:rPr>
-              <a:t>document.querySelctor('.featured-product') </a:t>
-            </a:r>
-            <a:r>
-              <a:rPr lang="en-US">
-                <a:solidFill>
-                  <a:schemeClr val="accent1"/>
-                </a:solidFill>
-              </a:rPr>
-              <a:t>selects by class attribute</a:t>
+              <a:t>&lt;div class="featured-product"&gt;White Widget&lt;/div&gt;</a:t>
+            </a:r>
+          </a:p>
+          <a:p>
+            <a:r>
+              <a:rPr lang="en-US">
+                <a:solidFill>
+                  <a:schemeClr val="accent1"/>
+                </a:solidFill>
+              </a:rPr>
+              <a:t>The class attribute is useful in grouping elements that have some commonality that we wish to either style using CSS or manipulate using JavaScript.</a:t>
             </a:r>
           </a:p>
           <a:p>
@@ -4173,23 +4036,86 @@
                 </a:solidFill>
                 <a:latin typeface="Avenir Next Condensed" panose="020B0506020202020204" pitchFamily="34" charset="0"/>
               </a:rPr>
-              <a:t>document.querySelector('#deal-of-the-day') </a:t>
-            </a:r>
-            <a:r>
-              <a:rPr lang="en-US">
-                <a:solidFill>
-                  <a:schemeClr val="accent1"/>
-                </a:solidFill>
-              </a:rPr>
-              <a:t>selects by id attribute</a:t>
-            </a:r>
+              <a:t>.featured-product{</a:t>
+            </a:r>
+          </a:p>
+          <a:p>
+            <a:pPr marL="0" indent="0">
+              <a:buNone/>
+            </a:pPr>
+            <a:r>
+              <a:rPr lang="en-US">
+                <a:solidFill>
+                  <a:srgbClr val="C00000"/>
+                </a:solidFill>
+                <a:latin typeface="Avenir Next Condensed" panose="020B0506020202020204" pitchFamily="34" charset="0"/>
+              </a:rPr>
+              <a:t>  color: red;</a:t>
+            </a:r>
+          </a:p>
+          <a:p>
+            <a:pPr marL="0" indent="0">
+              <a:buNone/>
+            </a:pPr>
+            <a:r>
+              <a:rPr lang="en-US">
+                <a:solidFill>
+                  <a:srgbClr val="C00000"/>
+                </a:solidFill>
+                <a:latin typeface="Avenir Next Condensed" panose="020B0506020202020204" pitchFamily="34" charset="0"/>
+              </a:rPr>
+              <a:t>}</a:t>
+            </a:r>
+          </a:p>
+        </p:txBody>
+      </p:sp>
+      <p:sp>
+        <p:nvSpPr>
+          <p:cNvPr id="4" name="TextBox 3">
+            <a:extLst>
+              <a:ext uri="{FF2B5EF4-FFF2-40B4-BE49-F238E27FC236}">
+                <a16:creationId xmlns:a16="http://schemas.microsoft.com/office/drawing/2014/main" id="{64E29C0E-9858-FD48-AEDC-08ECAB0D391A}"/>
+              </a:ext>
+            </a:extLst>
+          </p:cNvPr>
+          <p:cNvSpPr txBox="1"/>
+          <p:nvPr/>
+        </p:nvSpPr>
+        <p:spPr>
+          <a:xfrm>
+            <a:off x="5576934" y="4666400"/>
+            <a:ext cx="6346479" cy="954107"/>
+          </a:xfrm>
+          <a:prstGeom prst="rect">
+            <a:avLst/>
+          </a:prstGeom>
+          <a:noFill/>
+        </p:spPr>
+        <p:txBody>
+          <a:bodyPr wrap="square" rtlCol="0">
+            <a:spAutoFit/>
+          </a:bodyPr>
+          <a:lstStyle/>
+          <a:p>
+            <a:r>
+              <a:rPr lang="en-US" sz="2800">
+                <a:solidFill>
+                  <a:srgbClr val="C00000"/>
+                </a:solidFill>
+                <a:latin typeface="Avenir Next Condensed" panose="020B0506020202020204" pitchFamily="34" charset="0"/>
+              </a:rPr>
+              <a:t>document.querySelectorAll('.featured-product')</a:t>
+            </a:r>
+          </a:p>
+          <a:p>
+            <a:endParaRPr lang="en-US" sz="2800"/>
           </a:p>
         </p:txBody>
       </p:sp>
     </p:spTree>
     <p:extLst>
       <p:ext uri="{BB962C8B-B14F-4D97-AF65-F5344CB8AC3E}">
-        <p14:creationId xmlns:p14="http://schemas.microsoft.com/office/powerpoint/2010/main" val="821649520"/>
+        <p14:creationId xmlns:p14="http://schemas.microsoft.com/office/powerpoint/2010/main" val="862168098"/>
       </p:ext>
     </p:extLst>
   </p:cSld>
@@ -4244,7 +4170,7 @@
                 </a:solidFill>
                 <a:latin typeface="Contrail One" panose="02000000000000000000" pitchFamily="2" charset="77"/>
               </a:rPr>
-              <a:t>Exercise 9</a:t>
+              <a:t>Exercise 8</a:t>
             </a:r>
           </a:p>
         </p:txBody>
@@ -4268,7 +4194,7 @@
         <p:spPr>
           <a:xfrm>
             <a:off x="838199" y="1319980"/>
-            <a:ext cx="10864645" cy="5379584"/>
+            <a:ext cx="10864645" cy="5080820"/>
           </a:xfrm>
         </p:spPr>
         <p:txBody>
@@ -4278,185 +4204,103 @@
           <a:lstStyle/>
           <a:p>
             <a:r>
-              <a:rPr lang="en-US">
-                <a:solidFill>
-                  <a:schemeClr val="accent1"/>
-                </a:solidFill>
-              </a:rPr>
-              <a:t>We apply </a:t>
-            </a:r>
-            <a:r>
-              <a:rPr lang="en-US" i="1">
-                <a:solidFill>
-                  <a:schemeClr val="accent1"/>
-                </a:solidFill>
-              </a:rPr>
-              <a:t>conditional code</a:t>
-            </a:r>
-            <a:r>
-              <a:rPr lang="en-US">
-                <a:solidFill>
-                  <a:schemeClr val="accent1"/>
-                </a:solidFill>
-              </a:rPr>
-              <a:t> to situations in which different conditions require different actions</a:t>
-            </a:r>
-          </a:p>
-          <a:p>
-            <a:pPr lvl="1"/>
-            <a:r>
-              <a:rPr lang="en-US">
-                <a:solidFill>
-                  <a:schemeClr val="accent1"/>
-                </a:solidFill>
-              </a:rPr>
-              <a:t>If user has a valid login, let them proceed; else ask them to log in again</a:t>
-            </a:r>
-          </a:p>
-          <a:p>
-            <a:pPr lvl="1"/>
-            <a:r>
-              <a:rPr lang="en-US">
-                <a:solidFill>
-                  <a:schemeClr val="accent1"/>
-                </a:solidFill>
-              </a:rPr>
-              <a:t>If user doesn't have sufficient funds, refuse transfer; else transfer funds</a:t>
-            </a:r>
-          </a:p>
-          <a:p>
-            <a:pPr lvl="1"/>
-            <a:r>
-              <a:rPr lang="en-US">
-                <a:solidFill>
-                  <a:schemeClr val="accent1"/>
-                </a:solidFill>
-              </a:rPr>
-              <a:t>If product is in stock, display it; else do not display it</a:t>
-            </a:r>
-          </a:p>
-          <a:p>
-            <a:r>
-              <a:rPr lang="en-US">
-                <a:solidFill>
-                  <a:schemeClr val="accent1"/>
-                </a:solidFill>
-              </a:rPr>
-              <a:t>The most common way we implement this is with an </a:t>
-            </a:r>
-            <a:r>
-              <a:rPr lang="en-US" i="1">
-                <a:solidFill>
-                  <a:schemeClr val="accent1"/>
-                </a:solidFill>
-              </a:rPr>
-              <a:t>if statement</a:t>
-            </a:r>
-            <a:endParaRPr lang="en-US">
-              <a:solidFill>
-                <a:schemeClr val="accent1"/>
-              </a:solidFill>
-            </a:endParaRPr>
+              <a:rPr lang="en-US" sz="3200">
+                <a:solidFill>
+                  <a:schemeClr val="accent1"/>
+                </a:solidFill>
+              </a:rPr>
+              <a:t>The browser function, </a:t>
+            </a:r>
+            <a:r>
+              <a:rPr lang="en-US" sz="3200">
+                <a:solidFill>
+                  <a:srgbClr val="C00000"/>
+                </a:solidFill>
+                <a:latin typeface="Avenir Next Condensed" panose="020B0506020202020204" pitchFamily="34" charset="0"/>
+              </a:rPr>
+              <a:t>document.querySelector</a:t>
+            </a:r>
+            <a:r>
+              <a:rPr lang="en-US" sz="3200">
+                <a:solidFill>
+                  <a:schemeClr val="accent1"/>
+                </a:solidFill>
+              </a:rPr>
+              <a:t>, lets us select from a wide range of criteria</a:t>
+            </a:r>
           </a:p>
           <a:p>
             <a:pPr marL="0" indent="0">
               <a:buNone/>
             </a:pPr>
             <a:r>
-              <a:rPr lang="en-US">
+              <a:rPr lang="en-US" sz="3200">
                 <a:solidFill>
                   <a:srgbClr val="C00000"/>
                 </a:solidFill>
                 <a:latin typeface="Avenir Next Condensed" panose="020B0506020202020204" pitchFamily="34" charset="0"/>
               </a:rPr>
-              <a:t>if (</a:t>
-            </a:r>
-            <a:r>
-              <a:rPr lang="en-US" i="1">
+              <a:t>document.querySelector('main') </a:t>
+            </a:r>
+            <a:r>
+              <a:rPr lang="en-US" sz="3200">
+                <a:solidFill>
+                  <a:schemeClr val="accent1"/>
+                </a:solidFill>
+              </a:rPr>
+              <a:t>selects by element name</a:t>
+            </a:r>
+          </a:p>
+          <a:p>
+            <a:pPr marL="0" indent="0">
+              <a:buNone/>
+            </a:pPr>
+            <a:r>
+              <a:rPr lang="en-US" sz="3200">
                 <a:solidFill>
                   <a:srgbClr val="C00000"/>
                 </a:solidFill>
                 <a:latin typeface="Avenir Next Condensed" panose="020B0506020202020204" pitchFamily="34" charset="0"/>
               </a:rPr>
-              <a:t>some condition</a:t>
-            </a:r>
-            <a:r>
-              <a:rPr lang="en-US">
+              <a:t>document.querySelctor('.featured-product') </a:t>
+            </a:r>
+            <a:r>
+              <a:rPr lang="en-US" sz="3200">
+                <a:solidFill>
+                  <a:schemeClr val="accent1"/>
+                </a:solidFill>
+              </a:rPr>
+              <a:t>selects by class attribute</a:t>
+            </a:r>
+          </a:p>
+          <a:p>
+            <a:pPr marL="0" indent="0">
+              <a:buNone/>
+            </a:pPr>
+            <a:r>
+              <a:rPr lang="en-US" sz="3200">
                 <a:solidFill>
                   <a:srgbClr val="C00000"/>
                 </a:solidFill>
                 <a:latin typeface="Avenir Next Condensed" panose="020B0506020202020204" pitchFamily="34" charset="0"/>
               </a:rPr>
-              <a:t> === true ) {</a:t>
-            </a:r>
-          </a:p>
-          <a:p>
-            <a:pPr marL="0" indent="0">
-              <a:buNone/>
-            </a:pPr>
-            <a:r>
-              <a:rPr lang="en-US" i="1">
-                <a:solidFill>
-                  <a:srgbClr val="C00000"/>
-                </a:solidFill>
-                <a:latin typeface="Avenir Next Condensed" panose="020B0506020202020204" pitchFamily="34" charset="0"/>
-              </a:rPr>
-              <a:t>  do this</a:t>
-            </a:r>
-          </a:p>
-          <a:p>
-            <a:pPr marL="0" indent="0">
-              <a:buNone/>
-            </a:pPr>
-            <a:r>
-              <a:rPr lang="en-US">
-                <a:solidFill>
-                  <a:srgbClr val="C00000"/>
-                </a:solidFill>
-                <a:latin typeface="Avenir Next Condensed" panose="020B0506020202020204" pitchFamily="34" charset="0"/>
-              </a:rPr>
-              <a:t>} else {</a:t>
-            </a:r>
-          </a:p>
-          <a:p>
-            <a:pPr marL="0" indent="0">
-              <a:buNone/>
-            </a:pPr>
-            <a:r>
-              <a:rPr lang="en-US" i="1">
-                <a:solidFill>
-                  <a:srgbClr val="C00000"/>
-                </a:solidFill>
-                <a:latin typeface="Avenir Next Condensed" panose="020B0506020202020204" pitchFamily="34" charset="0"/>
-              </a:rPr>
-              <a:t>  do that</a:t>
-            </a:r>
-          </a:p>
-          <a:p>
-            <a:pPr marL="0" indent="0">
-              <a:buNone/>
-            </a:pPr>
-            <a:r>
-              <a:rPr lang="en-US">
-                <a:solidFill>
-                  <a:srgbClr val="C00000"/>
-                </a:solidFill>
-                <a:latin typeface="Avenir Next Condensed" panose="020B0506020202020204" pitchFamily="34" charset="0"/>
-              </a:rPr>
-              <a:t>}</a:t>
-            </a:r>
-            <a:endParaRPr lang="en-US">
-              <a:solidFill>
-                <a:schemeClr val="accent1"/>
-              </a:solidFill>
-            </a:endParaRPr>
+              <a:t>document.querySelector('#deal-of-the-day') </a:t>
+            </a:r>
+            <a:r>
+              <a:rPr lang="en-US" sz="3200">
+                <a:solidFill>
+                  <a:schemeClr val="accent1"/>
+                </a:solidFill>
+              </a:rPr>
+              <a:t>selects by id attribute</a:t>
+            </a:r>
           </a:p>
         </p:txBody>
       </p:sp>
     </p:spTree>
     <p:extLst>
       <p:ext uri="{BB962C8B-B14F-4D97-AF65-F5344CB8AC3E}">
-        <p14:creationId xmlns:p14="http://schemas.microsoft.com/office/powerpoint/2010/main" val="615459489"/>
+        <p14:creationId xmlns:p14="http://schemas.microsoft.com/office/powerpoint/2010/main" val="821649520"/>
       </p:ext>
     </p:extLst>
   </p:cSld>
@@ -4511,7 +4355,7 @@
                 </a:solidFill>
                 <a:latin typeface="Contrail One" panose="02000000000000000000" pitchFamily="2" charset="77"/>
               </a:rPr>
-              <a:t>Exercise 10</a:t>
+              <a:t>Exercise 9</a:t>
             </a:r>
           </a:p>
         </p:txBody>
@@ -4550,6 +4394,273 @@
                   <a:schemeClr val="accent1"/>
                 </a:solidFill>
               </a:rPr>
+              <a:t>We apply </a:t>
+            </a:r>
+            <a:r>
+              <a:rPr lang="en-US" i="1">
+                <a:solidFill>
+                  <a:schemeClr val="accent1"/>
+                </a:solidFill>
+              </a:rPr>
+              <a:t>conditional code</a:t>
+            </a:r>
+            <a:r>
+              <a:rPr lang="en-US">
+                <a:solidFill>
+                  <a:schemeClr val="accent1"/>
+                </a:solidFill>
+              </a:rPr>
+              <a:t> to situations in which different conditions require different actions</a:t>
+            </a:r>
+          </a:p>
+          <a:p>
+            <a:pPr lvl="1"/>
+            <a:r>
+              <a:rPr lang="en-US">
+                <a:solidFill>
+                  <a:schemeClr val="accent1"/>
+                </a:solidFill>
+              </a:rPr>
+              <a:t>If user has a valid login, let them proceed; else ask them to log in again</a:t>
+            </a:r>
+          </a:p>
+          <a:p>
+            <a:pPr lvl="1"/>
+            <a:r>
+              <a:rPr lang="en-US">
+                <a:solidFill>
+                  <a:schemeClr val="accent1"/>
+                </a:solidFill>
+              </a:rPr>
+              <a:t>If user doesn't have sufficient funds, refuse transfer; else transfer funds</a:t>
+            </a:r>
+          </a:p>
+          <a:p>
+            <a:pPr lvl="1"/>
+            <a:r>
+              <a:rPr lang="en-US">
+                <a:solidFill>
+                  <a:schemeClr val="accent1"/>
+                </a:solidFill>
+              </a:rPr>
+              <a:t>If product is in stock, display it; else do not display it</a:t>
+            </a:r>
+          </a:p>
+          <a:p>
+            <a:r>
+              <a:rPr lang="en-US">
+                <a:solidFill>
+                  <a:schemeClr val="accent1"/>
+                </a:solidFill>
+              </a:rPr>
+              <a:t>The most common way we implement this is with an </a:t>
+            </a:r>
+            <a:r>
+              <a:rPr lang="en-US" i="1">
+                <a:solidFill>
+                  <a:schemeClr val="accent1"/>
+                </a:solidFill>
+              </a:rPr>
+              <a:t>if statement</a:t>
+            </a:r>
+            <a:endParaRPr lang="en-US">
+              <a:solidFill>
+                <a:schemeClr val="accent1"/>
+              </a:solidFill>
+            </a:endParaRPr>
+          </a:p>
+          <a:p>
+            <a:pPr marL="0" indent="0">
+              <a:buNone/>
+            </a:pPr>
+            <a:r>
+              <a:rPr lang="en-US">
+                <a:solidFill>
+                  <a:srgbClr val="C00000"/>
+                </a:solidFill>
+                <a:latin typeface="Avenir Next Condensed" panose="020B0506020202020204" pitchFamily="34" charset="0"/>
+              </a:rPr>
+              <a:t>if (</a:t>
+            </a:r>
+            <a:r>
+              <a:rPr lang="en-US" i="1">
+                <a:solidFill>
+                  <a:srgbClr val="C00000"/>
+                </a:solidFill>
+                <a:latin typeface="Avenir Next Condensed" panose="020B0506020202020204" pitchFamily="34" charset="0"/>
+              </a:rPr>
+              <a:t>some condition</a:t>
+            </a:r>
+            <a:r>
+              <a:rPr lang="en-US">
+                <a:solidFill>
+                  <a:srgbClr val="C00000"/>
+                </a:solidFill>
+                <a:latin typeface="Avenir Next Condensed" panose="020B0506020202020204" pitchFamily="34" charset="0"/>
+              </a:rPr>
+              <a:t> === true ) {</a:t>
+            </a:r>
+          </a:p>
+          <a:p>
+            <a:pPr marL="0" indent="0">
+              <a:buNone/>
+            </a:pPr>
+            <a:r>
+              <a:rPr lang="en-US" i="1">
+                <a:solidFill>
+                  <a:srgbClr val="C00000"/>
+                </a:solidFill>
+                <a:latin typeface="Avenir Next Condensed" panose="020B0506020202020204" pitchFamily="34" charset="0"/>
+              </a:rPr>
+              <a:t>  do this</a:t>
+            </a:r>
+          </a:p>
+          <a:p>
+            <a:pPr marL="0" indent="0">
+              <a:buNone/>
+            </a:pPr>
+            <a:r>
+              <a:rPr lang="en-US">
+                <a:solidFill>
+                  <a:srgbClr val="C00000"/>
+                </a:solidFill>
+                <a:latin typeface="Avenir Next Condensed" panose="020B0506020202020204" pitchFamily="34" charset="0"/>
+              </a:rPr>
+              <a:t>} else {</a:t>
+            </a:r>
+          </a:p>
+          <a:p>
+            <a:pPr marL="0" indent="0">
+              <a:buNone/>
+            </a:pPr>
+            <a:r>
+              <a:rPr lang="en-US" i="1">
+                <a:solidFill>
+                  <a:srgbClr val="C00000"/>
+                </a:solidFill>
+                <a:latin typeface="Avenir Next Condensed" panose="020B0506020202020204" pitchFamily="34" charset="0"/>
+              </a:rPr>
+              <a:t>  do that</a:t>
+            </a:r>
+          </a:p>
+          <a:p>
+            <a:pPr marL="0" indent="0">
+              <a:buNone/>
+            </a:pPr>
+            <a:r>
+              <a:rPr lang="en-US">
+                <a:solidFill>
+                  <a:srgbClr val="C00000"/>
+                </a:solidFill>
+                <a:latin typeface="Avenir Next Condensed" panose="020B0506020202020204" pitchFamily="34" charset="0"/>
+              </a:rPr>
+              <a:t>}</a:t>
+            </a:r>
+            <a:endParaRPr lang="en-US">
+              <a:solidFill>
+                <a:schemeClr val="accent1"/>
+              </a:solidFill>
+            </a:endParaRPr>
+          </a:p>
+        </p:txBody>
+      </p:sp>
+    </p:spTree>
+    <p:extLst>
+      <p:ext uri="{BB962C8B-B14F-4D97-AF65-F5344CB8AC3E}">
+        <p14:creationId xmlns:p14="http://schemas.microsoft.com/office/powerpoint/2010/main" val="615459489"/>
+      </p:ext>
+    </p:extLst>
+  </p:cSld>
+  <p:clrMapOvr>
+    <a:masterClrMapping/>
+  </p:clrMapOvr>
+</p:sld>
+</file>
+
+<file path=ppt/slides/slide15.xml><?xml version="1.0" encoding="utf-8"?>
+<p:sld xmlns:a="http://schemas.openxmlformats.org/drawingml/2006/main" xmlns:r="http://schemas.openxmlformats.org/officeDocument/2006/relationships" xmlns:p="http://schemas.openxmlformats.org/presentationml/2006/main">
+  <p:cSld>
+    <p:spTree>
+      <p:nvGrpSpPr>
+        <p:cNvPr id="1" name=""/>
+        <p:cNvGrpSpPr/>
+        <p:nvPr/>
+      </p:nvGrpSpPr>
+      <p:grpSpPr>
+        <a:xfrm>
+          <a:off x="0" y="0"/>
+          <a:ext cx="0" cy="0"/>
+          <a:chOff x="0" y="0"/>
+          <a:chExt cx="0" cy="0"/>
+        </a:xfrm>
+      </p:grpSpPr>
+      <p:sp>
+        <p:nvSpPr>
+          <p:cNvPr id="2" name="Title 1">
+            <a:extLst>
+              <a:ext uri="{FF2B5EF4-FFF2-40B4-BE49-F238E27FC236}">
+                <a16:creationId xmlns:a16="http://schemas.microsoft.com/office/drawing/2014/main" id="{A4E49C21-6F83-1E43-83AE-B6C96EB3F5B9}"/>
+              </a:ext>
+            </a:extLst>
+          </p:cNvPr>
+          <p:cNvSpPr>
+            <a:spLocks noGrp="1"/>
+          </p:cNvSpPr>
+          <p:nvPr>
+            <p:ph type="title"/>
+          </p:nvPr>
+        </p:nvSpPr>
+        <p:spPr/>
+        <p:txBody>
+          <a:bodyPr/>
+          <a:lstStyle/>
+          <a:p>
+            <a:r>
+              <a:rPr lang="en-US">
+                <a:solidFill>
+                  <a:schemeClr val="accent1"/>
+                </a:solidFill>
+                <a:latin typeface="Contrail One" panose="02000000000000000000" pitchFamily="2" charset="77"/>
+              </a:rPr>
+              <a:t>Exercise 10</a:t>
+            </a:r>
+          </a:p>
+        </p:txBody>
+      </p:sp>
+      <p:sp>
+        <p:nvSpPr>
+          <p:cNvPr id="3" name="Content Placeholder 2">
+            <a:extLst>
+              <a:ext uri="{FF2B5EF4-FFF2-40B4-BE49-F238E27FC236}">
+                <a16:creationId xmlns:a16="http://schemas.microsoft.com/office/drawing/2014/main" id="{B06AC98F-540D-894F-849E-51C7D79CDE75}"/>
+              </a:ext>
+            </a:extLst>
+          </p:cNvPr>
+          <p:cNvSpPr>
+            <a:spLocks noGrp="1"/>
+          </p:cNvSpPr>
+          <p:nvPr>
+            <p:ph idx="1"/>
+          </p:nvPr>
+        </p:nvSpPr>
+        <p:spPr>
+          <a:xfrm>
+            <a:off x="838199" y="1319980"/>
+            <a:ext cx="10864645" cy="5379584"/>
+          </a:xfrm>
+        </p:spPr>
+        <p:txBody>
+          <a:bodyPr>
+            <a:normAutofit/>
+          </a:bodyPr>
+          <a:lstStyle/>
+          <a:p>
+            <a:r>
+              <a:rPr lang="en-US">
+                <a:solidFill>
+                  <a:schemeClr val="accent1"/>
+                </a:solidFill>
+              </a:rPr>
               <a:t>In this exercise, we learn 3 new HTML elements</a:t>
             </a:r>
           </a:p>
@@ -4685,6 +4796,1009 @@
     <p:extLst>
       <p:ext uri="{BB962C8B-B14F-4D97-AF65-F5344CB8AC3E}">
         <p14:creationId xmlns:p14="http://schemas.microsoft.com/office/powerpoint/2010/main" val="2955222058"/>
+      </p:ext>
+    </p:extLst>
+  </p:cSld>
+  <p:clrMapOvr>
+    <a:masterClrMapping/>
+  </p:clrMapOvr>
+</p:sld>
+</file>
+
+<file path=ppt/slides/slide16.xml><?xml version="1.0" encoding="utf-8"?>
+<p:sld xmlns:a="http://schemas.openxmlformats.org/drawingml/2006/main" xmlns:r="http://schemas.openxmlformats.org/officeDocument/2006/relationships" xmlns:p="http://schemas.openxmlformats.org/presentationml/2006/main">
+  <p:cSld>
+    <p:spTree>
+      <p:nvGrpSpPr>
+        <p:cNvPr id="1" name=""/>
+        <p:cNvGrpSpPr/>
+        <p:nvPr/>
+      </p:nvGrpSpPr>
+      <p:grpSpPr>
+        <a:xfrm>
+          <a:off x="0" y="0"/>
+          <a:ext cx="0" cy="0"/>
+          <a:chOff x="0" y="0"/>
+          <a:chExt cx="0" cy="0"/>
+        </a:xfrm>
+      </p:grpSpPr>
+      <p:sp>
+        <p:nvSpPr>
+          <p:cNvPr id="2" name="Title 1">
+            <a:extLst>
+              <a:ext uri="{FF2B5EF4-FFF2-40B4-BE49-F238E27FC236}">
+                <a16:creationId xmlns:a16="http://schemas.microsoft.com/office/drawing/2014/main" id="{A4E49C21-6F83-1E43-83AE-B6C96EB3F5B9}"/>
+              </a:ext>
+            </a:extLst>
+          </p:cNvPr>
+          <p:cNvSpPr>
+            <a:spLocks noGrp="1"/>
+          </p:cNvSpPr>
+          <p:nvPr>
+            <p:ph type="title"/>
+          </p:nvPr>
+        </p:nvSpPr>
+        <p:spPr/>
+        <p:txBody>
+          <a:bodyPr/>
+          <a:lstStyle/>
+          <a:p>
+            <a:r>
+              <a:rPr lang="en-US">
+                <a:solidFill>
+                  <a:schemeClr val="accent1"/>
+                </a:solidFill>
+                <a:latin typeface="Contrail One" panose="02000000000000000000" pitchFamily="2" charset="77"/>
+              </a:rPr>
+              <a:t>Exercise 11</a:t>
+            </a:r>
+          </a:p>
+        </p:txBody>
+      </p:sp>
+      <p:sp>
+        <p:nvSpPr>
+          <p:cNvPr id="3" name="Content Placeholder 2">
+            <a:extLst>
+              <a:ext uri="{FF2B5EF4-FFF2-40B4-BE49-F238E27FC236}">
+                <a16:creationId xmlns:a16="http://schemas.microsoft.com/office/drawing/2014/main" id="{B06AC98F-540D-894F-849E-51C7D79CDE75}"/>
+              </a:ext>
+            </a:extLst>
+          </p:cNvPr>
+          <p:cNvSpPr>
+            <a:spLocks noGrp="1"/>
+          </p:cNvSpPr>
+          <p:nvPr>
+            <p:ph idx="1"/>
+          </p:nvPr>
+        </p:nvSpPr>
+        <p:spPr>
+          <a:xfrm>
+            <a:off x="838199" y="1319980"/>
+            <a:ext cx="5232401" cy="5379584"/>
+          </a:xfrm>
+        </p:spPr>
+        <p:txBody>
+          <a:bodyPr>
+            <a:normAutofit/>
+          </a:bodyPr>
+          <a:lstStyle/>
+          <a:p>
+            <a:r>
+              <a:rPr lang="en-US">
+                <a:solidFill>
+                  <a:schemeClr val="accent1"/>
+                </a:solidFill>
+              </a:rPr>
+              <a:t>With CSS, we can change the font type</a:t>
+            </a:r>
+          </a:p>
+          <a:p>
+            <a:pPr marL="457200" lvl="1" indent="0">
+              <a:buNone/>
+            </a:pPr>
+            <a:r>
+              <a:rPr lang="en-US" sz="2800">
+                <a:solidFill>
+                  <a:srgbClr val="C00000"/>
+                </a:solidFill>
+                <a:latin typeface="Avenir Next Condensed" panose="020B0506020202020204" pitchFamily="34" charset="0"/>
+              </a:rPr>
+              <a:t>body {</a:t>
+            </a:r>
+          </a:p>
+          <a:p>
+            <a:pPr marL="457200" lvl="1" indent="0">
+              <a:buNone/>
+            </a:pPr>
+            <a:r>
+              <a:rPr lang="en-US" sz="2800">
+                <a:solidFill>
+                  <a:srgbClr val="C00000"/>
+                </a:solidFill>
+                <a:latin typeface="Avenir Next Condensed" panose="020B0506020202020204" pitchFamily="34" charset="0"/>
+              </a:rPr>
+              <a:t>  font-family: 'Meddon';</a:t>
+            </a:r>
+          </a:p>
+          <a:p>
+            <a:pPr marL="457200" lvl="1" indent="0">
+              <a:buNone/>
+            </a:pPr>
+            <a:r>
+              <a:rPr lang="en-US" sz="2800">
+                <a:solidFill>
+                  <a:srgbClr val="C00000"/>
+                </a:solidFill>
+                <a:latin typeface="Avenir Next Condensed" panose="020B0506020202020204" pitchFamily="34" charset="0"/>
+              </a:rPr>
+              <a:t>}</a:t>
+            </a:r>
+          </a:p>
+          <a:p>
+            <a:r>
+              <a:rPr lang="en-US">
+                <a:solidFill>
+                  <a:schemeClr val="accent1"/>
+                </a:solidFill>
+              </a:rPr>
+              <a:t>We can use a wide variety of free fonts from </a:t>
+            </a:r>
+            <a:r>
+              <a:rPr lang="en-US" b="1">
+                <a:solidFill>
+                  <a:schemeClr val="accent1"/>
+                </a:solidFill>
+              </a:rPr>
+              <a:t>fonts.google.com</a:t>
+            </a:r>
+          </a:p>
+          <a:p>
+            <a:r>
+              <a:rPr lang="en-US">
+                <a:solidFill>
+                  <a:schemeClr val="accent1"/>
+                </a:solidFill>
+              </a:rPr>
+              <a:t>We start to explore some of the more interesting effects available with CSS such as a drop cap</a:t>
+            </a:r>
+          </a:p>
+          <a:p>
+            <a:pPr marL="0" indent="0">
+              <a:buNone/>
+            </a:pPr>
+            <a:endParaRPr lang="en-US">
+              <a:solidFill>
+                <a:schemeClr val="accent1"/>
+              </a:solidFill>
+            </a:endParaRPr>
+          </a:p>
+        </p:txBody>
+      </p:sp>
+      <p:pic>
+        <p:nvPicPr>
+          <p:cNvPr id="5" name="Picture 4">
+            <a:extLst>
+              <a:ext uri="{FF2B5EF4-FFF2-40B4-BE49-F238E27FC236}">
+                <a16:creationId xmlns:a16="http://schemas.microsoft.com/office/drawing/2014/main" id="{2CDF87B4-CE7D-2042-A36E-33F6CCD17A80}"/>
+              </a:ext>
+            </a:extLst>
+          </p:cNvPr>
+          <p:cNvPicPr>
+            <a:picLocks noChangeAspect="1"/>
+          </p:cNvPicPr>
+          <p:nvPr/>
+        </p:nvPicPr>
+        <p:blipFill>
+          <a:blip r:embed="rId2"/>
+          <a:stretch>
+            <a:fillRect/>
+          </a:stretch>
+        </p:blipFill>
+        <p:spPr>
+          <a:xfrm>
+            <a:off x="6070600" y="3356824"/>
+            <a:ext cx="6121400" cy="2616200"/>
+          </a:xfrm>
+          <a:prstGeom prst="rect">
+            <a:avLst/>
+          </a:prstGeom>
+        </p:spPr>
+      </p:pic>
+    </p:spTree>
+    <p:extLst>
+      <p:ext uri="{BB962C8B-B14F-4D97-AF65-F5344CB8AC3E}">
+        <p14:creationId xmlns:p14="http://schemas.microsoft.com/office/powerpoint/2010/main" val="3944496091"/>
+      </p:ext>
+    </p:extLst>
+  </p:cSld>
+  <p:clrMapOvr>
+    <a:masterClrMapping/>
+  </p:clrMapOvr>
+</p:sld>
+</file>
+
+<file path=ppt/slides/slide17.xml><?xml version="1.0" encoding="utf-8"?>
+<p:sld xmlns:a="http://schemas.openxmlformats.org/drawingml/2006/main" xmlns:r="http://schemas.openxmlformats.org/officeDocument/2006/relationships" xmlns:p="http://schemas.openxmlformats.org/presentationml/2006/main">
+  <p:cSld>
+    <p:spTree>
+      <p:nvGrpSpPr>
+        <p:cNvPr id="1" name=""/>
+        <p:cNvGrpSpPr/>
+        <p:nvPr/>
+      </p:nvGrpSpPr>
+      <p:grpSpPr>
+        <a:xfrm>
+          <a:off x="0" y="0"/>
+          <a:ext cx="0" cy="0"/>
+          <a:chOff x="0" y="0"/>
+          <a:chExt cx="0" cy="0"/>
+        </a:xfrm>
+      </p:grpSpPr>
+      <p:sp>
+        <p:nvSpPr>
+          <p:cNvPr id="2" name="Title 1">
+            <a:extLst>
+              <a:ext uri="{FF2B5EF4-FFF2-40B4-BE49-F238E27FC236}">
+                <a16:creationId xmlns:a16="http://schemas.microsoft.com/office/drawing/2014/main" id="{A4E49C21-6F83-1E43-83AE-B6C96EB3F5B9}"/>
+              </a:ext>
+            </a:extLst>
+          </p:cNvPr>
+          <p:cNvSpPr>
+            <a:spLocks noGrp="1"/>
+          </p:cNvSpPr>
+          <p:nvPr>
+            <p:ph type="title"/>
+          </p:nvPr>
+        </p:nvSpPr>
+        <p:spPr/>
+        <p:txBody>
+          <a:bodyPr/>
+          <a:lstStyle/>
+          <a:p>
+            <a:r>
+              <a:rPr lang="en-US">
+                <a:solidFill>
+                  <a:schemeClr val="accent1"/>
+                </a:solidFill>
+                <a:latin typeface="Contrail One" panose="02000000000000000000" pitchFamily="2" charset="77"/>
+              </a:rPr>
+              <a:t>Exercise 12</a:t>
+            </a:r>
+          </a:p>
+        </p:txBody>
+      </p:sp>
+      <p:sp>
+        <p:nvSpPr>
+          <p:cNvPr id="3" name="Content Placeholder 2">
+            <a:extLst>
+              <a:ext uri="{FF2B5EF4-FFF2-40B4-BE49-F238E27FC236}">
+                <a16:creationId xmlns:a16="http://schemas.microsoft.com/office/drawing/2014/main" id="{B06AC98F-540D-894F-849E-51C7D79CDE75}"/>
+              </a:ext>
+            </a:extLst>
+          </p:cNvPr>
+          <p:cNvSpPr>
+            <a:spLocks noGrp="1"/>
+          </p:cNvSpPr>
+          <p:nvPr>
+            <p:ph idx="1"/>
+          </p:nvPr>
+        </p:nvSpPr>
+        <p:spPr>
+          <a:xfrm>
+            <a:off x="838200" y="1319980"/>
+            <a:ext cx="6250664" cy="5379584"/>
+          </a:xfrm>
+        </p:spPr>
+        <p:txBody>
+          <a:bodyPr>
+            <a:normAutofit/>
+          </a:bodyPr>
+          <a:lstStyle/>
+          <a:p>
+            <a:r>
+              <a:rPr lang="en-US">
+                <a:solidFill>
+                  <a:schemeClr val="accent1"/>
+                </a:solidFill>
+              </a:rPr>
+              <a:t>We're not limited to broad CSS selectors</a:t>
+            </a:r>
+          </a:p>
+          <a:p>
+            <a:pPr marL="0" indent="0">
+              <a:buNone/>
+            </a:pPr>
+            <a:r>
+              <a:rPr lang="en-US">
+                <a:solidFill>
+                  <a:srgbClr val="C00000"/>
+                </a:solidFill>
+                <a:latin typeface="Avenir Next Condensed" panose="020B0506020202020204" pitchFamily="34" charset="0"/>
+              </a:rPr>
+              <a:t>main{</a:t>
+            </a:r>
+          </a:p>
+          <a:p>
+            <a:pPr marL="0" indent="0">
+              <a:buNone/>
+            </a:pPr>
+            <a:r>
+              <a:rPr lang="en-US">
+                <a:solidFill>
+                  <a:srgbClr val="C00000"/>
+                </a:solidFill>
+                <a:latin typeface="Avenir Next Condensed" panose="020B0506020202020204" pitchFamily="34" charset="0"/>
+              </a:rPr>
+              <a:t>  color: red;</a:t>
+            </a:r>
+          </a:p>
+          <a:p>
+            <a:pPr marL="0" indent="0">
+              <a:buNone/>
+            </a:pPr>
+            <a:r>
+              <a:rPr lang="en-US">
+                <a:solidFill>
+                  <a:srgbClr val="C00000"/>
+                </a:solidFill>
+                <a:latin typeface="Avenir Next Condensed" panose="020B0506020202020204" pitchFamily="34" charset="0"/>
+              </a:rPr>
+              <a:t>}</a:t>
+            </a:r>
+          </a:p>
+        </p:txBody>
+      </p:sp>
+      <p:sp>
+        <p:nvSpPr>
+          <p:cNvPr id="7" name="TextBox 6">
+            <a:extLst>
+              <a:ext uri="{FF2B5EF4-FFF2-40B4-BE49-F238E27FC236}">
+                <a16:creationId xmlns:a16="http://schemas.microsoft.com/office/drawing/2014/main" id="{24E74B0C-B99B-B841-8BD9-192AA2DD2C44}"/>
+              </a:ext>
+            </a:extLst>
+          </p:cNvPr>
+          <p:cNvSpPr txBox="1"/>
+          <p:nvPr/>
+        </p:nvSpPr>
+        <p:spPr>
+          <a:xfrm>
+            <a:off x="7586804" y="1032095"/>
+            <a:ext cx="4300396" cy="2862322"/>
+          </a:xfrm>
+          <a:prstGeom prst="rect">
+            <a:avLst/>
+          </a:prstGeom>
+          <a:noFill/>
+        </p:spPr>
+        <p:txBody>
+          <a:bodyPr wrap="square" rtlCol="0">
+            <a:spAutoFit/>
+          </a:bodyPr>
+          <a:lstStyle/>
+          <a:p>
+            <a:r>
+              <a:rPr lang="en-US">
+                <a:solidFill>
+                  <a:srgbClr val="FF0000"/>
+                </a:solidFill>
+              </a:rPr>
+              <a:t>&lt;main&gt;</a:t>
+            </a:r>
+          </a:p>
+          <a:p>
+            <a:r>
+              <a:rPr lang="en-US"/>
+              <a:t>  &lt;div&gt;</a:t>
+            </a:r>
+          </a:p>
+          <a:p>
+            <a:r>
+              <a:rPr lang="en-US"/>
+              <a:t>    &lt;p&gt;&lt;/p&gt;</a:t>
+            </a:r>
+          </a:p>
+          <a:p>
+            <a:r>
+              <a:rPr lang="en-US"/>
+              <a:t>  &lt;/div&gt;</a:t>
+            </a:r>
+          </a:p>
+          <a:p>
+            <a:r>
+              <a:rPr lang="en-US"/>
+              <a:t>  &lt;div&gt;</a:t>
+            </a:r>
+          </a:p>
+          <a:p>
+            <a:r>
+              <a:rPr lang="en-US"/>
+              <a:t>    &lt;div&gt;</a:t>
+            </a:r>
+          </a:p>
+          <a:p>
+            <a:r>
+              <a:rPr lang="en-US"/>
+              <a:t>      &lt;p&gt;&lt;/p&gt;</a:t>
+            </a:r>
+          </a:p>
+          <a:p>
+            <a:r>
+              <a:rPr lang="en-US"/>
+              <a:t>    &lt;/div&gt;</a:t>
+            </a:r>
+          </a:p>
+          <a:p>
+            <a:r>
+              <a:rPr lang="en-US"/>
+              <a:t>  &lt;/div&gt;</a:t>
+            </a:r>
+          </a:p>
+          <a:p>
+            <a:r>
+              <a:rPr lang="en-US">
+                <a:solidFill>
+                  <a:srgbClr val="FF0000"/>
+                </a:solidFill>
+              </a:rPr>
+              <a:t>&lt;/main&gt;</a:t>
+            </a:r>
+          </a:p>
+        </p:txBody>
+      </p:sp>
+    </p:spTree>
+    <p:extLst>
+      <p:ext uri="{BB962C8B-B14F-4D97-AF65-F5344CB8AC3E}">
+        <p14:creationId xmlns:p14="http://schemas.microsoft.com/office/powerpoint/2010/main" val="1968944726"/>
+      </p:ext>
+    </p:extLst>
+  </p:cSld>
+  <p:clrMapOvr>
+    <a:masterClrMapping/>
+  </p:clrMapOvr>
+</p:sld>
+</file>
+
+<file path=ppt/slides/slide18.xml><?xml version="1.0" encoding="utf-8"?>
+<p:sld xmlns:a="http://schemas.openxmlformats.org/drawingml/2006/main" xmlns:r="http://schemas.openxmlformats.org/officeDocument/2006/relationships" xmlns:p="http://schemas.openxmlformats.org/presentationml/2006/main">
+  <p:cSld>
+    <p:spTree>
+      <p:nvGrpSpPr>
+        <p:cNvPr id="1" name=""/>
+        <p:cNvGrpSpPr/>
+        <p:nvPr/>
+      </p:nvGrpSpPr>
+      <p:grpSpPr>
+        <a:xfrm>
+          <a:off x="0" y="0"/>
+          <a:ext cx="0" cy="0"/>
+          <a:chOff x="0" y="0"/>
+          <a:chExt cx="0" cy="0"/>
+        </a:xfrm>
+      </p:grpSpPr>
+      <p:sp>
+        <p:nvSpPr>
+          <p:cNvPr id="2" name="Title 1">
+            <a:extLst>
+              <a:ext uri="{FF2B5EF4-FFF2-40B4-BE49-F238E27FC236}">
+                <a16:creationId xmlns:a16="http://schemas.microsoft.com/office/drawing/2014/main" id="{A4E49C21-6F83-1E43-83AE-B6C96EB3F5B9}"/>
+              </a:ext>
+            </a:extLst>
+          </p:cNvPr>
+          <p:cNvSpPr>
+            <a:spLocks noGrp="1"/>
+          </p:cNvSpPr>
+          <p:nvPr>
+            <p:ph type="title"/>
+          </p:nvPr>
+        </p:nvSpPr>
+        <p:spPr/>
+        <p:txBody>
+          <a:bodyPr/>
+          <a:lstStyle/>
+          <a:p>
+            <a:r>
+              <a:rPr lang="en-US">
+                <a:solidFill>
+                  <a:schemeClr val="accent1"/>
+                </a:solidFill>
+                <a:latin typeface="Contrail One" panose="02000000000000000000" pitchFamily="2" charset="77"/>
+              </a:rPr>
+              <a:t>Exercise 12</a:t>
+            </a:r>
+          </a:p>
+        </p:txBody>
+      </p:sp>
+      <p:sp>
+        <p:nvSpPr>
+          <p:cNvPr id="3" name="Content Placeholder 2">
+            <a:extLst>
+              <a:ext uri="{FF2B5EF4-FFF2-40B4-BE49-F238E27FC236}">
+                <a16:creationId xmlns:a16="http://schemas.microsoft.com/office/drawing/2014/main" id="{B06AC98F-540D-894F-849E-51C7D79CDE75}"/>
+              </a:ext>
+            </a:extLst>
+          </p:cNvPr>
+          <p:cNvSpPr>
+            <a:spLocks noGrp="1"/>
+          </p:cNvSpPr>
+          <p:nvPr>
+            <p:ph idx="1"/>
+          </p:nvPr>
+        </p:nvSpPr>
+        <p:spPr>
+          <a:xfrm>
+            <a:off x="838200" y="1319980"/>
+            <a:ext cx="6250664" cy="5379584"/>
+          </a:xfrm>
+        </p:spPr>
+        <p:txBody>
+          <a:bodyPr>
+            <a:normAutofit/>
+          </a:bodyPr>
+          <a:lstStyle/>
+          <a:p>
+            <a:r>
+              <a:rPr lang="en-US">
+                <a:solidFill>
+                  <a:schemeClr val="accent1"/>
+                </a:solidFill>
+              </a:rPr>
+              <a:t>We're not limited to broad CSS selectors</a:t>
+            </a:r>
+          </a:p>
+          <a:p>
+            <a:pPr marL="0" indent="0">
+              <a:buNone/>
+            </a:pPr>
+            <a:r>
+              <a:rPr lang="en-US">
+                <a:solidFill>
+                  <a:srgbClr val="C00000"/>
+                </a:solidFill>
+                <a:latin typeface="Avenir Next Condensed" panose="020B0506020202020204" pitchFamily="34" charset="0"/>
+              </a:rPr>
+              <a:t>div{</a:t>
+            </a:r>
+          </a:p>
+          <a:p>
+            <a:pPr marL="0" indent="0">
+              <a:buNone/>
+            </a:pPr>
+            <a:r>
+              <a:rPr lang="en-US">
+                <a:solidFill>
+                  <a:srgbClr val="C00000"/>
+                </a:solidFill>
+                <a:latin typeface="Avenir Next Condensed" panose="020B0506020202020204" pitchFamily="34" charset="0"/>
+              </a:rPr>
+              <a:t>  color: red;</a:t>
+            </a:r>
+          </a:p>
+          <a:p>
+            <a:pPr marL="0" indent="0">
+              <a:buNone/>
+            </a:pPr>
+            <a:r>
+              <a:rPr lang="en-US">
+                <a:solidFill>
+                  <a:srgbClr val="C00000"/>
+                </a:solidFill>
+                <a:latin typeface="Avenir Next Condensed" panose="020B0506020202020204" pitchFamily="34" charset="0"/>
+              </a:rPr>
+              <a:t>}</a:t>
+            </a:r>
+          </a:p>
+          <a:p>
+            <a:pPr marL="0" indent="0">
+              <a:buNone/>
+            </a:pPr>
+            <a:endParaRPr lang="en-US">
+              <a:solidFill>
+                <a:schemeClr val="accent1"/>
+              </a:solidFill>
+            </a:endParaRPr>
+          </a:p>
+          <a:p>
+            <a:pPr marL="0" indent="0">
+              <a:buNone/>
+            </a:pPr>
+            <a:endParaRPr lang="en-US">
+              <a:solidFill>
+                <a:schemeClr val="accent1"/>
+              </a:solidFill>
+            </a:endParaRPr>
+          </a:p>
+        </p:txBody>
+      </p:sp>
+      <p:sp>
+        <p:nvSpPr>
+          <p:cNvPr id="7" name="TextBox 6">
+            <a:extLst>
+              <a:ext uri="{FF2B5EF4-FFF2-40B4-BE49-F238E27FC236}">
+                <a16:creationId xmlns:a16="http://schemas.microsoft.com/office/drawing/2014/main" id="{24E74B0C-B99B-B841-8BD9-192AA2DD2C44}"/>
+              </a:ext>
+            </a:extLst>
+          </p:cNvPr>
+          <p:cNvSpPr txBox="1"/>
+          <p:nvPr/>
+        </p:nvSpPr>
+        <p:spPr>
+          <a:xfrm>
+            <a:off x="7586804" y="1032095"/>
+            <a:ext cx="4300396" cy="2862322"/>
+          </a:xfrm>
+          <a:prstGeom prst="rect">
+            <a:avLst/>
+          </a:prstGeom>
+          <a:noFill/>
+        </p:spPr>
+        <p:txBody>
+          <a:bodyPr wrap="square" rtlCol="0">
+            <a:spAutoFit/>
+          </a:bodyPr>
+          <a:lstStyle/>
+          <a:p>
+            <a:r>
+              <a:rPr lang="en-US"/>
+              <a:t>&lt;main&gt;</a:t>
+            </a:r>
+          </a:p>
+          <a:p>
+            <a:r>
+              <a:rPr lang="en-US"/>
+              <a:t>  </a:t>
+            </a:r>
+            <a:r>
+              <a:rPr lang="en-US">
+                <a:solidFill>
+                  <a:srgbClr val="FF0000"/>
+                </a:solidFill>
+              </a:rPr>
+              <a:t>&lt;div&gt;</a:t>
+            </a:r>
+          </a:p>
+          <a:p>
+            <a:r>
+              <a:rPr lang="en-US"/>
+              <a:t>    &lt;p&gt;&lt;/p&gt;</a:t>
+            </a:r>
+          </a:p>
+          <a:p>
+            <a:r>
+              <a:rPr lang="en-US">
+                <a:solidFill>
+                  <a:srgbClr val="FF0000"/>
+                </a:solidFill>
+              </a:rPr>
+              <a:t>  &lt;/div&gt;</a:t>
+            </a:r>
+          </a:p>
+          <a:p>
+            <a:r>
+              <a:rPr lang="en-US">
+                <a:solidFill>
+                  <a:srgbClr val="FF0000"/>
+                </a:solidFill>
+              </a:rPr>
+              <a:t>  &lt;div&gt;</a:t>
+            </a:r>
+          </a:p>
+          <a:p>
+            <a:r>
+              <a:rPr lang="en-US">
+                <a:solidFill>
+                  <a:srgbClr val="FF0000"/>
+                </a:solidFill>
+              </a:rPr>
+              <a:t>    &lt;div&gt;</a:t>
+            </a:r>
+          </a:p>
+          <a:p>
+            <a:r>
+              <a:rPr lang="en-US"/>
+              <a:t>      &lt;p&gt;&lt;/p&gt;</a:t>
+            </a:r>
+          </a:p>
+          <a:p>
+            <a:r>
+              <a:rPr lang="en-US">
+                <a:solidFill>
+                  <a:srgbClr val="FF0000"/>
+                </a:solidFill>
+              </a:rPr>
+              <a:t>    &lt;/div&gt;</a:t>
+            </a:r>
+          </a:p>
+          <a:p>
+            <a:r>
+              <a:rPr lang="en-US">
+                <a:solidFill>
+                  <a:srgbClr val="FF0000"/>
+                </a:solidFill>
+              </a:rPr>
+              <a:t>  &lt;/div&gt;</a:t>
+            </a:r>
+          </a:p>
+          <a:p>
+            <a:r>
+              <a:rPr lang="en-US"/>
+              <a:t>&lt;/main&gt;</a:t>
+            </a:r>
+          </a:p>
+        </p:txBody>
+      </p:sp>
+    </p:spTree>
+    <p:extLst>
+      <p:ext uri="{BB962C8B-B14F-4D97-AF65-F5344CB8AC3E}">
+        <p14:creationId xmlns:p14="http://schemas.microsoft.com/office/powerpoint/2010/main" val="2195406998"/>
+      </p:ext>
+    </p:extLst>
+  </p:cSld>
+  <p:clrMapOvr>
+    <a:masterClrMapping/>
+  </p:clrMapOvr>
+</p:sld>
+</file>
+
+<file path=ppt/slides/slide19.xml><?xml version="1.0" encoding="utf-8"?>
+<p:sld xmlns:a="http://schemas.openxmlformats.org/drawingml/2006/main" xmlns:r="http://schemas.openxmlformats.org/officeDocument/2006/relationships" xmlns:p="http://schemas.openxmlformats.org/presentationml/2006/main">
+  <p:cSld>
+    <p:spTree>
+      <p:nvGrpSpPr>
+        <p:cNvPr id="1" name=""/>
+        <p:cNvGrpSpPr/>
+        <p:nvPr/>
+      </p:nvGrpSpPr>
+      <p:grpSpPr>
+        <a:xfrm>
+          <a:off x="0" y="0"/>
+          <a:ext cx="0" cy="0"/>
+          <a:chOff x="0" y="0"/>
+          <a:chExt cx="0" cy="0"/>
+        </a:xfrm>
+      </p:grpSpPr>
+      <p:sp>
+        <p:nvSpPr>
+          <p:cNvPr id="2" name="Title 1">
+            <a:extLst>
+              <a:ext uri="{FF2B5EF4-FFF2-40B4-BE49-F238E27FC236}">
+                <a16:creationId xmlns:a16="http://schemas.microsoft.com/office/drawing/2014/main" id="{A4E49C21-6F83-1E43-83AE-B6C96EB3F5B9}"/>
+              </a:ext>
+            </a:extLst>
+          </p:cNvPr>
+          <p:cNvSpPr>
+            <a:spLocks noGrp="1"/>
+          </p:cNvSpPr>
+          <p:nvPr>
+            <p:ph type="title"/>
+          </p:nvPr>
+        </p:nvSpPr>
+        <p:spPr/>
+        <p:txBody>
+          <a:bodyPr/>
+          <a:lstStyle/>
+          <a:p>
+            <a:r>
+              <a:rPr lang="en-US">
+                <a:solidFill>
+                  <a:schemeClr val="accent1"/>
+                </a:solidFill>
+                <a:latin typeface="Contrail One" panose="02000000000000000000" pitchFamily="2" charset="77"/>
+              </a:rPr>
+              <a:t>Exercise 12</a:t>
+            </a:r>
+          </a:p>
+        </p:txBody>
+      </p:sp>
+      <p:sp>
+        <p:nvSpPr>
+          <p:cNvPr id="3" name="Content Placeholder 2">
+            <a:extLst>
+              <a:ext uri="{FF2B5EF4-FFF2-40B4-BE49-F238E27FC236}">
+                <a16:creationId xmlns:a16="http://schemas.microsoft.com/office/drawing/2014/main" id="{B06AC98F-540D-894F-849E-51C7D79CDE75}"/>
+              </a:ext>
+            </a:extLst>
+          </p:cNvPr>
+          <p:cNvSpPr>
+            <a:spLocks noGrp="1"/>
+          </p:cNvSpPr>
+          <p:nvPr>
+            <p:ph idx="1"/>
+          </p:nvPr>
+        </p:nvSpPr>
+        <p:spPr>
+          <a:xfrm>
+            <a:off x="838200" y="1319980"/>
+            <a:ext cx="6250664" cy="5379584"/>
+          </a:xfrm>
+        </p:spPr>
+        <p:txBody>
+          <a:bodyPr>
+            <a:normAutofit/>
+          </a:bodyPr>
+          <a:lstStyle/>
+          <a:p>
+            <a:r>
+              <a:rPr lang="en-US">
+                <a:solidFill>
+                  <a:schemeClr val="accent1"/>
+                </a:solidFill>
+              </a:rPr>
+              <a:t>We're not limited to broad CSS selectors</a:t>
+            </a:r>
+          </a:p>
+          <a:p>
+            <a:pPr marL="0" indent="0">
+              <a:buNone/>
+            </a:pPr>
+            <a:r>
+              <a:rPr lang="en-US">
+                <a:solidFill>
+                  <a:srgbClr val="C00000"/>
+                </a:solidFill>
+                <a:latin typeface="Avenir Next Condensed" panose="020B0506020202020204" pitchFamily="34" charset="0"/>
+              </a:rPr>
+              <a:t>p{</a:t>
+            </a:r>
+          </a:p>
+          <a:p>
+            <a:pPr marL="0" indent="0">
+              <a:buNone/>
+            </a:pPr>
+            <a:r>
+              <a:rPr lang="en-US">
+                <a:solidFill>
+                  <a:srgbClr val="C00000"/>
+                </a:solidFill>
+                <a:latin typeface="Avenir Next Condensed" panose="020B0506020202020204" pitchFamily="34" charset="0"/>
+              </a:rPr>
+              <a:t>  color: red;</a:t>
+            </a:r>
+          </a:p>
+          <a:p>
+            <a:pPr marL="0" indent="0">
+              <a:buNone/>
+            </a:pPr>
+            <a:r>
+              <a:rPr lang="en-US">
+                <a:solidFill>
+                  <a:srgbClr val="C00000"/>
+                </a:solidFill>
+                <a:latin typeface="Avenir Next Condensed" panose="020B0506020202020204" pitchFamily="34" charset="0"/>
+              </a:rPr>
+              <a:t>}</a:t>
+            </a:r>
+          </a:p>
+          <a:p>
+            <a:pPr marL="0" indent="0">
+              <a:buNone/>
+            </a:pPr>
+            <a:endParaRPr lang="en-US">
+              <a:solidFill>
+                <a:schemeClr val="accent1"/>
+              </a:solidFill>
+            </a:endParaRPr>
+          </a:p>
+          <a:p>
+            <a:pPr marL="0" indent="0">
+              <a:buNone/>
+            </a:pPr>
+            <a:endParaRPr lang="en-US">
+              <a:solidFill>
+                <a:schemeClr val="accent1"/>
+              </a:solidFill>
+            </a:endParaRPr>
+          </a:p>
+        </p:txBody>
+      </p:sp>
+      <p:sp>
+        <p:nvSpPr>
+          <p:cNvPr id="7" name="TextBox 6">
+            <a:extLst>
+              <a:ext uri="{FF2B5EF4-FFF2-40B4-BE49-F238E27FC236}">
+                <a16:creationId xmlns:a16="http://schemas.microsoft.com/office/drawing/2014/main" id="{24E74B0C-B99B-B841-8BD9-192AA2DD2C44}"/>
+              </a:ext>
+            </a:extLst>
+          </p:cNvPr>
+          <p:cNvSpPr txBox="1"/>
+          <p:nvPr/>
+        </p:nvSpPr>
+        <p:spPr>
+          <a:xfrm>
+            <a:off x="7586804" y="1032095"/>
+            <a:ext cx="4300396" cy="2862322"/>
+          </a:xfrm>
+          <a:prstGeom prst="rect">
+            <a:avLst/>
+          </a:prstGeom>
+          <a:noFill/>
+        </p:spPr>
+        <p:txBody>
+          <a:bodyPr wrap="square" rtlCol="0">
+            <a:spAutoFit/>
+          </a:bodyPr>
+          <a:lstStyle/>
+          <a:p>
+            <a:r>
+              <a:rPr lang="en-US"/>
+              <a:t>&lt;main&gt;</a:t>
+            </a:r>
+          </a:p>
+          <a:p>
+            <a:r>
+              <a:rPr lang="en-US"/>
+              <a:t>  &lt;div&gt;</a:t>
+            </a:r>
+          </a:p>
+          <a:p>
+            <a:r>
+              <a:rPr lang="en-US"/>
+              <a:t>    </a:t>
+            </a:r>
+            <a:r>
+              <a:rPr lang="en-US">
+                <a:solidFill>
+                  <a:srgbClr val="FF0000"/>
+                </a:solidFill>
+              </a:rPr>
+              <a:t>&lt;p&gt;&lt;/p&gt;</a:t>
+            </a:r>
+          </a:p>
+          <a:p>
+            <a:r>
+              <a:rPr lang="en-US"/>
+              <a:t>  &lt;/div&gt;</a:t>
+            </a:r>
+          </a:p>
+          <a:p>
+            <a:r>
+              <a:rPr lang="en-US"/>
+              <a:t>  &lt;div&gt;</a:t>
+            </a:r>
+          </a:p>
+          <a:p>
+            <a:r>
+              <a:rPr lang="en-US"/>
+              <a:t>    &lt;div&gt;</a:t>
+            </a:r>
+          </a:p>
+          <a:p>
+            <a:r>
+              <a:rPr lang="en-US"/>
+              <a:t>      </a:t>
+            </a:r>
+            <a:r>
+              <a:rPr lang="en-US">
+                <a:solidFill>
+                  <a:srgbClr val="FF0000"/>
+                </a:solidFill>
+              </a:rPr>
+              <a:t>&lt;p&gt;&lt;/p&gt;</a:t>
+            </a:r>
+          </a:p>
+          <a:p>
+            <a:r>
+              <a:rPr lang="en-US"/>
+              <a:t>    &lt;/div&gt;</a:t>
+            </a:r>
+          </a:p>
+          <a:p>
+            <a:r>
+              <a:rPr lang="en-US"/>
+              <a:t>  &lt;/div&gt;</a:t>
+            </a:r>
+          </a:p>
+          <a:p>
+            <a:r>
+              <a:rPr lang="en-US"/>
+              <a:t>&lt;/main&gt;</a:t>
+            </a:r>
+          </a:p>
+        </p:txBody>
+      </p:sp>
+    </p:spTree>
+    <p:extLst>
+      <p:ext uri="{BB962C8B-B14F-4D97-AF65-F5344CB8AC3E}">
+        <p14:creationId xmlns:p14="http://schemas.microsoft.com/office/powerpoint/2010/main" val="3634745703"/>
       </p:ext>
     </p:extLst>
   </p:cSld>
@@ -5067,6 +6181,2947 @@
 </p:sld>
 </file>
 
+<file path=ppt/slides/slide20.xml><?xml version="1.0" encoding="utf-8"?>
+<p:sld xmlns:a="http://schemas.openxmlformats.org/drawingml/2006/main" xmlns:r="http://schemas.openxmlformats.org/officeDocument/2006/relationships" xmlns:p="http://schemas.openxmlformats.org/presentationml/2006/main">
+  <p:cSld>
+    <p:spTree>
+      <p:nvGrpSpPr>
+        <p:cNvPr id="1" name=""/>
+        <p:cNvGrpSpPr/>
+        <p:nvPr/>
+      </p:nvGrpSpPr>
+      <p:grpSpPr>
+        <a:xfrm>
+          <a:off x="0" y="0"/>
+          <a:ext cx="0" cy="0"/>
+          <a:chOff x="0" y="0"/>
+          <a:chExt cx="0" cy="0"/>
+        </a:xfrm>
+      </p:grpSpPr>
+      <p:sp>
+        <p:nvSpPr>
+          <p:cNvPr id="2" name="Title 1">
+            <a:extLst>
+              <a:ext uri="{FF2B5EF4-FFF2-40B4-BE49-F238E27FC236}">
+                <a16:creationId xmlns:a16="http://schemas.microsoft.com/office/drawing/2014/main" id="{A4E49C21-6F83-1E43-83AE-B6C96EB3F5B9}"/>
+              </a:ext>
+            </a:extLst>
+          </p:cNvPr>
+          <p:cNvSpPr>
+            <a:spLocks noGrp="1"/>
+          </p:cNvSpPr>
+          <p:nvPr>
+            <p:ph type="title"/>
+          </p:nvPr>
+        </p:nvSpPr>
+        <p:spPr/>
+        <p:txBody>
+          <a:bodyPr/>
+          <a:lstStyle/>
+          <a:p>
+            <a:r>
+              <a:rPr lang="en-US">
+                <a:solidFill>
+                  <a:schemeClr val="accent1"/>
+                </a:solidFill>
+                <a:latin typeface="Contrail One" panose="02000000000000000000" pitchFamily="2" charset="77"/>
+              </a:rPr>
+              <a:t>Exercise 12</a:t>
+            </a:r>
+          </a:p>
+        </p:txBody>
+      </p:sp>
+      <p:sp>
+        <p:nvSpPr>
+          <p:cNvPr id="3" name="Content Placeholder 2">
+            <a:extLst>
+              <a:ext uri="{FF2B5EF4-FFF2-40B4-BE49-F238E27FC236}">
+                <a16:creationId xmlns:a16="http://schemas.microsoft.com/office/drawing/2014/main" id="{B06AC98F-540D-894F-849E-51C7D79CDE75}"/>
+              </a:ext>
+            </a:extLst>
+          </p:cNvPr>
+          <p:cNvSpPr>
+            <a:spLocks noGrp="1"/>
+          </p:cNvSpPr>
+          <p:nvPr>
+            <p:ph idx="1"/>
+          </p:nvPr>
+        </p:nvSpPr>
+        <p:spPr>
+          <a:xfrm>
+            <a:off x="838200" y="1319980"/>
+            <a:ext cx="6250664" cy="5379584"/>
+          </a:xfrm>
+        </p:spPr>
+        <p:txBody>
+          <a:bodyPr>
+            <a:normAutofit/>
+          </a:bodyPr>
+          <a:lstStyle/>
+          <a:p>
+            <a:r>
+              <a:rPr lang="en-US">
+                <a:solidFill>
+                  <a:schemeClr val="accent1"/>
+                </a:solidFill>
+              </a:rPr>
+              <a:t>We're not limited to broad CSS selectors</a:t>
+            </a:r>
+          </a:p>
+          <a:p>
+            <a:pPr marL="0" indent="0">
+              <a:buNone/>
+            </a:pPr>
+            <a:r>
+              <a:rPr lang="en-US">
+                <a:solidFill>
+                  <a:srgbClr val="C00000"/>
+                </a:solidFill>
+                <a:latin typeface="Avenir Next Condensed" panose="020B0506020202020204" pitchFamily="34" charset="0"/>
+              </a:rPr>
+              <a:t>main div {</a:t>
+            </a:r>
+          </a:p>
+          <a:p>
+            <a:pPr marL="0" indent="0">
+              <a:buNone/>
+            </a:pPr>
+            <a:r>
+              <a:rPr lang="en-US">
+                <a:solidFill>
+                  <a:srgbClr val="C00000"/>
+                </a:solidFill>
+                <a:latin typeface="Avenir Next Condensed" panose="020B0506020202020204" pitchFamily="34" charset="0"/>
+              </a:rPr>
+              <a:t>  color: red;</a:t>
+            </a:r>
+          </a:p>
+          <a:p>
+            <a:pPr marL="0" indent="0">
+              <a:buNone/>
+            </a:pPr>
+            <a:r>
+              <a:rPr lang="en-US">
+                <a:solidFill>
+                  <a:srgbClr val="C00000"/>
+                </a:solidFill>
+                <a:latin typeface="Avenir Next Condensed" panose="020B0506020202020204" pitchFamily="34" charset="0"/>
+              </a:rPr>
+              <a:t>}</a:t>
+            </a:r>
+          </a:p>
+          <a:p>
+            <a:pPr marL="0" indent="0">
+              <a:buNone/>
+            </a:pPr>
+            <a:endParaRPr lang="en-US">
+              <a:solidFill>
+                <a:schemeClr val="accent1"/>
+              </a:solidFill>
+            </a:endParaRPr>
+          </a:p>
+          <a:p>
+            <a:pPr marL="0" indent="0">
+              <a:buNone/>
+            </a:pPr>
+            <a:endParaRPr lang="en-US">
+              <a:solidFill>
+                <a:schemeClr val="accent1"/>
+              </a:solidFill>
+            </a:endParaRPr>
+          </a:p>
+        </p:txBody>
+      </p:sp>
+      <p:sp>
+        <p:nvSpPr>
+          <p:cNvPr id="7" name="TextBox 6">
+            <a:extLst>
+              <a:ext uri="{FF2B5EF4-FFF2-40B4-BE49-F238E27FC236}">
+                <a16:creationId xmlns:a16="http://schemas.microsoft.com/office/drawing/2014/main" id="{24E74B0C-B99B-B841-8BD9-192AA2DD2C44}"/>
+              </a:ext>
+            </a:extLst>
+          </p:cNvPr>
+          <p:cNvSpPr txBox="1"/>
+          <p:nvPr/>
+        </p:nvSpPr>
+        <p:spPr>
+          <a:xfrm>
+            <a:off x="7586804" y="1032095"/>
+            <a:ext cx="4300396" cy="2862322"/>
+          </a:xfrm>
+          <a:prstGeom prst="rect">
+            <a:avLst/>
+          </a:prstGeom>
+          <a:noFill/>
+        </p:spPr>
+        <p:txBody>
+          <a:bodyPr wrap="square" rtlCol="0">
+            <a:spAutoFit/>
+          </a:bodyPr>
+          <a:lstStyle/>
+          <a:p>
+            <a:r>
+              <a:rPr lang="en-US"/>
+              <a:t>&lt;main&gt;</a:t>
+            </a:r>
+          </a:p>
+          <a:p>
+            <a:r>
+              <a:rPr lang="en-US"/>
+              <a:t>  </a:t>
+            </a:r>
+            <a:r>
+              <a:rPr lang="en-US">
+                <a:solidFill>
+                  <a:srgbClr val="FF0000"/>
+                </a:solidFill>
+              </a:rPr>
+              <a:t>&lt;div&gt;</a:t>
+            </a:r>
+          </a:p>
+          <a:p>
+            <a:r>
+              <a:rPr lang="en-US"/>
+              <a:t>    &lt;p&gt;&lt;/p&gt;</a:t>
+            </a:r>
+          </a:p>
+          <a:p>
+            <a:r>
+              <a:rPr lang="en-US"/>
+              <a:t> </a:t>
+            </a:r>
+            <a:r>
+              <a:rPr lang="en-US">
+                <a:solidFill>
+                  <a:srgbClr val="FF0000"/>
+                </a:solidFill>
+              </a:rPr>
+              <a:t> &lt;/div&gt;</a:t>
+            </a:r>
+          </a:p>
+          <a:p>
+            <a:r>
+              <a:rPr lang="en-US"/>
+              <a:t>  &lt;div&gt;</a:t>
+            </a:r>
+          </a:p>
+          <a:p>
+            <a:r>
+              <a:rPr lang="en-US"/>
+              <a:t>    &lt;div&gt;</a:t>
+            </a:r>
+          </a:p>
+          <a:p>
+            <a:r>
+              <a:rPr lang="en-US"/>
+              <a:t>      &lt;p&gt;&lt;/p&gt;</a:t>
+            </a:r>
+          </a:p>
+          <a:p>
+            <a:r>
+              <a:rPr lang="en-US"/>
+              <a:t>    &lt;/div&gt;</a:t>
+            </a:r>
+          </a:p>
+          <a:p>
+            <a:r>
+              <a:rPr lang="en-US"/>
+              <a:t>  &lt;/div&gt;</a:t>
+            </a:r>
+          </a:p>
+          <a:p>
+            <a:r>
+              <a:rPr lang="en-US"/>
+              <a:t>&lt;/main&gt;</a:t>
+            </a:r>
+          </a:p>
+        </p:txBody>
+      </p:sp>
+    </p:spTree>
+    <p:extLst>
+      <p:ext uri="{BB962C8B-B14F-4D97-AF65-F5344CB8AC3E}">
+        <p14:creationId xmlns:p14="http://schemas.microsoft.com/office/powerpoint/2010/main" val="3385759437"/>
+      </p:ext>
+    </p:extLst>
+  </p:cSld>
+  <p:clrMapOvr>
+    <a:masterClrMapping/>
+  </p:clrMapOvr>
+</p:sld>
+</file>
+
+<file path=ppt/slides/slide21.xml><?xml version="1.0" encoding="utf-8"?>
+<p:sld xmlns:a="http://schemas.openxmlformats.org/drawingml/2006/main" xmlns:r="http://schemas.openxmlformats.org/officeDocument/2006/relationships" xmlns:p="http://schemas.openxmlformats.org/presentationml/2006/main">
+  <p:cSld>
+    <p:spTree>
+      <p:nvGrpSpPr>
+        <p:cNvPr id="1" name=""/>
+        <p:cNvGrpSpPr/>
+        <p:nvPr/>
+      </p:nvGrpSpPr>
+      <p:grpSpPr>
+        <a:xfrm>
+          <a:off x="0" y="0"/>
+          <a:ext cx="0" cy="0"/>
+          <a:chOff x="0" y="0"/>
+          <a:chExt cx="0" cy="0"/>
+        </a:xfrm>
+      </p:grpSpPr>
+      <p:sp>
+        <p:nvSpPr>
+          <p:cNvPr id="2" name="Title 1">
+            <a:extLst>
+              <a:ext uri="{FF2B5EF4-FFF2-40B4-BE49-F238E27FC236}">
+                <a16:creationId xmlns:a16="http://schemas.microsoft.com/office/drawing/2014/main" id="{A4E49C21-6F83-1E43-83AE-B6C96EB3F5B9}"/>
+              </a:ext>
+            </a:extLst>
+          </p:cNvPr>
+          <p:cNvSpPr>
+            <a:spLocks noGrp="1"/>
+          </p:cNvSpPr>
+          <p:nvPr>
+            <p:ph type="title"/>
+          </p:nvPr>
+        </p:nvSpPr>
+        <p:spPr/>
+        <p:txBody>
+          <a:bodyPr/>
+          <a:lstStyle/>
+          <a:p>
+            <a:r>
+              <a:rPr lang="en-US">
+                <a:solidFill>
+                  <a:schemeClr val="accent1"/>
+                </a:solidFill>
+                <a:latin typeface="Contrail One" panose="02000000000000000000" pitchFamily="2" charset="77"/>
+              </a:rPr>
+              <a:t>Exercise 12</a:t>
+            </a:r>
+          </a:p>
+        </p:txBody>
+      </p:sp>
+      <p:sp>
+        <p:nvSpPr>
+          <p:cNvPr id="3" name="Content Placeholder 2">
+            <a:extLst>
+              <a:ext uri="{FF2B5EF4-FFF2-40B4-BE49-F238E27FC236}">
+                <a16:creationId xmlns:a16="http://schemas.microsoft.com/office/drawing/2014/main" id="{B06AC98F-540D-894F-849E-51C7D79CDE75}"/>
+              </a:ext>
+            </a:extLst>
+          </p:cNvPr>
+          <p:cNvSpPr>
+            <a:spLocks noGrp="1"/>
+          </p:cNvSpPr>
+          <p:nvPr>
+            <p:ph idx="1"/>
+          </p:nvPr>
+        </p:nvSpPr>
+        <p:spPr>
+          <a:xfrm>
+            <a:off x="838200" y="1319980"/>
+            <a:ext cx="6250664" cy="5379584"/>
+          </a:xfrm>
+        </p:spPr>
+        <p:txBody>
+          <a:bodyPr>
+            <a:normAutofit/>
+          </a:bodyPr>
+          <a:lstStyle/>
+          <a:p>
+            <a:r>
+              <a:rPr lang="en-US">
+                <a:solidFill>
+                  <a:schemeClr val="accent1"/>
+                </a:solidFill>
+              </a:rPr>
+              <a:t>We're not limited to broad CSS selectors</a:t>
+            </a:r>
+          </a:p>
+          <a:p>
+            <a:pPr marL="0" indent="0">
+              <a:buNone/>
+            </a:pPr>
+            <a:r>
+              <a:rPr lang="en-US">
+                <a:solidFill>
+                  <a:srgbClr val="C00000"/>
+                </a:solidFill>
+                <a:latin typeface="Avenir Next Condensed" panose="020B0506020202020204" pitchFamily="34" charset="0"/>
+              </a:rPr>
+              <a:t>div p{</a:t>
+            </a:r>
+          </a:p>
+          <a:p>
+            <a:pPr marL="0" indent="0">
+              <a:buNone/>
+            </a:pPr>
+            <a:r>
+              <a:rPr lang="en-US">
+                <a:solidFill>
+                  <a:srgbClr val="C00000"/>
+                </a:solidFill>
+                <a:latin typeface="Avenir Next Condensed" panose="020B0506020202020204" pitchFamily="34" charset="0"/>
+              </a:rPr>
+              <a:t>  color: red;</a:t>
+            </a:r>
+          </a:p>
+          <a:p>
+            <a:pPr marL="0" indent="0">
+              <a:buNone/>
+            </a:pPr>
+            <a:r>
+              <a:rPr lang="en-US">
+                <a:solidFill>
+                  <a:srgbClr val="C00000"/>
+                </a:solidFill>
+                <a:latin typeface="Avenir Next Condensed" panose="020B0506020202020204" pitchFamily="34" charset="0"/>
+              </a:rPr>
+              <a:t>}</a:t>
+            </a:r>
+          </a:p>
+          <a:p>
+            <a:pPr marL="0" indent="0">
+              <a:buNone/>
+            </a:pPr>
+            <a:endParaRPr lang="en-US">
+              <a:solidFill>
+                <a:schemeClr val="accent1"/>
+              </a:solidFill>
+            </a:endParaRPr>
+          </a:p>
+          <a:p>
+            <a:pPr marL="0" indent="0">
+              <a:buNone/>
+            </a:pPr>
+            <a:endParaRPr lang="en-US">
+              <a:solidFill>
+                <a:schemeClr val="accent1"/>
+              </a:solidFill>
+            </a:endParaRPr>
+          </a:p>
+        </p:txBody>
+      </p:sp>
+      <p:sp>
+        <p:nvSpPr>
+          <p:cNvPr id="7" name="TextBox 6">
+            <a:extLst>
+              <a:ext uri="{FF2B5EF4-FFF2-40B4-BE49-F238E27FC236}">
+                <a16:creationId xmlns:a16="http://schemas.microsoft.com/office/drawing/2014/main" id="{24E74B0C-B99B-B841-8BD9-192AA2DD2C44}"/>
+              </a:ext>
+            </a:extLst>
+          </p:cNvPr>
+          <p:cNvSpPr txBox="1"/>
+          <p:nvPr/>
+        </p:nvSpPr>
+        <p:spPr>
+          <a:xfrm>
+            <a:off x="7586804" y="1032095"/>
+            <a:ext cx="4300396" cy="2862322"/>
+          </a:xfrm>
+          <a:prstGeom prst="rect">
+            <a:avLst/>
+          </a:prstGeom>
+          <a:noFill/>
+        </p:spPr>
+        <p:txBody>
+          <a:bodyPr wrap="square" rtlCol="0">
+            <a:spAutoFit/>
+          </a:bodyPr>
+          <a:lstStyle/>
+          <a:p>
+            <a:r>
+              <a:rPr lang="en-US"/>
+              <a:t>&lt;main&gt;</a:t>
+            </a:r>
+          </a:p>
+          <a:p>
+            <a:r>
+              <a:rPr lang="en-US"/>
+              <a:t>  &lt;div&gt;</a:t>
+            </a:r>
+          </a:p>
+          <a:p>
+            <a:r>
+              <a:rPr lang="en-US"/>
+              <a:t>    </a:t>
+            </a:r>
+            <a:r>
+              <a:rPr lang="en-US">
+                <a:solidFill>
+                  <a:srgbClr val="FF0000"/>
+                </a:solidFill>
+              </a:rPr>
+              <a:t>&lt;p&gt;&lt;/p&gt;</a:t>
+            </a:r>
+          </a:p>
+          <a:p>
+            <a:r>
+              <a:rPr lang="en-US"/>
+              <a:t>  &lt;/div&gt;</a:t>
+            </a:r>
+          </a:p>
+          <a:p>
+            <a:r>
+              <a:rPr lang="en-US"/>
+              <a:t>  &lt;div&gt;</a:t>
+            </a:r>
+          </a:p>
+          <a:p>
+            <a:r>
+              <a:rPr lang="en-US"/>
+              <a:t>    &lt;div&gt;</a:t>
+            </a:r>
+          </a:p>
+          <a:p>
+            <a:r>
+              <a:rPr lang="en-US"/>
+              <a:t>      </a:t>
+            </a:r>
+            <a:r>
+              <a:rPr lang="en-US">
+                <a:solidFill>
+                  <a:srgbClr val="FF0000"/>
+                </a:solidFill>
+              </a:rPr>
+              <a:t>&lt;p&gt;&lt;/p&gt;</a:t>
+            </a:r>
+          </a:p>
+          <a:p>
+            <a:r>
+              <a:rPr lang="en-US"/>
+              <a:t>    &lt;/div&gt;</a:t>
+            </a:r>
+          </a:p>
+          <a:p>
+            <a:r>
+              <a:rPr lang="en-US"/>
+              <a:t>  &lt;/div&gt;</a:t>
+            </a:r>
+          </a:p>
+          <a:p>
+            <a:r>
+              <a:rPr lang="en-US"/>
+              <a:t>&lt;/main&gt;</a:t>
+            </a:r>
+          </a:p>
+        </p:txBody>
+      </p:sp>
+    </p:spTree>
+    <p:extLst>
+      <p:ext uri="{BB962C8B-B14F-4D97-AF65-F5344CB8AC3E}">
+        <p14:creationId xmlns:p14="http://schemas.microsoft.com/office/powerpoint/2010/main" val="2764626706"/>
+      </p:ext>
+    </p:extLst>
+  </p:cSld>
+  <p:clrMapOvr>
+    <a:masterClrMapping/>
+  </p:clrMapOvr>
+</p:sld>
+</file>
+
+<file path=ppt/slides/slide22.xml><?xml version="1.0" encoding="utf-8"?>
+<p:sld xmlns:a="http://schemas.openxmlformats.org/drawingml/2006/main" xmlns:r="http://schemas.openxmlformats.org/officeDocument/2006/relationships" xmlns:p="http://schemas.openxmlformats.org/presentationml/2006/main">
+  <p:cSld>
+    <p:spTree>
+      <p:nvGrpSpPr>
+        <p:cNvPr id="1" name=""/>
+        <p:cNvGrpSpPr/>
+        <p:nvPr/>
+      </p:nvGrpSpPr>
+      <p:grpSpPr>
+        <a:xfrm>
+          <a:off x="0" y="0"/>
+          <a:ext cx="0" cy="0"/>
+          <a:chOff x="0" y="0"/>
+          <a:chExt cx="0" cy="0"/>
+        </a:xfrm>
+      </p:grpSpPr>
+      <p:sp>
+        <p:nvSpPr>
+          <p:cNvPr id="2" name="Title 1">
+            <a:extLst>
+              <a:ext uri="{FF2B5EF4-FFF2-40B4-BE49-F238E27FC236}">
+                <a16:creationId xmlns:a16="http://schemas.microsoft.com/office/drawing/2014/main" id="{A4E49C21-6F83-1E43-83AE-B6C96EB3F5B9}"/>
+              </a:ext>
+            </a:extLst>
+          </p:cNvPr>
+          <p:cNvSpPr>
+            <a:spLocks noGrp="1"/>
+          </p:cNvSpPr>
+          <p:nvPr>
+            <p:ph type="title"/>
+          </p:nvPr>
+        </p:nvSpPr>
+        <p:spPr/>
+        <p:txBody>
+          <a:bodyPr/>
+          <a:lstStyle/>
+          <a:p>
+            <a:r>
+              <a:rPr lang="en-US">
+                <a:solidFill>
+                  <a:schemeClr val="accent1"/>
+                </a:solidFill>
+                <a:latin typeface="Contrail One" panose="02000000000000000000" pitchFamily="2" charset="77"/>
+              </a:rPr>
+              <a:t>Exercise 12</a:t>
+            </a:r>
+          </a:p>
+        </p:txBody>
+      </p:sp>
+      <p:sp>
+        <p:nvSpPr>
+          <p:cNvPr id="3" name="Content Placeholder 2">
+            <a:extLst>
+              <a:ext uri="{FF2B5EF4-FFF2-40B4-BE49-F238E27FC236}">
+                <a16:creationId xmlns:a16="http://schemas.microsoft.com/office/drawing/2014/main" id="{B06AC98F-540D-894F-849E-51C7D79CDE75}"/>
+              </a:ext>
+            </a:extLst>
+          </p:cNvPr>
+          <p:cNvSpPr>
+            <a:spLocks noGrp="1"/>
+          </p:cNvSpPr>
+          <p:nvPr>
+            <p:ph idx="1"/>
+          </p:nvPr>
+        </p:nvSpPr>
+        <p:spPr>
+          <a:xfrm>
+            <a:off x="838200" y="1319980"/>
+            <a:ext cx="6250664" cy="5379584"/>
+          </a:xfrm>
+        </p:spPr>
+        <p:txBody>
+          <a:bodyPr>
+            <a:normAutofit/>
+          </a:bodyPr>
+          <a:lstStyle/>
+          <a:p>
+            <a:r>
+              <a:rPr lang="en-US">
+                <a:solidFill>
+                  <a:schemeClr val="accent1"/>
+                </a:solidFill>
+              </a:rPr>
+              <a:t>We're not limited to broad CSS selectors</a:t>
+            </a:r>
+          </a:p>
+          <a:p>
+            <a:pPr marL="0" indent="0">
+              <a:buNone/>
+            </a:pPr>
+            <a:r>
+              <a:rPr lang="en-US">
+                <a:solidFill>
+                  <a:srgbClr val="C00000"/>
+                </a:solidFill>
+                <a:latin typeface="Avenir Next Condensed" panose="020B0506020202020204" pitchFamily="34" charset="0"/>
+              </a:rPr>
+              <a:t>main div p {</a:t>
+            </a:r>
+          </a:p>
+          <a:p>
+            <a:pPr marL="0" indent="0">
+              <a:buNone/>
+            </a:pPr>
+            <a:r>
+              <a:rPr lang="en-US">
+                <a:solidFill>
+                  <a:srgbClr val="C00000"/>
+                </a:solidFill>
+                <a:latin typeface="Avenir Next Condensed" panose="020B0506020202020204" pitchFamily="34" charset="0"/>
+              </a:rPr>
+              <a:t>  color: red;</a:t>
+            </a:r>
+          </a:p>
+          <a:p>
+            <a:pPr marL="0" indent="0">
+              <a:buNone/>
+            </a:pPr>
+            <a:r>
+              <a:rPr lang="en-US">
+                <a:solidFill>
+                  <a:srgbClr val="C00000"/>
+                </a:solidFill>
+                <a:latin typeface="Avenir Next Condensed" panose="020B0506020202020204" pitchFamily="34" charset="0"/>
+              </a:rPr>
+              <a:t>}</a:t>
+            </a:r>
+          </a:p>
+          <a:p>
+            <a:pPr marL="0" indent="0">
+              <a:buNone/>
+            </a:pPr>
+            <a:endParaRPr lang="en-US">
+              <a:solidFill>
+                <a:schemeClr val="accent1"/>
+              </a:solidFill>
+            </a:endParaRPr>
+          </a:p>
+        </p:txBody>
+      </p:sp>
+      <p:sp>
+        <p:nvSpPr>
+          <p:cNvPr id="7" name="TextBox 6">
+            <a:extLst>
+              <a:ext uri="{FF2B5EF4-FFF2-40B4-BE49-F238E27FC236}">
+                <a16:creationId xmlns:a16="http://schemas.microsoft.com/office/drawing/2014/main" id="{24E74B0C-B99B-B841-8BD9-192AA2DD2C44}"/>
+              </a:ext>
+            </a:extLst>
+          </p:cNvPr>
+          <p:cNvSpPr txBox="1"/>
+          <p:nvPr/>
+        </p:nvSpPr>
+        <p:spPr>
+          <a:xfrm>
+            <a:off x="7586804" y="1032095"/>
+            <a:ext cx="4300396" cy="2862322"/>
+          </a:xfrm>
+          <a:prstGeom prst="rect">
+            <a:avLst/>
+          </a:prstGeom>
+          <a:noFill/>
+        </p:spPr>
+        <p:txBody>
+          <a:bodyPr wrap="square" rtlCol="0">
+            <a:spAutoFit/>
+          </a:bodyPr>
+          <a:lstStyle/>
+          <a:p>
+            <a:r>
+              <a:rPr lang="en-US"/>
+              <a:t>&lt;main&gt;</a:t>
+            </a:r>
+          </a:p>
+          <a:p>
+            <a:r>
+              <a:rPr lang="en-US"/>
+              <a:t>  &lt;div&gt;</a:t>
+            </a:r>
+          </a:p>
+          <a:p>
+            <a:r>
+              <a:rPr lang="en-US"/>
+              <a:t>    </a:t>
+            </a:r>
+            <a:r>
+              <a:rPr lang="en-US">
+                <a:solidFill>
+                  <a:srgbClr val="FF0000"/>
+                </a:solidFill>
+              </a:rPr>
+              <a:t>&lt;p&gt;&lt;/p&gt;</a:t>
+            </a:r>
+          </a:p>
+          <a:p>
+            <a:r>
+              <a:rPr lang="en-US"/>
+              <a:t>  &lt;/div&gt;</a:t>
+            </a:r>
+          </a:p>
+          <a:p>
+            <a:r>
+              <a:rPr lang="en-US"/>
+              <a:t>  &lt;div&gt;</a:t>
+            </a:r>
+          </a:p>
+          <a:p>
+            <a:r>
+              <a:rPr lang="en-US"/>
+              <a:t>    &lt;div&gt;</a:t>
+            </a:r>
+          </a:p>
+          <a:p>
+            <a:r>
+              <a:rPr lang="en-US"/>
+              <a:t>      &lt;p&gt;&lt;/p&gt;</a:t>
+            </a:r>
+          </a:p>
+          <a:p>
+            <a:r>
+              <a:rPr lang="en-US"/>
+              <a:t>    &lt;/div&gt;</a:t>
+            </a:r>
+          </a:p>
+          <a:p>
+            <a:r>
+              <a:rPr lang="en-US"/>
+              <a:t>  &lt;/div&gt;</a:t>
+            </a:r>
+          </a:p>
+          <a:p>
+            <a:r>
+              <a:rPr lang="en-US"/>
+              <a:t>&lt;/main&gt;</a:t>
+            </a:r>
+          </a:p>
+        </p:txBody>
+      </p:sp>
+    </p:spTree>
+    <p:extLst>
+      <p:ext uri="{BB962C8B-B14F-4D97-AF65-F5344CB8AC3E}">
+        <p14:creationId xmlns:p14="http://schemas.microsoft.com/office/powerpoint/2010/main" val="2528286529"/>
+      </p:ext>
+    </p:extLst>
+  </p:cSld>
+  <p:clrMapOvr>
+    <a:masterClrMapping/>
+  </p:clrMapOvr>
+</p:sld>
+</file>
+
+<file path=ppt/slides/slide23.xml><?xml version="1.0" encoding="utf-8"?>
+<p:sld xmlns:a="http://schemas.openxmlformats.org/drawingml/2006/main" xmlns:r="http://schemas.openxmlformats.org/officeDocument/2006/relationships" xmlns:p="http://schemas.openxmlformats.org/presentationml/2006/main">
+  <p:cSld>
+    <p:spTree>
+      <p:nvGrpSpPr>
+        <p:cNvPr id="1" name=""/>
+        <p:cNvGrpSpPr/>
+        <p:nvPr/>
+      </p:nvGrpSpPr>
+      <p:grpSpPr>
+        <a:xfrm>
+          <a:off x="0" y="0"/>
+          <a:ext cx="0" cy="0"/>
+          <a:chOff x="0" y="0"/>
+          <a:chExt cx="0" cy="0"/>
+        </a:xfrm>
+      </p:grpSpPr>
+      <p:sp>
+        <p:nvSpPr>
+          <p:cNvPr id="2" name="Title 1">
+            <a:extLst>
+              <a:ext uri="{FF2B5EF4-FFF2-40B4-BE49-F238E27FC236}">
+                <a16:creationId xmlns:a16="http://schemas.microsoft.com/office/drawing/2014/main" id="{A4E49C21-6F83-1E43-83AE-B6C96EB3F5B9}"/>
+              </a:ext>
+            </a:extLst>
+          </p:cNvPr>
+          <p:cNvSpPr>
+            <a:spLocks noGrp="1"/>
+          </p:cNvSpPr>
+          <p:nvPr>
+            <p:ph type="title"/>
+          </p:nvPr>
+        </p:nvSpPr>
+        <p:spPr/>
+        <p:txBody>
+          <a:bodyPr/>
+          <a:lstStyle/>
+          <a:p>
+            <a:r>
+              <a:rPr lang="en-US">
+                <a:solidFill>
+                  <a:schemeClr val="accent1"/>
+                </a:solidFill>
+                <a:latin typeface="Contrail One" panose="02000000000000000000" pitchFamily="2" charset="77"/>
+              </a:rPr>
+              <a:t>Exercise 12</a:t>
+            </a:r>
+          </a:p>
+        </p:txBody>
+      </p:sp>
+      <p:sp>
+        <p:nvSpPr>
+          <p:cNvPr id="3" name="Content Placeholder 2">
+            <a:extLst>
+              <a:ext uri="{FF2B5EF4-FFF2-40B4-BE49-F238E27FC236}">
+                <a16:creationId xmlns:a16="http://schemas.microsoft.com/office/drawing/2014/main" id="{B06AC98F-540D-894F-849E-51C7D79CDE75}"/>
+              </a:ext>
+            </a:extLst>
+          </p:cNvPr>
+          <p:cNvSpPr>
+            <a:spLocks noGrp="1"/>
+          </p:cNvSpPr>
+          <p:nvPr>
+            <p:ph idx="1"/>
+          </p:nvPr>
+        </p:nvSpPr>
+        <p:spPr>
+          <a:xfrm>
+            <a:off x="838200" y="1319980"/>
+            <a:ext cx="6250664" cy="5379584"/>
+          </a:xfrm>
+        </p:spPr>
+        <p:txBody>
+          <a:bodyPr>
+            <a:normAutofit/>
+          </a:bodyPr>
+          <a:lstStyle/>
+          <a:p>
+            <a:r>
+              <a:rPr lang="en-US">
+                <a:solidFill>
+                  <a:schemeClr val="accent1"/>
+                </a:solidFill>
+              </a:rPr>
+              <a:t>We're not limited to broad CSS selectors</a:t>
+            </a:r>
+          </a:p>
+          <a:p>
+            <a:pPr marL="0" indent="0">
+              <a:buNone/>
+            </a:pPr>
+            <a:r>
+              <a:rPr lang="en-US">
+                <a:solidFill>
+                  <a:srgbClr val="C00000"/>
+                </a:solidFill>
+                <a:latin typeface="Avenir Next Condensed" panose="020B0506020202020204" pitchFamily="34" charset="0"/>
+              </a:rPr>
+              <a:t>div div p {</a:t>
+            </a:r>
+          </a:p>
+          <a:p>
+            <a:pPr marL="0" indent="0">
+              <a:buNone/>
+            </a:pPr>
+            <a:r>
+              <a:rPr lang="en-US">
+                <a:solidFill>
+                  <a:srgbClr val="C00000"/>
+                </a:solidFill>
+                <a:latin typeface="Avenir Next Condensed" panose="020B0506020202020204" pitchFamily="34" charset="0"/>
+              </a:rPr>
+              <a:t>  color: red;</a:t>
+            </a:r>
+          </a:p>
+          <a:p>
+            <a:pPr marL="0" indent="0">
+              <a:buNone/>
+            </a:pPr>
+            <a:r>
+              <a:rPr lang="en-US">
+                <a:solidFill>
+                  <a:srgbClr val="C00000"/>
+                </a:solidFill>
+                <a:latin typeface="Avenir Next Condensed" panose="020B0506020202020204" pitchFamily="34" charset="0"/>
+              </a:rPr>
+              <a:t>}</a:t>
+            </a:r>
+          </a:p>
+          <a:p>
+            <a:pPr marL="0" indent="0">
+              <a:buNone/>
+            </a:pPr>
+            <a:endParaRPr lang="en-US">
+              <a:solidFill>
+                <a:schemeClr val="accent1"/>
+              </a:solidFill>
+            </a:endParaRPr>
+          </a:p>
+        </p:txBody>
+      </p:sp>
+      <p:sp>
+        <p:nvSpPr>
+          <p:cNvPr id="7" name="TextBox 6">
+            <a:extLst>
+              <a:ext uri="{FF2B5EF4-FFF2-40B4-BE49-F238E27FC236}">
+                <a16:creationId xmlns:a16="http://schemas.microsoft.com/office/drawing/2014/main" id="{24E74B0C-B99B-B841-8BD9-192AA2DD2C44}"/>
+              </a:ext>
+            </a:extLst>
+          </p:cNvPr>
+          <p:cNvSpPr txBox="1"/>
+          <p:nvPr/>
+        </p:nvSpPr>
+        <p:spPr>
+          <a:xfrm>
+            <a:off x="7586804" y="1032095"/>
+            <a:ext cx="4300396" cy="2862322"/>
+          </a:xfrm>
+          <a:prstGeom prst="rect">
+            <a:avLst/>
+          </a:prstGeom>
+          <a:noFill/>
+        </p:spPr>
+        <p:txBody>
+          <a:bodyPr wrap="square" rtlCol="0">
+            <a:spAutoFit/>
+          </a:bodyPr>
+          <a:lstStyle/>
+          <a:p>
+            <a:r>
+              <a:rPr lang="en-US"/>
+              <a:t>&lt;main&gt;</a:t>
+            </a:r>
+          </a:p>
+          <a:p>
+            <a:r>
+              <a:rPr lang="en-US"/>
+              <a:t>  &lt;div&gt;</a:t>
+            </a:r>
+          </a:p>
+          <a:p>
+            <a:r>
+              <a:rPr lang="en-US"/>
+              <a:t>    &lt;p&gt;&lt;/p&gt;</a:t>
+            </a:r>
+          </a:p>
+          <a:p>
+            <a:r>
+              <a:rPr lang="en-US"/>
+              <a:t>  &lt;/div&gt;</a:t>
+            </a:r>
+          </a:p>
+          <a:p>
+            <a:r>
+              <a:rPr lang="en-US"/>
+              <a:t>  &lt;div&gt;</a:t>
+            </a:r>
+          </a:p>
+          <a:p>
+            <a:r>
+              <a:rPr lang="en-US"/>
+              <a:t>    &lt;div&gt;</a:t>
+            </a:r>
+          </a:p>
+          <a:p>
+            <a:r>
+              <a:rPr lang="en-US"/>
+              <a:t>      </a:t>
+            </a:r>
+            <a:r>
+              <a:rPr lang="en-US">
+                <a:solidFill>
+                  <a:srgbClr val="FF0000"/>
+                </a:solidFill>
+              </a:rPr>
+              <a:t>&lt;p&gt;&lt;/p&gt;</a:t>
+            </a:r>
+          </a:p>
+          <a:p>
+            <a:r>
+              <a:rPr lang="en-US"/>
+              <a:t>    &lt;/div&gt;</a:t>
+            </a:r>
+          </a:p>
+          <a:p>
+            <a:r>
+              <a:rPr lang="en-US"/>
+              <a:t>  &lt;/div&gt;</a:t>
+            </a:r>
+          </a:p>
+          <a:p>
+            <a:r>
+              <a:rPr lang="en-US"/>
+              <a:t>&lt;/main&gt;</a:t>
+            </a:r>
+          </a:p>
+        </p:txBody>
+      </p:sp>
+    </p:spTree>
+    <p:extLst>
+      <p:ext uri="{BB962C8B-B14F-4D97-AF65-F5344CB8AC3E}">
+        <p14:creationId xmlns:p14="http://schemas.microsoft.com/office/powerpoint/2010/main" val="541810745"/>
+      </p:ext>
+    </p:extLst>
+  </p:cSld>
+  <p:clrMapOvr>
+    <a:masterClrMapping/>
+  </p:clrMapOvr>
+</p:sld>
+</file>
+
+<file path=ppt/slides/slide24.xml><?xml version="1.0" encoding="utf-8"?>
+<p:sld xmlns:a="http://schemas.openxmlformats.org/drawingml/2006/main" xmlns:r="http://schemas.openxmlformats.org/officeDocument/2006/relationships" xmlns:p="http://schemas.openxmlformats.org/presentationml/2006/main">
+  <p:cSld>
+    <p:spTree>
+      <p:nvGrpSpPr>
+        <p:cNvPr id="1" name=""/>
+        <p:cNvGrpSpPr/>
+        <p:nvPr/>
+      </p:nvGrpSpPr>
+      <p:grpSpPr>
+        <a:xfrm>
+          <a:off x="0" y="0"/>
+          <a:ext cx="0" cy="0"/>
+          <a:chOff x="0" y="0"/>
+          <a:chExt cx="0" cy="0"/>
+        </a:xfrm>
+      </p:grpSpPr>
+      <p:sp>
+        <p:nvSpPr>
+          <p:cNvPr id="2" name="Title 1">
+            <a:extLst>
+              <a:ext uri="{FF2B5EF4-FFF2-40B4-BE49-F238E27FC236}">
+                <a16:creationId xmlns:a16="http://schemas.microsoft.com/office/drawing/2014/main" id="{A4E49C21-6F83-1E43-83AE-B6C96EB3F5B9}"/>
+              </a:ext>
+            </a:extLst>
+          </p:cNvPr>
+          <p:cNvSpPr>
+            <a:spLocks noGrp="1"/>
+          </p:cNvSpPr>
+          <p:nvPr>
+            <p:ph type="title"/>
+          </p:nvPr>
+        </p:nvSpPr>
+        <p:spPr/>
+        <p:txBody>
+          <a:bodyPr/>
+          <a:lstStyle/>
+          <a:p>
+            <a:r>
+              <a:rPr lang="en-US">
+                <a:solidFill>
+                  <a:schemeClr val="accent1"/>
+                </a:solidFill>
+                <a:latin typeface="Contrail One" panose="02000000000000000000" pitchFamily="2" charset="77"/>
+              </a:rPr>
+              <a:t>Exercise 13</a:t>
+            </a:r>
+          </a:p>
+        </p:txBody>
+      </p:sp>
+      <p:sp>
+        <p:nvSpPr>
+          <p:cNvPr id="3" name="Content Placeholder 2">
+            <a:extLst>
+              <a:ext uri="{FF2B5EF4-FFF2-40B4-BE49-F238E27FC236}">
+                <a16:creationId xmlns:a16="http://schemas.microsoft.com/office/drawing/2014/main" id="{B06AC98F-540D-894F-849E-51C7D79CDE75}"/>
+              </a:ext>
+            </a:extLst>
+          </p:cNvPr>
+          <p:cNvSpPr>
+            <a:spLocks noGrp="1"/>
+          </p:cNvSpPr>
+          <p:nvPr>
+            <p:ph idx="1"/>
+          </p:nvPr>
+        </p:nvSpPr>
+        <p:spPr>
+          <a:xfrm>
+            <a:off x="838200" y="1319980"/>
+            <a:ext cx="11184802" cy="5379584"/>
+          </a:xfrm>
+        </p:spPr>
+        <p:txBody>
+          <a:bodyPr>
+            <a:normAutofit/>
+          </a:bodyPr>
+          <a:lstStyle/>
+          <a:p>
+            <a:r>
+              <a:rPr lang="en-US" sz="3200">
+                <a:solidFill>
+                  <a:schemeClr val="accent1"/>
+                </a:solidFill>
+              </a:rPr>
+              <a:t>Checkboxes are useful for allowing users to select multiple options</a:t>
+            </a:r>
+          </a:p>
+          <a:p>
+            <a:endParaRPr lang="en-US" sz="3200">
+              <a:solidFill>
+                <a:schemeClr val="accent1"/>
+              </a:solidFill>
+            </a:endParaRPr>
+          </a:p>
+          <a:p>
+            <a:endParaRPr lang="en-US" sz="3200">
+              <a:solidFill>
+                <a:schemeClr val="accent1"/>
+              </a:solidFill>
+            </a:endParaRPr>
+          </a:p>
+          <a:p>
+            <a:endParaRPr lang="en-US" sz="3200">
+              <a:solidFill>
+                <a:schemeClr val="accent1"/>
+              </a:solidFill>
+            </a:endParaRPr>
+          </a:p>
+          <a:p>
+            <a:pPr marL="0" indent="0">
+              <a:buNone/>
+            </a:pPr>
+            <a:endParaRPr lang="en-US" sz="3200">
+              <a:solidFill>
+                <a:schemeClr val="accent1"/>
+              </a:solidFill>
+            </a:endParaRPr>
+          </a:p>
+          <a:p>
+            <a:r>
+              <a:rPr lang="en-US" sz="3200">
+                <a:solidFill>
+                  <a:schemeClr val="accent1"/>
+                </a:solidFill>
+              </a:rPr>
+              <a:t>Clicking on the label is the same as clicking on the checkbox </a:t>
+            </a:r>
+          </a:p>
+          <a:p>
+            <a:pPr marL="0" indent="0">
+              <a:buNone/>
+            </a:pPr>
+            <a:endParaRPr lang="en-US" sz="3200">
+              <a:solidFill>
+                <a:schemeClr val="accent1"/>
+              </a:solidFill>
+            </a:endParaRPr>
+          </a:p>
+        </p:txBody>
+      </p:sp>
+      <p:pic>
+        <p:nvPicPr>
+          <p:cNvPr id="5" name="Picture 4">
+            <a:extLst>
+              <a:ext uri="{FF2B5EF4-FFF2-40B4-BE49-F238E27FC236}">
+                <a16:creationId xmlns:a16="http://schemas.microsoft.com/office/drawing/2014/main" id="{5A6C7708-4879-4E43-9554-2791E595ABFD}"/>
+              </a:ext>
+            </a:extLst>
+          </p:cNvPr>
+          <p:cNvPicPr>
+            <a:picLocks noChangeAspect="1"/>
+          </p:cNvPicPr>
+          <p:nvPr/>
+        </p:nvPicPr>
+        <p:blipFill>
+          <a:blip r:embed="rId2"/>
+          <a:stretch>
+            <a:fillRect/>
+          </a:stretch>
+        </p:blipFill>
+        <p:spPr>
+          <a:xfrm>
+            <a:off x="1225236" y="2276357"/>
+            <a:ext cx="4559500" cy="1073425"/>
+          </a:xfrm>
+          <a:prstGeom prst="rect">
+            <a:avLst/>
+          </a:prstGeom>
+        </p:spPr>
+      </p:pic>
+      <p:sp>
+        <p:nvSpPr>
+          <p:cNvPr id="6" name="TextBox 5">
+            <a:extLst>
+              <a:ext uri="{FF2B5EF4-FFF2-40B4-BE49-F238E27FC236}">
+                <a16:creationId xmlns:a16="http://schemas.microsoft.com/office/drawing/2014/main" id="{8B32FB36-7C60-354D-8307-444233D8C8D5}"/>
+              </a:ext>
+            </a:extLst>
+          </p:cNvPr>
+          <p:cNvSpPr txBox="1"/>
+          <p:nvPr/>
+        </p:nvSpPr>
+        <p:spPr>
+          <a:xfrm>
+            <a:off x="1161861" y="3579573"/>
+            <a:ext cx="10515599" cy="1231106"/>
+          </a:xfrm>
+          <a:prstGeom prst="rect">
+            <a:avLst/>
+          </a:prstGeom>
+          <a:noFill/>
+        </p:spPr>
+        <p:txBody>
+          <a:bodyPr wrap="square" rtlCol="0">
+            <a:spAutoFit/>
+          </a:bodyPr>
+          <a:lstStyle/>
+          <a:p>
+            <a:r>
+              <a:rPr lang="en-US" sz="2800">
+                <a:solidFill>
+                  <a:srgbClr val="C00000"/>
+                </a:solidFill>
+                <a:latin typeface="Avenir Next Condensed" panose="020B0506020202020204" pitchFamily="34" charset="0"/>
+              </a:rPr>
+              <a:t>  &lt;input type="checkbox" value="ketchup" </a:t>
+            </a:r>
+            <a:r>
+              <a:rPr lang="en-US" sz="2800" b="1">
+                <a:solidFill>
+                  <a:srgbClr val="C00000"/>
+                </a:solidFill>
+                <a:latin typeface="Avenir Next Condensed" panose="020B0506020202020204" pitchFamily="34" charset="0"/>
+              </a:rPr>
+              <a:t>id="ketchup" </a:t>
+            </a:r>
+            <a:r>
+              <a:rPr lang="en-US" sz="2800">
+                <a:solidFill>
+                  <a:srgbClr val="C00000"/>
+                </a:solidFill>
+                <a:latin typeface="Avenir Next Condensed" panose="020B0506020202020204" pitchFamily="34" charset="0"/>
+              </a:rPr>
+              <a:t>/&gt;</a:t>
+            </a:r>
+          </a:p>
+          <a:p>
+            <a:r>
+              <a:rPr lang="en-US" sz="2800">
+                <a:solidFill>
+                  <a:srgbClr val="C00000"/>
+                </a:solidFill>
+                <a:latin typeface="Avenir Next Condensed" panose="020B0506020202020204" pitchFamily="34" charset="0"/>
+              </a:rPr>
+              <a:t>  &lt;label </a:t>
+            </a:r>
+            <a:r>
+              <a:rPr lang="en-US" sz="2800" b="1">
+                <a:solidFill>
+                  <a:srgbClr val="C00000"/>
+                </a:solidFill>
+                <a:latin typeface="Avenir Next Condensed" panose="020B0506020202020204" pitchFamily="34" charset="0"/>
+              </a:rPr>
+              <a:t>for="ketchup"</a:t>
+            </a:r>
+            <a:r>
+              <a:rPr lang="en-US" sz="2800">
+                <a:solidFill>
+                  <a:srgbClr val="C00000"/>
+                </a:solidFill>
+                <a:latin typeface="Avenir Next Condensed" panose="020B0506020202020204" pitchFamily="34" charset="0"/>
+              </a:rPr>
+              <a:t>&gt;Ketchup&lt;/label&gt;</a:t>
+            </a:r>
+          </a:p>
+          <a:p>
+            <a:endParaRPr lang="en-US"/>
+          </a:p>
+        </p:txBody>
+      </p:sp>
+    </p:spTree>
+    <p:extLst>
+      <p:ext uri="{BB962C8B-B14F-4D97-AF65-F5344CB8AC3E}">
+        <p14:creationId xmlns:p14="http://schemas.microsoft.com/office/powerpoint/2010/main" val="2100352299"/>
+      </p:ext>
+    </p:extLst>
+  </p:cSld>
+  <p:clrMapOvr>
+    <a:masterClrMapping/>
+  </p:clrMapOvr>
+</p:sld>
+</file>
+
+<file path=ppt/slides/slide25.xml><?xml version="1.0" encoding="utf-8"?>
+<p:sld xmlns:a="http://schemas.openxmlformats.org/drawingml/2006/main" xmlns:r="http://schemas.openxmlformats.org/officeDocument/2006/relationships" xmlns:p="http://schemas.openxmlformats.org/presentationml/2006/main">
+  <p:cSld>
+    <p:spTree>
+      <p:nvGrpSpPr>
+        <p:cNvPr id="1" name=""/>
+        <p:cNvGrpSpPr/>
+        <p:nvPr/>
+      </p:nvGrpSpPr>
+      <p:grpSpPr>
+        <a:xfrm>
+          <a:off x="0" y="0"/>
+          <a:ext cx="0" cy="0"/>
+          <a:chOff x="0" y="0"/>
+          <a:chExt cx="0" cy="0"/>
+        </a:xfrm>
+      </p:grpSpPr>
+      <p:sp>
+        <p:nvSpPr>
+          <p:cNvPr id="2" name="Title 1">
+            <a:extLst>
+              <a:ext uri="{FF2B5EF4-FFF2-40B4-BE49-F238E27FC236}">
+                <a16:creationId xmlns:a16="http://schemas.microsoft.com/office/drawing/2014/main" id="{A4E49C21-6F83-1E43-83AE-B6C96EB3F5B9}"/>
+              </a:ext>
+            </a:extLst>
+          </p:cNvPr>
+          <p:cNvSpPr>
+            <a:spLocks noGrp="1"/>
+          </p:cNvSpPr>
+          <p:nvPr>
+            <p:ph type="title"/>
+          </p:nvPr>
+        </p:nvSpPr>
+        <p:spPr/>
+        <p:txBody>
+          <a:bodyPr/>
+          <a:lstStyle/>
+          <a:p>
+            <a:r>
+              <a:rPr lang="en-US">
+                <a:solidFill>
+                  <a:schemeClr val="accent1"/>
+                </a:solidFill>
+                <a:latin typeface="Contrail One" panose="02000000000000000000" pitchFamily="2" charset="77"/>
+              </a:rPr>
+              <a:t>Exercise 14</a:t>
+            </a:r>
+          </a:p>
+        </p:txBody>
+      </p:sp>
+      <p:sp>
+        <p:nvSpPr>
+          <p:cNvPr id="3" name="Content Placeholder 2">
+            <a:extLst>
+              <a:ext uri="{FF2B5EF4-FFF2-40B4-BE49-F238E27FC236}">
+                <a16:creationId xmlns:a16="http://schemas.microsoft.com/office/drawing/2014/main" id="{B06AC98F-540D-894F-849E-51C7D79CDE75}"/>
+              </a:ext>
+            </a:extLst>
+          </p:cNvPr>
+          <p:cNvSpPr>
+            <a:spLocks noGrp="1"/>
+          </p:cNvSpPr>
+          <p:nvPr>
+            <p:ph idx="1"/>
+          </p:nvPr>
+        </p:nvSpPr>
+        <p:spPr>
+          <a:xfrm>
+            <a:off x="838200" y="1319980"/>
+            <a:ext cx="11184802" cy="5379584"/>
+          </a:xfrm>
+        </p:spPr>
+        <p:txBody>
+          <a:bodyPr>
+            <a:normAutofit/>
+          </a:bodyPr>
+          <a:lstStyle/>
+          <a:p>
+            <a:r>
+              <a:rPr lang="en-US" i="1">
+                <a:solidFill>
+                  <a:schemeClr val="accent1"/>
+                </a:solidFill>
+              </a:rPr>
+              <a:t>Events </a:t>
+            </a:r>
+            <a:r>
+              <a:rPr lang="en-US">
+                <a:solidFill>
+                  <a:schemeClr val="accent1"/>
+                </a:solidFill>
+              </a:rPr>
+              <a:t>are generated by the browser when any of a number of things happen. To capture the event, we tie a function to the </a:t>
+            </a:r>
+            <a:r>
+              <a:rPr lang="en-US" i="1">
+                <a:solidFill>
+                  <a:schemeClr val="accent1"/>
+                </a:solidFill>
+              </a:rPr>
+              <a:t>event trigger</a:t>
+            </a:r>
+            <a:r>
+              <a:rPr lang="en-US">
+                <a:solidFill>
+                  <a:schemeClr val="accent1"/>
+                </a:solidFill>
+              </a:rPr>
+              <a:t>.</a:t>
+            </a:r>
+          </a:p>
+          <a:p>
+            <a:pPr marL="0" indent="0">
+              <a:buNone/>
+            </a:pPr>
+            <a:r>
+              <a:rPr lang="en-US" sz="3000">
+                <a:solidFill>
+                  <a:srgbClr val="C00000"/>
+                </a:solidFill>
+                <a:latin typeface="Avenir Next Condensed" panose="020B0506020202020204" pitchFamily="34" charset="0"/>
+              </a:rPr>
+              <a:t>&lt;input type="checkbox" value="tea" id="tea" </a:t>
+            </a:r>
+            <a:r>
+              <a:rPr lang="en-US" sz="3000" b="1">
+                <a:solidFill>
+                  <a:srgbClr val="C00000"/>
+                </a:solidFill>
+                <a:latin typeface="Avenir Next Condensed" panose="020B0506020202020204" pitchFamily="34" charset="0"/>
+              </a:rPr>
+              <a:t>onclick</a:t>
+            </a:r>
+            <a:r>
+              <a:rPr lang="en-US" sz="3000" b="1">
+                <a:solidFill>
+                  <a:srgbClr val="0070C0"/>
+                </a:solidFill>
+                <a:latin typeface="Avenir Next Condensed" panose="020B0506020202020204" pitchFamily="34" charset="0"/>
+              </a:rPr>
+              <a:t>="alert('You chose tea')"</a:t>
+            </a:r>
+            <a:r>
+              <a:rPr lang="en-US" sz="3000">
+                <a:solidFill>
+                  <a:srgbClr val="C00000"/>
+                </a:solidFill>
+                <a:latin typeface="Avenir Next Condensed" panose="020B0506020202020204" pitchFamily="34" charset="0"/>
+              </a:rPr>
+              <a:t>/&gt;</a:t>
+            </a:r>
+          </a:p>
+          <a:p>
+            <a:pPr marL="0" indent="0">
+              <a:buNone/>
+            </a:pPr>
+            <a:r>
+              <a:rPr lang="en-US" sz="3000">
+                <a:solidFill>
+                  <a:srgbClr val="C00000"/>
+                </a:solidFill>
+                <a:latin typeface="Avenir Next Condensed" panose="020B0506020202020204" pitchFamily="34" charset="0"/>
+              </a:rPr>
+              <a:t>&lt;label for="tea"&gt;Tea&lt;/label&gt;</a:t>
+            </a:r>
+          </a:p>
+          <a:p>
+            <a:pPr marL="0" indent="0">
+              <a:buNone/>
+            </a:pPr>
+            <a:endParaRPr lang="en-US" i="1">
+              <a:solidFill>
+                <a:schemeClr val="accent1"/>
+              </a:solidFill>
+            </a:endParaRPr>
+          </a:p>
+          <a:p>
+            <a:endParaRPr lang="en-US">
+              <a:solidFill>
+                <a:schemeClr val="accent1"/>
+              </a:solidFill>
+            </a:endParaRPr>
+          </a:p>
+          <a:p>
+            <a:endParaRPr lang="en-US">
+              <a:solidFill>
+                <a:schemeClr val="accent1"/>
+              </a:solidFill>
+            </a:endParaRPr>
+          </a:p>
+          <a:p>
+            <a:endParaRPr lang="en-US">
+              <a:solidFill>
+                <a:schemeClr val="accent1"/>
+              </a:solidFill>
+            </a:endParaRPr>
+          </a:p>
+          <a:p>
+            <a:endParaRPr lang="en-US">
+              <a:solidFill>
+                <a:schemeClr val="accent1"/>
+              </a:solidFill>
+            </a:endParaRPr>
+          </a:p>
+          <a:p>
+            <a:endParaRPr lang="en-US">
+              <a:solidFill>
+                <a:schemeClr val="accent1"/>
+              </a:solidFill>
+            </a:endParaRPr>
+          </a:p>
+          <a:p>
+            <a:endParaRPr lang="en-US">
+              <a:solidFill>
+                <a:schemeClr val="accent1"/>
+              </a:solidFill>
+            </a:endParaRPr>
+          </a:p>
+          <a:p>
+            <a:pPr marL="0" indent="0">
+              <a:buNone/>
+            </a:pPr>
+            <a:endParaRPr lang="en-US">
+              <a:solidFill>
+                <a:schemeClr val="accent1"/>
+              </a:solidFill>
+            </a:endParaRPr>
+          </a:p>
+        </p:txBody>
+      </p:sp>
+      <p:cxnSp>
+        <p:nvCxnSpPr>
+          <p:cNvPr id="8" name="Straight Arrow Connector 7">
+            <a:extLst>
+              <a:ext uri="{FF2B5EF4-FFF2-40B4-BE49-F238E27FC236}">
+                <a16:creationId xmlns:a16="http://schemas.microsoft.com/office/drawing/2014/main" id="{E16D68D8-D150-DD44-AE2D-85FEA5A0AD5D}"/>
+              </a:ext>
+            </a:extLst>
+          </p:cNvPr>
+          <p:cNvCxnSpPr>
+            <a:cxnSpLocks/>
+          </p:cNvCxnSpPr>
+          <p:nvPr/>
+        </p:nvCxnSpPr>
+        <p:spPr>
+          <a:xfrm flipV="1">
+            <a:off x="7908041" y="2684274"/>
+            <a:ext cx="0" cy="547814"/>
+          </a:xfrm>
+          <a:prstGeom prst="straightConnector1">
+            <a:avLst/>
+          </a:prstGeom>
+          <a:ln w="25400">
+            <a:solidFill>
+              <a:srgbClr val="FF0000"/>
+            </a:solidFill>
+            <a:tailEnd type="oval"/>
+          </a:ln>
+        </p:spPr>
+        <p:style>
+          <a:lnRef idx="1">
+            <a:schemeClr val="accent1"/>
+          </a:lnRef>
+          <a:fillRef idx="0">
+            <a:schemeClr val="accent1"/>
+          </a:fillRef>
+          <a:effectRef idx="0">
+            <a:schemeClr val="accent1"/>
+          </a:effectRef>
+          <a:fontRef idx="minor">
+            <a:schemeClr val="tx1"/>
+          </a:fontRef>
+        </p:style>
+      </p:cxnSp>
+      <p:sp>
+        <p:nvSpPr>
+          <p:cNvPr id="9" name="TextBox 7">
+            <a:extLst>
+              <a:ext uri="{FF2B5EF4-FFF2-40B4-BE49-F238E27FC236}">
+                <a16:creationId xmlns:a16="http://schemas.microsoft.com/office/drawing/2014/main" id="{D404513A-5462-064E-9A47-647C460DDD16}"/>
+              </a:ext>
+            </a:extLst>
+          </p:cNvPr>
+          <p:cNvSpPr txBox="1"/>
+          <p:nvPr/>
+        </p:nvSpPr>
+        <p:spPr>
+          <a:xfrm>
+            <a:off x="6901378" y="3232088"/>
+            <a:ext cx="1527978" cy="369332"/>
+          </a:xfrm>
+          <a:prstGeom prst="rect">
+            <a:avLst/>
+          </a:prstGeom>
+          <a:noFill/>
+        </p:spPr>
+        <p:txBody>
+          <a:bodyPr wrap="square" rtlCol="0">
+            <a:spAutoFit/>
+          </a:bodyPr>
+          <a:lstStyle>
+            <a:defPPr>
+              <a:defRPr lang="en-US"/>
+            </a:defPPr>
+            <a:lvl1pPr marL="0" algn="l" defTabSz="914400" rtl="0" eaLnBrk="1" latinLnBrk="0" hangingPunct="1">
+              <a:defRPr sz="1800" kern="1200">
+                <a:solidFill>
+                  <a:schemeClr val="tx1"/>
+                </a:solidFill>
+                <a:latin typeface="+mn-lt"/>
+                <a:ea typeface="+mn-ea"/>
+                <a:cs typeface="+mn-cs"/>
+              </a:defRPr>
+            </a:lvl1pPr>
+            <a:lvl2pPr marL="457200" algn="l" defTabSz="914400" rtl="0" eaLnBrk="1" latinLnBrk="0" hangingPunct="1">
+              <a:defRPr sz="1800" kern="1200">
+                <a:solidFill>
+                  <a:schemeClr val="tx1"/>
+                </a:solidFill>
+                <a:latin typeface="+mn-lt"/>
+                <a:ea typeface="+mn-ea"/>
+                <a:cs typeface="+mn-cs"/>
+              </a:defRPr>
+            </a:lvl2pPr>
+            <a:lvl3pPr marL="914400" algn="l" defTabSz="914400" rtl="0" eaLnBrk="1" latinLnBrk="0" hangingPunct="1">
+              <a:defRPr sz="1800" kern="1200">
+                <a:solidFill>
+                  <a:schemeClr val="tx1"/>
+                </a:solidFill>
+                <a:latin typeface="+mn-lt"/>
+                <a:ea typeface="+mn-ea"/>
+                <a:cs typeface="+mn-cs"/>
+              </a:defRPr>
+            </a:lvl3pPr>
+            <a:lvl4pPr marL="1371600" algn="l" defTabSz="914400" rtl="0" eaLnBrk="1" latinLnBrk="0" hangingPunct="1">
+              <a:defRPr sz="1800" kern="1200">
+                <a:solidFill>
+                  <a:schemeClr val="tx1"/>
+                </a:solidFill>
+                <a:latin typeface="+mn-lt"/>
+                <a:ea typeface="+mn-ea"/>
+                <a:cs typeface="+mn-cs"/>
+              </a:defRPr>
+            </a:lvl4pPr>
+            <a:lvl5pPr marL="1828800" algn="l" defTabSz="914400" rtl="0" eaLnBrk="1" latinLnBrk="0" hangingPunct="1">
+              <a:defRPr sz="1800" kern="1200">
+                <a:solidFill>
+                  <a:schemeClr val="tx1"/>
+                </a:solidFill>
+                <a:latin typeface="+mn-lt"/>
+                <a:ea typeface="+mn-ea"/>
+                <a:cs typeface="+mn-cs"/>
+              </a:defRPr>
+            </a:lvl5pPr>
+            <a:lvl6pPr marL="2286000" algn="l" defTabSz="914400" rtl="0" eaLnBrk="1" latinLnBrk="0" hangingPunct="1">
+              <a:defRPr sz="1800" kern="1200">
+                <a:solidFill>
+                  <a:schemeClr val="tx1"/>
+                </a:solidFill>
+                <a:latin typeface="+mn-lt"/>
+                <a:ea typeface="+mn-ea"/>
+                <a:cs typeface="+mn-cs"/>
+              </a:defRPr>
+            </a:lvl6pPr>
+            <a:lvl7pPr marL="2743200" algn="l" defTabSz="914400" rtl="0" eaLnBrk="1" latinLnBrk="0" hangingPunct="1">
+              <a:defRPr sz="1800" kern="1200">
+                <a:solidFill>
+                  <a:schemeClr val="tx1"/>
+                </a:solidFill>
+                <a:latin typeface="+mn-lt"/>
+                <a:ea typeface="+mn-ea"/>
+                <a:cs typeface="+mn-cs"/>
+              </a:defRPr>
+            </a:lvl7pPr>
+            <a:lvl8pPr marL="3200400" algn="l" defTabSz="914400" rtl="0" eaLnBrk="1" latinLnBrk="0" hangingPunct="1">
+              <a:defRPr sz="1800" kern="1200">
+                <a:solidFill>
+                  <a:schemeClr val="tx1"/>
+                </a:solidFill>
+                <a:latin typeface="+mn-lt"/>
+                <a:ea typeface="+mn-ea"/>
+                <a:cs typeface="+mn-cs"/>
+              </a:defRPr>
+            </a:lvl8pPr>
+            <a:lvl9pPr marL="3657600" algn="l" defTabSz="914400" rtl="0" eaLnBrk="1" latinLnBrk="0" hangingPunct="1">
+              <a:defRPr sz="1800" kern="1200">
+                <a:solidFill>
+                  <a:schemeClr val="tx1"/>
+                </a:solidFill>
+                <a:latin typeface="+mn-lt"/>
+                <a:ea typeface="+mn-ea"/>
+                <a:cs typeface="+mn-cs"/>
+              </a:defRPr>
+            </a:lvl9pPr>
+          </a:lstStyle>
+          <a:p>
+            <a:pPr algn="r"/>
+            <a:r>
+              <a:rPr lang="en-US">
+                <a:solidFill>
+                  <a:srgbClr val="FF0000"/>
+                </a:solidFill>
+                <a:latin typeface="Marker Felt Thin" panose="02000400000000000000" pitchFamily="2" charset="77"/>
+              </a:rPr>
+              <a:t>event trigger</a:t>
+            </a:r>
+          </a:p>
+        </p:txBody>
+      </p:sp>
+      <p:cxnSp>
+        <p:nvCxnSpPr>
+          <p:cNvPr id="11" name="Straight Arrow Connector 10">
+            <a:extLst>
+              <a:ext uri="{FF2B5EF4-FFF2-40B4-BE49-F238E27FC236}">
+                <a16:creationId xmlns:a16="http://schemas.microsoft.com/office/drawing/2014/main" id="{376F94E1-A724-634A-8206-B5E30E8FC02A}"/>
+              </a:ext>
+            </a:extLst>
+          </p:cNvPr>
+          <p:cNvCxnSpPr>
+            <a:cxnSpLocks/>
+          </p:cNvCxnSpPr>
+          <p:nvPr/>
+        </p:nvCxnSpPr>
+        <p:spPr>
+          <a:xfrm flipV="1">
+            <a:off x="9320382" y="2684274"/>
+            <a:ext cx="0" cy="547814"/>
+          </a:xfrm>
+          <a:prstGeom prst="straightConnector1">
+            <a:avLst/>
+          </a:prstGeom>
+          <a:ln w="25400">
+            <a:solidFill>
+              <a:schemeClr val="accent1">
+                <a:lumMod val="75000"/>
+              </a:schemeClr>
+            </a:solidFill>
+            <a:tailEnd type="oval"/>
+          </a:ln>
+        </p:spPr>
+        <p:style>
+          <a:lnRef idx="1">
+            <a:schemeClr val="accent1"/>
+          </a:lnRef>
+          <a:fillRef idx="0">
+            <a:schemeClr val="accent1"/>
+          </a:fillRef>
+          <a:effectRef idx="0">
+            <a:schemeClr val="accent1"/>
+          </a:effectRef>
+          <a:fontRef idx="minor">
+            <a:schemeClr val="tx1"/>
+          </a:fontRef>
+        </p:style>
+      </p:cxnSp>
+      <p:sp>
+        <p:nvSpPr>
+          <p:cNvPr id="12" name="TextBox 7">
+            <a:extLst>
+              <a:ext uri="{FF2B5EF4-FFF2-40B4-BE49-F238E27FC236}">
+                <a16:creationId xmlns:a16="http://schemas.microsoft.com/office/drawing/2014/main" id="{B6672E23-72DB-EC45-828F-10A111136F89}"/>
+              </a:ext>
+            </a:extLst>
+          </p:cNvPr>
+          <p:cNvSpPr txBox="1"/>
+          <p:nvPr/>
+        </p:nvSpPr>
+        <p:spPr>
+          <a:xfrm>
+            <a:off x="8429356" y="3232088"/>
+            <a:ext cx="1527978" cy="369332"/>
+          </a:xfrm>
+          <a:prstGeom prst="rect">
+            <a:avLst/>
+          </a:prstGeom>
+          <a:noFill/>
+        </p:spPr>
+        <p:txBody>
+          <a:bodyPr wrap="square" rtlCol="0">
+            <a:spAutoFit/>
+          </a:bodyPr>
+          <a:lstStyle>
+            <a:defPPr>
+              <a:defRPr lang="en-US"/>
+            </a:defPPr>
+            <a:lvl1pPr marL="0" algn="l" defTabSz="914400" rtl="0" eaLnBrk="1" latinLnBrk="0" hangingPunct="1">
+              <a:defRPr sz="1800" kern="1200">
+                <a:solidFill>
+                  <a:schemeClr val="tx1"/>
+                </a:solidFill>
+                <a:latin typeface="+mn-lt"/>
+                <a:ea typeface="+mn-ea"/>
+                <a:cs typeface="+mn-cs"/>
+              </a:defRPr>
+            </a:lvl1pPr>
+            <a:lvl2pPr marL="457200" algn="l" defTabSz="914400" rtl="0" eaLnBrk="1" latinLnBrk="0" hangingPunct="1">
+              <a:defRPr sz="1800" kern="1200">
+                <a:solidFill>
+                  <a:schemeClr val="tx1"/>
+                </a:solidFill>
+                <a:latin typeface="+mn-lt"/>
+                <a:ea typeface="+mn-ea"/>
+                <a:cs typeface="+mn-cs"/>
+              </a:defRPr>
+            </a:lvl2pPr>
+            <a:lvl3pPr marL="914400" algn="l" defTabSz="914400" rtl="0" eaLnBrk="1" latinLnBrk="0" hangingPunct="1">
+              <a:defRPr sz="1800" kern="1200">
+                <a:solidFill>
+                  <a:schemeClr val="tx1"/>
+                </a:solidFill>
+                <a:latin typeface="+mn-lt"/>
+                <a:ea typeface="+mn-ea"/>
+                <a:cs typeface="+mn-cs"/>
+              </a:defRPr>
+            </a:lvl3pPr>
+            <a:lvl4pPr marL="1371600" algn="l" defTabSz="914400" rtl="0" eaLnBrk="1" latinLnBrk="0" hangingPunct="1">
+              <a:defRPr sz="1800" kern="1200">
+                <a:solidFill>
+                  <a:schemeClr val="tx1"/>
+                </a:solidFill>
+                <a:latin typeface="+mn-lt"/>
+                <a:ea typeface="+mn-ea"/>
+                <a:cs typeface="+mn-cs"/>
+              </a:defRPr>
+            </a:lvl4pPr>
+            <a:lvl5pPr marL="1828800" algn="l" defTabSz="914400" rtl="0" eaLnBrk="1" latinLnBrk="0" hangingPunct="1">
+              <a:defRPr sz="1800" kern="1200">
+                <a:solidFill>
+                  <a:schemeClr val="tx1"/>
+                </a:solidFill>
+                <a:latin typeface="+mn-lt"/>
+                <a:ea typeface="+mn-ea"/>
+                <a:cs typeface="+mn-cs"/>
+              </a:defRPr>
+            </a:lvl5pPr>
+            <a:lvl6pPr marL="2286000" algn="l" defTabSz="914400" rtl="0" eaLnBrk="1" latinLnBrk="0" hangingPunct="1">
+              <a:defRPr sz="1800" kern="1200">
+                <a:solidFill>
+                  <a:schemeClr val="tx1"/>
+                </a:solidFill>
+                <a:latin typeface="+mn-lt"/>
+                <a:ea typeface="+mn-ea"/>
+                <a:cs typeface="+mn-cs"/>
+              </a:defRPr>
+            </a:lvl6pPr>
+            <a:lvl7pPr marL="2743200" algn="l" defTabSz="914400" rtl="0" eaLnBrk="1" latinLnBrk="0" hangingPunct="1">
+              <a:defRPr sz="1800" kern="1200">
+                <a:solidFill>
+                  <a:schemeClr val="tx1"/>
+                </a:solidFill>
+                <a:latin typeface="+mn-lt"/>
+                <a:ea typeface="+mn-ea"/>
+                <a:cs typeface="+mn-cs"/>
+              </a:defRPr>
+            </a:lvl7pPr>
+            <a:lvl8pPr marL="3200400" algn="l" defTabSz="914400" rtl="0" eaLnBrk="1" latinLnBrk="0" hangingPunct="1">
+              <a:defRPr sz="1800" kern="1200">
+                <a:solidFill>
+                  <a:schemeClr val="tx1"/>
+                </a:solidFill>
+                <a:latin typeface="+mn-lt"/>
+                <a:ea typeface="+mn-ea"/>
+                <a:cs typeface="+mn-cs"/>
+              </a:defRPr>
+            </a:lvl8pPr>
+            <a:lvl9pPr marL="3657600" algn="l" defTabSz="914400" rtl="0" eaLnBrk="1" latinLnBrk="0" hangingPunct="1">
+              <a:defRPr sz="1800" kern="1200">
+                <a:solidFill>
+                  <a:schemeClr val="tx1"/>
+                </a:solidFill>
+                <a:latin typeface="+mn-lt"/>
+                <a:ea typeface="+mn-ea"/>
+                <a:cs typeface="+mn-cs"/>
+              </a:defRPr>
+            </a:lvl9pPr>
+          </a:lstStyle>
+          <a:p>
+            <a:pPr algn="r"/>
+            <a:r>
+              <a:rPr lang="en-US">
+                <a:solidFill>
+                  <a:srgbClr val="0070C0"/>
+                </a:solidFill>
+                <a:latin typeface="Marker Felt Thin" panose="02000400000000000000" pitchFamily="2" charset="77"/>
+              </a:rPr>
+              <a:t>function</a:t>
+            </a:r>
+          </a:p>
+        </p:txBody>
+      </p:sp>
+    </p:spTree>
+    <p:extLst>
+      <p:ext uri="{BB962C8B-B14F-4D97-AF65-F5344CB8AC3E}">
+        <p14:creationId xmlns:p14="http://schemas.microsoft.com/office/powerpoint/2010/main" val="650911294"/>
+      </p:ext>
+    </p:extLst>
+  </p:cSld>
+  <p:clrMapOvr>
+    <a:masterClrMapping/>
+  </p:clrMapOvr>
+</p:sld>
+</file>
+
+<file path=ppt/slides/slide26.xml><?xml version="1.0" encoding="utf-8"?>
+<p:sld xmlns:a="http://schemas.openxmlformats.org/drawingml/2006/main" xmlns:r="http://schemas.openxmlformats.org/officeDocument/2006/relationships" xmlns:p="http://schemas.openxmlformats.org/presentationml/2006/main">
+  <p:cSld>
+    <p:spTree>
+      <p:nvGrpSpPr>
+        <p:cNvPr id="1" name=""/>
+        <p:cNvGrpSpPr/>
+        <p:nvPr/>
+      </p:nvGrpSpPr>
+      <p:grpSpPr>
+        <a:xfrm>
+          <a:off x="0" y="0"/>
+          <a:ext cx="0" cy="0"/>
+          <a:chOff x="0" y="0"/>
+          <a:chExt cx="0" cy="0"/>
+        </a:xfrm>
+      </p:grpSpPr>
+      <p:sp>
+        <p:nvSpPr>
+          <p:cNvPr id="2" name="Title 1">
+            <a:extLst>
+              <a:ext uri="{FF2B5EF4-FFF2-40B4-BE49-F238E27FC236}">
+                <a16:creationId xmlns:a16="http://schemas.microsoft.com/office/drawing/2014/main" id="{A4E49C21-6F83-1E43-83AE-B6C96EB3F5B9}"/>
+              </a:ext>
+            </a:extLst>
+          </p:cNvPr>
+          <p:cNvSpPr>
+            <a:spLocks noGrp="1"/>
+          </p:cNvSpPr>
+          <p:nvPr>
+            <p:ph type="title"/>
+          </p:nvPr>
+        </p:nvSpPr>
+        <p:spPr/>
+        <p:txBody>
+          <a:bodyPr/>
+          <a:lstStyle/>
+          <a:p>
+            <a:r>
+              <a:rPr lang="en-US">
+                <a:solidFill>
+                  <a:schemeClr val="accent1"/>
+                </a:solidFill>
+                <a:latin typeface="Contrail One" panose="02000000000000000000" pitchFamily="2" charset="77"/>
+              </a:rPr>
+              <a:t>Exercise 15</a:t>
+            </a:r>
+          </a:p>
+        </p:txBody>
+      </p:sp>
+      <p:sp>
+        <p:nvSpPr>
+          <p:cNvPr id="3" name="Content Placeholder 2">
+            <a:extLst>
+              <a:ext uri="{FF2B5EF4-FFF2-40B4-BE49-F238E27FC236}">
+                <a16:creationId xmlns:a16="http://schemas.microsoft.com/office/drawing/2014/main" id="{B06AC98F-540D-894F-849E-51C7D79CDE75}"/>
+              </a:ext>
+            </a:extLst>
+          </p:cNvPr>
+          <p:cNvSpPr>
+            <a:spLocks noGrp="1"/>
+          </p:cNvSpPr>
+          <p:nvPr>
+            <p:ph idx="1"/>
+          </p:nvPr>
+        </p:nvSpPr>
+        <p:spPr>
+          <a:xfrm>
+            <a:off x="838200" y="1319980"/>
+            <a:ext cx="11184802" cy="5379584"/>
+          </a:xfrm>
+        </p:spPr>
+        <p:txBody>
+          <a:bodyPr>
+            <a:normAutofit/>
+          </a:bodyPr>
+          <a:lstStyle/>
+          <a:p>
+            <a:r>
+              <a:rPr lang="en-US" sz="3200">
+                <a:solidFill>
+                  <a:schemeClr val="accent1"/>
+                </a:solidFill>
+              </a:rPr>
+              <a:t>We use </a:t>
+            </a:r>
+            <a:r>
+              <a:rPr lang="en-US" sz="3200" i="1">
+                <a:solidFill>
+                  <a:schemeClr val="accent1"/>
+                </a:solidFill>
+              </a:rPr>
+              <a:t>radio buttons</a:t>
+            </a:r>
+            <a:r>
+              <a:rPr lang="en-US" sz="3200">
+                <a:solidFill>
+                  <a:schemeClr val="accent1"/>
+                </a:solidFill>
+              </a:rPr>
+              <a:t> when we want to restrict user choice to a single option</a:t>
+            </a:r>
+          </a:p>
+          <a:p>
+            <a:endParaRPr lang="en-US" sz="3200">
+              <a:solidFill>
+                <a:schemeClr val="accent1"/>
+              </a:solidFill>
+            </a:endParaRPr>
+          </a:p>
+          <a:p>
+            <a:endParaRPr lang="en-US" sz="3200">
+              <a:solidFill>
+                <a:schemeClr val="accent1"/>
+              </a:solidFill>
+            </a:endParaRPr>
+          </a:p>
+          <a:p>
+            <a:r>
+              <a:rPr lang="en-US" sz="3200">
+                <a:solidFill>
+                  <a:schemeClr val="accent1"/>
+                </a:solidFill>
+              </a:rPr>
+              <a:t>Like checkboxes, we can listen for click events and respond to those</a:t>
+            </a:r>
+          </a:p>
+          <a:p>
+            <a:r>
+              <a:rPr lang="en-US" sz="3200">
+                <a:solidFill>
+                  <a:schemeClr val="accent1"/>
+                </a:solidFill>
+              </a:rPr>
+              <a:t>So far, we've only used built-in browser functions (</a:t>
+            </a:r>
+            <a:r>
+              <a:rPr lang="en-US" sz="3200" i="1">
+                <a:solidFill>
+                  <a:schemeClr val="accent1"/>
+                </a:solidFill>
+              </a:rPr>
+              <a:t>e.g.</a:t>
+            </a:r>
+            <a:r>
+              <a:rPr lang="en-US" sz="3200">
+                <a:solidFill>
+                  <a:schemeClr val="accent1"/>
+                </a:solidFill>
+              </a:rPr>
+              <a:t> alert) in response to click events. Soon, we'll learn how to build our own functions. Once we learn that, the programming world begins to open dramatically.</a:t>
+            </a:r>
+          </a:p>
+          <a:p>
+            <a:pPr marL="0" indent="0">
+              <a:buNone/>
+            </a:pPr>
+            <a:endParaRPr lang="en-US" sz="3200" i="1">
+              <a:solidFill>
+                <a:schemeClr val="accent1"/>
+              </a:solidFill>
+            </a:endParaRPr>
+          </a:p>
+          <a:p>
+            <a:endParaRPr lang="en-US" sz="3200">
+              <a:solidFill>
+                <a:schemeClr val="accent1"/>
+              </a:solidFill>
+            </a:endParaRPr>
+          </a:p>
+          <a:p>
+            <a:endParaRPr lang="en-US" sz="3200">
+              <a:solidFill>
+                <a:schemeClr val="accent1"/>
+              </a:solidFill>
+            </a:endParaRPr>
+          </a:p>
+          <a:p>
+            <a:endParaRPr lang="en-US" sz="3200">
+              <a:solidFill>
+                <a:schemeClr val="accent1"/>
+              </a:solidFill>
+            </a:endParaRPr>
+          </a:p>
+          <a:p>
+            <a:endParaRPr lang="en-US" sz="3200">
+              <a:solidFill>
+                <a:schemeClr val="accent1"/>
+              </a:solidFill>
+            </a:endParaRPr>
+          </a:p>
+          <a:p>
+            <a:endParaRPr lang="en-US" sz="3200">
+              <a:solidFill>
+                <a:schemeClr val="accent1"/>
+              </a:solidFill>
+            </a:endParaRPr>
+          </a:p>
+          <a:p>
+            <a:endParaRPr lang="en-US" sz="3200">
+              <a:solidFill>
+                <a:schemeClr val="accent1"/>
+              </a:solidFill>
+            </a:endParaRPr>
+          </a:p>
+          <a:p>
+            <a:pPr marL="0" indent="0">
+              <a:buNone/>
+            </a:pPr>
+            <a:endParaRPr lang="en-US" sz="3200">
+              <a:solidFill>
+                <a:schemeClr val="accent1"/>
+              </a:solidFill>
+            </a:endParaRPr>
+          </a:p>
+        </p:txBody>
+      </p:sp>
+      <p:pic>
+        <p:nvPicPr>
+          <p:cNvPr id="5" name="Picture 4">
+            <a:extLst>
+              <a:ext uri="{FF2B5EF4-FFF2-40B4-BE49-F238E27FC236}">
+                <a16:creationId xmlns:a16="http://schemas.microsoft.com/office/drawing/2014/main" id="{53A01D4B-7571-3441-9968-93FF56F22F91}"/>
+              </a:ext>
+            </a:extLst>
+          </p:cNvPr>
+          <p:cNvPicPr>
+            <a:picLocks noChangeAspect="1"/>
+          </p:cNvPicPr>
+          <p:nvPr/>
+        </p:nvPicPr>
+        <p:blipFill>
+          <a:blip r:embed="rId2"/>
+          <a:stretch>
+            <a:fillRect/>
+          </a:stretch>
+        </p:blipFill>
+        <p:spPr>
+          <a:xfrm>
+            <a:off x="1463581" y="2289018"/>
+            <a:ext cx="1134764" cy="762561"/>
+          </a:xfrm>
+          <a:prstGeom prst="rect">
+            <a:avLst/>
+          </a:prstGeom>
+        </p:spPr>
+      </p:pic>
+    </p:spTree>
+    <p:extLst>
+      <p:ext uri="{BB962C8B-B14F-4D97-AF65-F5344CB8AC3E}">
+        <p14:creationId xmlns:p14="http://schemas.microsoft.com/office/powerpoint/2010/main" val="2025525999"/>
+      </p:ext>
+    </p:extLst>
+  </p:cSld>
+  <p:clrMapOvr>
+    <a:masterClrMapping/>
+  </p:clrMapOvr>
+</p:sld>
+</file>
+
+<file path=ppt/slides/slide27.xml><?xml version="1.0" encoding="utf-8"?>
+<p:sld xmlns:a="http://schemas.openxmlformats.org/drawingml/2006/main" xmlns:r="http://schemas.openxmlformats.org/officeDocument/2006/relationships" xmlns:p="http://schemas.openxmlformats.org/presentationml/2006/main">
+  <p:cSld>
+    <p:spTree>
+      <p:nvGrpSpPr>
+        <p:cNvPr id="1" name=""/>
+        <p:cNvGrpSpPr/>
+        <p:nvPr/>
+      </p:nvGrpSpPr>
+      <p:grpSpPr>
+        <a:xfrm>
+          <a:off x="0" y="0"/>
+          <a:ext cx="0" cy="0"/>
+          <a:chOff x="0" y="0"/>
+          <a:chExt cx="0" cy="0"/>
+        </a:xfrm>
+      </p:grpSpPr>
+      <p:sp>
+        <p:nvSpPr>
+          <p:cNvPr id="2" name="Title 1">
+            <a:extLst>
+              <a:ext uri="{FF2B5EF4-FFF2-40B4-BE49-F238E27FC236}">
+                <a16:creationId xmlns:a16="http://schemas.microsoft.com/office/drawing/2014/main" id="{A4E49C21-6F83-1E43-83AE-B6C96EB3F5B9}"/>
+              </a:ext>
+            </a:extLst>
+          </p:cNvPr>
+          <p:cNvSpPr>
+            <a:spLocks noGrp="1"/>
+          </p:cNvSpPr>
+          <p:nvPr>
+            <p:ph type="title"/>
+          </p:nvPr>
+        </p:nvSpPr>
+        <p:spPr/>
+        <p:txBody>
+          <a:bodyPr/>
+          <a:lstStyle/>
+          <a:p>
+            <a:r>
+              <a:rPr lang="en-US">
+                <a:solidFill>
+                  <a:schemeClr val="accent1"/>
+                </a:solidFill>
+                <a:latin typeface="Contrail One" panose="02000000000000000000" pitchFamily="2" charset="77"/>
+              </a:rPr>
+              <a:t>Exercise 16</a:t>
+            </a:r>
+          </a:p>
+        </p:txBody>
+      </p:sp>
+      <p:sp>
+        <p:nvSpPr>
+          <p:cNvPr id="3" name="Content Placeholder 2">
+            <a:extLst>
+              <a:ext uri="{FF2B5EF4-FFF2-40B4-BE49-F238E27FC236}">
+                <a16:creationId xmlns:a16="http://schemas.microsoft.com/office/drawing/2014/main" id="{B06AC98F-540D-894F-849E-51C7D79CDE75}"/>
+              </a:ext>
+            </a:extLst>
+          </p:cNvPr>
+          <p:cNvSpPr>
+            <a:spLocks noGrp="1"/>
+          </p:cNvSpPr>
+          <p:nvPr>
+            <p:ph idx="1"/>
+          </p:nvPr>
+        </p:nvSpPr>
+        <p:spPr>
+          <a:xfrm>
+            <a:off x="838200" y="1319980"/>
+            <a:ext cx="11184802" cy="5379584"/>
+          </a:xfrm>
+        </p:spPr>
+        <p:txBody>
+          <a:bodyPr>
+            <a:normAutofit/>
+          </a:bodyPr>
+          <a:lstStyle/>
+          <a:p>
+            <a:r>
+              <a:rPr lang="en-US" sz="3200">
+                <a:solidFill>
+                  <a:schemeClr val="accent1"/>
+                </a:solidFill>
+              </a:rPr>
+              <a:t>Dates in JavaScript (and in most other programming languages) are, for some inexplicable reason, difficult to work with</a:t>
+            </a:r>
+          </a:p>
+          <a:p>
+            <a:r>
+              <a:rPr lang="en-US" sz="3200">
+                <a:solidFill>
+                  <a:schemeClr val="accent1"/>
+                </a:solidFill>
+              </a:rPr>
+              <a:t>Luckily, we don't have to deal with dates very often in the normal course of programming, so the difficulty in working with them becomes more of an annoyance</a:t>
+            </a:r>
+          </a:p>
+          <a:p>
+            <a:r>
+              <a:rPr lang="en-US" sz="3200">
+                <a:solidFill>
+                  <a:schemeClr val="accent1"/>
+                </a:solidFill>
+              </a:rPr>
+              <a:t>You'll get some experience working with dates so that, when working with them becomes a necessity, you'll have a background in dealing with them</a:t>
+            </a:r>
+          </a:p>
+          <a:p>
+            <a:endParaRPr lang="en-US" sz="3200">
+              <a:solidFill>
+                <a:schemeClr val="accent1"/>
+              </a:solidFill>
+            </a:endParaRPr>
+          </a:p>
+          <a:p>
+            <a:endParaRPr lang="en-US" sz="3200">
+              <a:solidFill>
+                <a:schemeClr val="accent1"/>
+              </a:solidFill>
+            </a:endParaRPr>
+          </a:p>
+          <a:p>
+            <a:endParaRPr lang="en-US" sz="3200">
+              <a:solidFill>
+                <a:schemeClr val="accent1"/>
+              </a:solidFill>
+            </a:endParaRPr>
+          </a:p>
+          <a:p>
+            <a:endParaRPr lang="en-US" sz="3200">
+              <a:solidFill>
+                <a:schemeClr val="accent1"/>
+              </a:solidFill>
+            </a:endParaRPr>
+          </a:p>
+          <a:p>
+            <a:endParaRPr lang="en-US" sz="3200">
+              <a:solidFill>
+                <a:schemeClr val="accent1"/>
+              </a:solidFill>
+            </a:endParaRPr>
+          </a:p>
+          <a:p>
+            <a:endParaRPr lang="en-US" sz="3200">
+              <a:solidFill>
+                <a:schemeClr val="accent1"/>
+              </a:solidFill>
+            </a:endParaRPr>
+          </a:p>
+          <a:p>
+            <a:endParaRPr lang="en-US" sz="3200">
+              <a:solidFill>
+                <a:schemeClr val="accent1"/>
+              </a:solidFill>
+            </a:endParaRPr>
+          </a:p>
+          <a:p>
+            <a:pPr marL="0" indent="0">
+              <a:buNone/>
+            </a:pPr>
+            <a:endParaRPr lang="en-US" sz="3200">
+              <a:solidFill>
+                <a:schemeClr val="accent1"/>
+              </a:solidFill>
+            </a:endParaRPr>
+          </a:p>
+        </p:txBody>
+      </p:sp>
+    </p:spTree>
+    <p:extLst>
+      <p:ext uri="{BB962C8B-B14F-4D97-AF65-F5344CB8AC3E}">
+        <p14:creationId xmlns:p14="http://schemas.microsoft.com/office/powerpoint/2010/main" val="3213391416"/>
+      </p:ext>
+    </p:extLst>
+  </p:cSld>
+  <p:clrMapOvr>
+    <a:masterClrMapping/>
+  </p:clrMapOvr>
+</p:sld>
+</file>
+
+<file path=ppt/slides/slide28.xml><?xml version="1.0" encoding="utf-8"?>
+<p:sld xmlns:a="http://schemas.openxmlformats.org/drawingml/2006/main" xmlns:r="http://schemas.openxmlformats.org/officeDocument/2006/relationships" xmlns:p="http://schemas.openxmlformats.org/presentationml/2006/main">
+  <p:cSld>
+    <p:spTree>
+      <p:nvGrpSpPr>
+        <p:cNvPr id="1" name=""/>
+        <p:cNvGrpSpPr/>
+        <p:nvPr/>
+      </p:nvGrpSpPr>
+      <p:grpSpPr>
+        <a:xfrm>
+          <a:off x="0" y="0"/>
+          <a:ext cx="0" cy="0"/>
+          <a:chOff x="0" y="0"/>
+          <a:chExt cx="0" cy="0"/>
+        </a:xfrm>
+      </p:grpSpPr>
+      <p:sp>
+        <p:nvSpPr>
+          <p:cNvPr id="2" name="Title 1">
+            <a:extLst>
+              <a:ext uri="{FF2B5EF4-FFF2-40B4-BE49-F238E27FC236}">
+                <a16:creationId xmlns:a16="http://schemas.microsoft.com/office/drawing/2014/main" id="{A4E49C21-6F83-1E43-83AE-B6C96EB3F5B9}"/>
+              </a:ext>
+            </a:extLst>
+          </p:cNvPr>
+          <p:cNvSpPr>
+            <a:spLocks noGrp="1"/>
+          </p:cNvSpPr>
+          <p:nvPr>
+            <p:ph type="title"/>
+          </p:nvPr>
+        </p:nvSpPr>
+        <p:spPr/>
+        <p:txBody>
+          <a:bodyPr/>
+          <a:lstStyle/>
+          <a:p>
+            <a:r>
+              <a:rPr lang="en-US">
+                <a:solidFill>
+                  <a:schemeClr val="accent1"/>
+                </a:solidFill>
+                <a:latin typeface="Contrail One" panose="02000000000000000000" pitchFamily="2" charset="77"/>
+              </a:rPr>
+              <a:t>Exercise 16</a:t>
+            </a:r>
+          </a:p>
+        </p:txBody>
+      </p:sp>
+      <p:sp>
+        <p:nvSpPr>
+          <p:cNvPr id="3" name="Content Placeholder 2">
+            <a:extLst>
+              <a:ext uri="{FF2B5EF4-FFF2-40B4-BE49-F238E27FC236}">
+                <a16:creationId xmlns:a16="http://schemas.microsoft.com/office/drawing/2014/main" id="{B06AC98F-540D-894F-849E-51C7D79CDE75}"/>
+              </a:ext>
+            </a:extLst>
+          </p:cNvPr>
+          <p:cNvSpPr>
+            <a:spLocks noGrp="1"/>
+          </p:cNvSpPr>
+          <p:nvPr>
+            <p:ph idx="1"/>
+          </p:nvPr>
+        </p:nvSpPr>
+        <p:spPr>
+          <a:xfrm>
+            <a:off x="838200" y="1319980"/>
+            <a:ext cx="11184802" cy="5379584"/>
+          </a:xfrm>
+        </p:spPr>
+        <p:txBody>
+          <a:bodyPr>
+            <a:normAutofit lnSpcReduction="10000"/>
+          </a:bodyPr>
+          <a:lstStyle/>
+          <a:p>
+            <a:r>
+              <a:rPr lang="en-US">
+                <a:solidFill>
+                  <a:schemeClr val="accent1"/>
+                </a:solidFill>
+              </a:rPr>
+              <a:t>In this exercise, we get into one of the core features of JavaScript: </a:t>
+            </a:r>
+            <a:r>
+              <a:rPr lang="en-US" i="1">
+                <a:solidFill>
+                  <a:schemeClr val="accent1"/>
+                </a:solidFill>
+              </a:rPr>
+              <a:t>objects</a:t>
+            </a:r>
+          </a:p>
+          <a:p>
+            <a:r>
+              <a:rPr lang="en-US">
+                <a:solidFill>
+                  <a:schemeClr val="accent1"/>
+                </a:solidFill>
+              </a:rPr>
+              <a:t>Data in programming languages has a specific </a:t>
+            </a:r>
+            <a:r>
+              <a:rPr lang="en-US" i="1">
+                <a:solidFill>
+                  <a:schemeClr val="accent1"/>
+                </a:solidFill>
+              </a:rPr>
+              <a:t>data type</a:t>
+            </a:r>
+            <a:endParaRPr lang="en-US">
+              <a:solidFill>
+                <a:schemeClr val="accent1"/>
+              </a:solidFill>
+            </a:endParaRPr>
+          </a:p>
+          <a:p>
+            <a:pPr lvl="1"/>
+            <a:r>
+              <a:rPr lang="en-US" sz="2800">
+                <a:solidFill>
+                  <a:srgbClr val="C00000"/>
+                </a:solidFill>
+                <a:latin typeface="Avenir Next Condensed" panose="020B0506020202020204" pitchFamily="34" charset="0"/>
+              </a:rPr>
+              <a:t>"CareerChanger": </a:t>
+            </a:r>
+            <a:r>
+              <a:rPr lang="en-US">
+                <a:solidFill>
+                  <a:schemeClr val="accent1"/>
+                </a:solidFill>
+              </a:rPr>
+              <a:t>text</a:t>
+            </a:r>
+          </a:p>
+          <a:p>
+            <a:pPr lvl="1"/>
+            <a:r>
+              <a:rPr lang="en-US" sz="2800">
+                <a:solidFill>
+                  <a:srgbClr val="C00000"/>
+                </a:solidFill>
+                <a:latin typeface="Avenir Next Condensed" panose="020B0506020202020204" pitchFamily="34" charset="0"/>
+              </a:rPr>
+              <a:t>42</a:t>
+            </a:r>
+            <a:r>
+              <a:rPr lang="en-US">
+                <a:solidFill>
+                  <a:schemeClr val="accent1"/>
+                </a:solidFill>
+              </a:rPr>
+              <a:t>: number</a:t>
+            </a:r>
+          </a:p>
+          <a:p>
+            <a:pPr lvl="1"/>
+            <a:r>
+              <a:rPr lang="en-US" sz="2800">
+                <a:solidFill>
+                  <a:srgbClr val="C00000"/>
+                </a:solidFill>
+                <a:latin typeface="Avenir Next Condensed" panose="020B0506020202020204" pitchFamily="34" charset="0"/>
+              </a:rPr>
+              <a:t>true</a:t>
+            </a:r>
+            <a:r>
+              <a:rPr lang="en-US">
+                <a:solidFill>
+                  <a:schemeClr val="accent1"/>
+                </a:solidFill>
+              </a:rPr>
+              <a:t>: boolean</a:t>
+            </a:r>
+          </a:p>
+          <a:p>
+            <a:r>
+              <a:rPr lang="en-US">
+                <a:solidFill>
+                  <a:schemeClr val="accent1"/>
+                </a:solidFill>
+              </a:rPr>
+              <a:t>What data type is this?</a:t>
+            </a:r>
+          </a:p>
+          <a:p>
+            <a:pPr marL="0" indent="0">
+              <a:buNone/>
+            </a:pPr>
+            <a:r>
+              <a:rPr lang="en-US">
+                <a:solidFill>
+                  <a:srgbClr val="C00000"/>
+                </a:solidFill>
+                <a:latin typeface="Avenir Next Condensed" panose="020B0506020202020204" pitchFamily="34" charset="0"/>
+              </a:rPr>
+              <a:t>person: {</a:t>
+            </a:r>
+          </a:p>
+          <a:p>
+            <a:pPr marL="0" indent="0">
+              <a:buNone/>
+            </a:pPr>
+            <a:r>
+              <a:rPr lang="en-US">
+                <a:solidFill>
+                  <a:srgbClr val="C00000"/>
+                </a:solidFill>
+                <a:latin typeface="Avenir Next Condensed" panose="020B0506020202020204" pitchFamily="34" charset="0"/>
+              </a:rPr>
+              <a:t>  firstName: "Hal",</a:t>
+            </a:r>
+          </a:p>
+          <a:p>
+            <a:pPr marL="0" indent="0">
+              <a:buNone/>
+            </a:pPr>
+            <a:r>
+              <a:rPr lang="en-US">
+                <a:solidFill>
+                  <a:srgbClr val="C00000"/>
+                </a:solidFill>
+                <a:latin typeface="Avenir Next Condensed" panose="020B0506020202020204" pitchFamily="34" charset="0"/>
+              </a:rPr>
+              <a:t>  lastName: "Helms",</a:t>
+            </a:r>
+          </a:p>
+          <a:p>
+            <a:pPr marL="0" indent="0">
+              <a:buNone/>
+            </a:pPr>
+            <a:r>
+              <a:rPr lang="en-US">
+                <a:solidFill>
+                  <a:srgbClr val="C00000"/>
+                </a:solidFill>
+                <a:latin typeface="Avenir Next Condensed" panose="020B0506020202020204" pitchFamily="34" charset="0"/>
+              </a:rPr>
+              <a:t>  residence: "Las Vegas, NV"</a:t>
+            </a:r>
+          </a:p>
+          <a:p>
+            <a:pPr marL="0" indent="0">
+              <a:buNone/>
+            </a:pPr>
+            <a:r>
+              <a:rPr lang="en-US">
+                <a:solidFill>
+                  <a:srgbClr val="C00000"/>
+                </a:solidFill>
+                <a:latin typeface="Avenir Next Condensed" panose="020B0506020202020204" pitchFamily="34" charset="0"/>
+              </a:rPr>
+              <a:t>}</a:t>
+            </a:r>
+          </a:p>
+          <a:p>
+            <a:endParaRPr lang="en-US">
+              <a:solidFill>
+                <a:schemeClr val="accent1"/>
+              </a:solidFill>
+            </a:endParaRPr>
+          </a:p>
+          <a:p>
+            <a:endParaRPr lang="en-US">
+              <a:solidFill>
+                <a:schemeClr val="accent1"/>
+              </a:solidFill>
+            </a:endParaRPr>
+          </a:p>
+          <a:p>
+            <a:endParaRPr lang="en-US">
+              <a:solidFill>
+                <a:schemeClr val="accent1"/>
+              </a:solidFill>
+            </a:endParaRPr>
+          </a:p>
+          <a:p>
+            <a:endParaRPr lang="en-US">
+              <a:solidFill>
+                <a:schemeClr val="accent1"/>
+              </a:solidFill>
+            </a:endParaRPr>
+          </a:p>
+          <a:p>
+            <a:endParaRPr lang="en-US">
+              <a:solidFill>
+                <a:schemeClr val="accent1"/>
+              </a:solidFill>
+            </a:endParaRPr>
+          </a:p>
+          <a:p>
+            <a:endParaRPr lang="en-US">
+              <a:solidFill>
+                <a:schemeClr val="accent1"/>
+              </a:solidFill>
+            </a:endParaRPr>
+          </a:p>
+          <a:p>
+            <a:endParaRPr lang="en-US">
+              <a:solidFill>
+                <a:schemeClr val="accent1"/>
+              </a:solidFill>
+            </a:endParaRPr>
+          </a:p>
+          <a:p>
+            <a:endParaRPr lang="en-US">
+              <a:solidFill>
+                <a:schemeClr val="accent1"/>
+              </a:solidFill>
+            </a:endParaRPr>
+          </a:p>
+          <a:p>
+            <a:pPr marL="0" indent="0">
+              <a:buNone/>
+            </a:pPr>
+            <a:endParaRPr lang="en-US">
+              <a:solidFill>
+                <a:schemeClr val="accent1"/>
+              </a:solidFill>
+            </a:endParaRPr>
+          </a:p>
+        </p:txBody>
+      </p:sp>
+    </p:spTree>
+    <p:extLst>
+      <p:ext uri="{BB962C8B-B14F-4D97-AF65-F5344CB8AC3E}">
+        <p14:creationId xmlns:p14="http://schemas.microsoft.com/office/powerpoint/2010/main" val="1627315329"/>
+      </p:ext>
+    </p:extLst>
+  </p:cSld>
+  <p:clrMapOvr>
+    <a:masterClrMapping/>
+  </p:clrMapOvr>
+</p:sld>
+</file>
+
+<file path=ppt/slides/slide29.xml><?xml version="1.0" encoding="utf-8"?>
+<p:sld xmlns:a="http://schemas.openxmlformats.org/drawingml/2006/main" xmlns:r="http://schemas.openxmlformats.org/officeDocument/2006/relationships" xmlns:p="http://schemas.openxmlformats.org/presentationml/2006/main">
+  <p:cSld>
+    <p:spTree>
+      <p:nvGrpSpPr>
+        <p:cNvPr id="1" name=""/>
+        <p:cNvGrpSpPr/>
+        <p:nvPr/>
+      </p:nvGrpSpPr>
+      <p:grpSpPr>
+        <a:xfrm>
+          <a:off x="0" y="0"/>
+          <a:ext cx="0" cy="0"/>
+          <a:chOff x="0" y="0"/>
+          <a:chExt cx="0" cy="0"/>
+        </a:xfrm>
+      </p:grpSpPr>
+      <p:sp>
+        <p:nvSpPr>
+          <p:cNvPr id="2" name="Title 1">
+            <a:extLst>
+              <a:ext uri="{FF2B5EF4-FFF2-40B4-BE49-F238E27FC236}">
+                <a16:creationId xmlns:a16="http://schemas.microsoft.com/office/drawing/2014/main" id="{A4E49C21-6F83-1E43-83AE-B6C96EB3F5B9}"/>
+              </a:ext>
+            </a:extLst>
+          </p:cNvPr>
+          <p:cNvSpPr>
+            <a:spLocks noGrp="1"/>
+          </p:cNvSpPr>
+          <p:nvPr>
+            <p:ph type="title"/>
+          </p:nvPr>
+        </p:nvSpPr>
+        <p:spPr/>
+        <p:txBody>
+          <a:bodyPr/>
+          <a:lstStyle/>
+          <a:p>
+            <a:r>
+              <a:rPr lang="en-US">
+                <a:solidFill>
+                  <a:schemeClr val="accent1"/>
+                </a:solidFill>
+                <a:latin typeface="Contrail One" panose="02000000000000000000" pitchFamily="2" charset="77"/>
+              </a:rPr>
+              <a:t>Exercise 16</a:t>
+            </a:r>
+          </a:p>
+        </p:txBody>
+      </p:sp>
+      <p:sp>
+        <p:nvSpPr>
+          <p:cNvPr id="3" name="Content Placeholder 2">
+            <a:extLst>
+              <a:ext uri="{FF2B5EF4-FFF2-40B4-BE49-F238E27FC236}">
+                <a16:creationId xmlns:a16="http://schemas.microsoft.com/office/drawing/2014/main" id="{B06AC98F-540D-894F-849E-51C7D79CDE75}"/>
+              </a:ext>
+            </a:extLst>
+          </p:cNvPr>
+          <p:cNvSpPr>
+            <a:spLocks noGrp="1"/>
+          </p:cNvSpPr>
+          <p:nvPr>
+            <p:ph idx="1"/>
+          </p:nvPr>
+        </p:nvSpPr>
+        <p:spPr>
+          <a:xfrm>
+            <a:off x="838200" y="1319980"/>
+            <a:ext cx="11184802" cy="5379584"/>
+          </a:xfrm>
+        </p:spPr>
+        <p:txBody>
+          <a:bodyPr>
+            <a:normAutofit/>
+          </a:bodyPr>
+          <a:lstStyle/>
+          <a:p>
+            <a:r>
+              <a:rPr lang="en-US" sz="3200">
+                <a:solidFill>
+                  <a:schemeClr val="accent1"/>
+                </a:solidFill>
+              </a:rPr>
+              <a:t>This has a data type of </a:t>
+            </a:r>
+            <a:r>
+              <a:rPr lang="en-US" sz="3200" i="1">
+                <a:solidFill>
+                  <a:schemeClr val="accent1"/>
+                </a:solidFill>
+              </a:rPr>
+              <a:t>object</a:t>
+            </a:r>
+            <a:endParaRPr lang="en-US" sz="3200">
+              <a:solidFill>
+                <a:schemeClr val="accent1"/>
+              </a:solidFill>
+            </a:endParaRPr>
+          </a:p>
+          <a:p>
+            <a:r>
+              <a:rPr lang="en-US" sz="3200">
+                <a:solidFill>
+                  <a:schemeClr val="accent1"/>
+                </a:solidFill>
+              </a:rPr>
+              <a:t>An object is a collection of </a:t>
+            </a:r>
+            <a:r>
+              <a:rPr lang="en-US" sz="3200" i="1">
+                <a:solidFill>
+                  <a:schemeClr val="accent1"/>
+                </a:solidFill>
+              </a:rPr>
+              <a:t>properties</a:t>
+            </a:r>
+            <a:r>
+              <a:rPr lang="en-US" sz="3200">
+                <a:solidFill>
+                  <a:schemeClr val="accent1"/>
+                </a:solidFill>
+              </a:rPr>
+              <a:t> typically related to the same concept</a:t>
+            </a:r>
+          </a:p>
+          <a:p>
+            <a:pPr lvl="1"/>
+            <a:r>
+              <a:rPr lang="en-US" sz="3200">
+                <a:solidFill>
+                  <a:srgbClr val="C00000"/>
+                </a:solidFill>
+                <a:latin typeface="Avenir Next Condensed" panose="020B0506020202020204" pitchFamily="34" charset="0"/>
+              </a:rPr>
+              <a:t>firstName</a:t>
+            </a:r>
+            <a:r>
+              <a:rPr lang="en-US" sz="3200">
+                <a:solidFill>
+                  <a:schemeClr val="accent1"/>
+                </a:solidFill>
+              </a:rPr>
+              <a:t>, </a:t>
+            </a:r>
+            <a:r>
+              <a:rPr lang="en-US" sz="3200">
+                <a:solidFill>
+                  <a:srgbClr val="C00000"/>
+                </a:solidFill>
+                <a:latin typeface="Avenir Next Condensed" panose="020B0506020202020204" pitchFamily="34" charset="0"/>
+              </a:rPr>
+              <a:t>lastName</a:t>
+            </a:r>
+            <a:r>
+              <a:rPr lang="en-US" sz="3200">
+                <a:solidFill>
+                  <a:schemeClr val="accent1"/>
+                </a:solidFill>
+              </a:rPr>
+              <a:t>, </a:t>
+            </a:r>
+            <a:r>
+              <a:rPr lang="en-US" sz="3200">
+                <a:solidFill>
+                  <a:srgbClr val="C00000"/>
+                </a:solidFill>
+                <a:latin typeface="Avenir Next Condensed" panose="020B0506020202020204" pitchFamily="34" charset="0"/>
+              </a:rPr>
+              <a:t>residence</a:t>
+            </a:r>
+            <a:r>
+              <a:rPr lang="en-US" sz="3200">
+                <a:solidFill>
+                  <a:schemeClr val="accent1"/>
+                </a:solidFill>
+              </a:rPr>
+              <a:t> are all properties of a </a:t>
+            </a:r>
+            <a:r>
+              <a:rPr lang="en-US" sz="3200">
+                <a:solidFill>
+                  <a:srgbClr val="C00000"/>
+                </a:solidFill>
+                <a:latin typeface="Avenir Next Condensed" panose="020B0506020202020204" pitchFamily="34" charset="0"/>
+              </a:rPr>
+              <a:t>person</a:t>
+            </a:r>
+          </a:p>
+          <a:p>
+            <a:r>
+              <a:rPr lang="en-US" sz="3200">
+                <a:solidFill>
+                  <a:schemeClr val="accent1"/>
+                </a:solidFill>
+              </a:rPr>
+              <a:t>Another way to define an object is a collection of key: value pairs</a:t>
+            </a:r>
+          </a:p>
+          <a:p>
+            <a:endParaRPr lang="en-US" sz="3200">
+              <a:solidFill>
+                <a:schemeClr val="accent1"/>
+              </a:solidFill>
+            </a:endParaRPr>
+          </a:p>
+          <a:p>
+            <a:endParaRPr lang="en-US" sz="3200">
+              <a:solidFill>
+                <a:schemeClr val="accent1"/>
+              </a:solidFill>
+            </a:endParaRPr>
+          </a:p>
+          <a:p>
+            <a:endParaRPr lang="en-US" sz="3200">
+              <a:solidFill>
+                <a:schemeClr val="accent1"/>
+              </a:solidFill>
+            </a:endParaRPr>
+          </a:p>
+          <a:p>
+            <a:pPr marL="0" indent="0">
+              <a:buNone/>
+            </a:pPr>
+            <a:endParaRPr lang="en-US" sz="3200">
+              <a:solidFill>
+                <a:schemeClr val="accent1"/>
+              </a:solidFill>
+            </a:endParaRPr>
+          </a:p>
+        </p:txBody>
+      </p:sp>
+    </p:spTree>
+    <p:extLst>
+      <p:ext uri="{BB962C8B-B14F-4D97-AF65-F5344CB8AC3E}">
+        <p14:creationId xmlns:p14="http://schemas.microsoft.com/office/powerpoint/2010/main" val="3981075808"/>
+      </p:ext>
+    </p:extLst>
+  </p:cSld>
+  <p:clrMapOvr>
+    <a:masterClrMapping/>
+  </p:clrMapOvr>
+</p:sld>
+</file>
+
 <file path=ppt/slides/slide3.xml><?xml version="1.0" encoding="utf-8"?>
 <p:sld xmlns:a="http://schemas.openxmlformats.org/drawingml/2006/main" xmlns:r="http://schemas.openxmlformats.org/officeDocument/2006/relationships" xmlns:p="http://schemas.openxmlformats.org/presentationml/2006/main">
   <p:cSld>
@@ -5305,6 +9360,796 @@
     <p:extLst>
       <p:ext uri="{BB962C8B-B14F-4D97-AF65-F5344CB8AC3E}">
         <p14:creationId xmlns:p14="http://schemas.microsoft.com/office/powerpoint/2010/main" val="369024735"/>
+      </p:ext>
+    </p:extLst>
+  </p:cSld>
+  <p:clrMapOvr>
+    <a:masterClrMapping/>
+  </p:clrMapOvr>
+</p:sld>
+</file>
+
+<file path=ppt/slides/slide30.xml><?xml version="1.0" encoding="utf-8"?>
+<p:sld xmlns:a="http://schemas.openxmlformats.org/drawingml/2006/main" xmlns:r="http://schemas.openxmlformats.org/officeDocument/2006/relationships" xmlns:p="http://schemas.openxmlformats.org/presentationml/2006/main">
+  <p:cSld>
+    <p:spTree>
+      <p:nvGrpSpPr>
+        <p:cNvPr id="1" name=""/>
+        <p:cNvGrpSpPr/>
+        <p:nvPr/>
+      </p:nvGrpSpPr>
+      <p:grpSpPr>
+        <a:xfrm>
+          <a:off x="0" y="0"/>
+          <a:ext cx="0" cy="0"/>
+          <a:chOff x="0" y="0"/>
+          <a:chExt cx="0" cy="0"/>
+        </a:xfrm>
+      </p:grpSpPr>
+      <p:sp>
+        <p:nvSpPr>
+          <p:cNvPr id="2" name="Title 1">
+            <a:extLst>
+              <a:ext uri="{FF2B5EF4-FFF2-40B4-BE49-F238E27FC236}">
+                <a16:creationId xmlns:a16="http://schemas.microsoft.com/office/drawing/2014/main" id="{A4E49C21-6F83-1E43-83AE-B6C96EB3F5B9}"/>
+              </a:ext>
+            </a:extLst>
+          </p:cNvPr>
+          <p:cNvSpPr>
+            <a:spLocks noGrp="1"/>
+          </p:cNvSpPr>
+          <p:nvPr>
+            <p:ph type="title"/>
+          </p:nvPr>
+        </p:nvSpPr>
+        <p:spPr/>
+        <p:txBody>
+          <a:bodyPr/>
+          <a:lstStyle/>
+          <a:p>
+            <a:r>
+              <a:rPr lang="en-US">
+                <a:solidFill>
+                  <a:schemeClr val="accent1"/>
+                </a:solidFill>
+                <a:latin typeface="Contrail One" panose="02000000000000000000" pitchFamily="2" charset="77"/>
+              </a:rPr>
+              <a:t>Exercise 16</a:t>
+            </a:r>
+          </a:p>
+        </p:txBody>
+      </p:sp>
+      <p:sp>
+        <p:nvSpPr>
+          <p:cNvPr id="3" name="Content Placeholder 2">
+            <a:extLst>
+              <a:ext uri="{FF2B5EF4-FFF2-40B4-BE49-F238E27FC236}">
+                <a16:creationId xmlns:a16="http://schemas.microsoft.com/office/drawing/2014/main" id="{B06AC98F-540D-894F-849E-51C7D79CDE75}"/>
+              </a:ext>
+            </a:extLst>
+          </p:cNvPr>
+          <p:cNvSpPr>
+            <a:spLocks noGrp="1"/>
+          </p:cNvSpPr>
+          <p:nvPr>
+            <p:ph idx="1"/>
+          </p:nvPr>
+        </p:nvSpPr>
+        <p:spPr>
+          <a:xfrm>
+            <a:off x="838200" y="1319980"/>
+            <a:ext cx="11184802" cy="5379584"/>
+          </a:xfrm>
+        </p:spPr>
+        <p:txBody>
+          <a:bodyPr>
+            <a:normAutofit/>
+          </a:bodyPr>
+          <a:lstStyle/>
+          <a:p>
+            <a:r>
+              <a:rPr lang="en-US" sz="3200">
+                <a:solidFill>
+                  <a:schemeClr val="accent1"/>
+                </a:solidFill>
+              </a:rPr>
+              <a:t>You </a:t>
+            </a:r>
+            <a:r>
+              <a:rPr lang="en-US" sz="3200" i="1">
+                <a:solidFill>
+                  <a:schemeClr val="accent1"/>
+                </a:solidFill>
+              </a:rPr>
+              <a:t>access</a:t>
+            </a:r>
+            <a:r>
+              <a:rPr lang="en-US" sz="3200">
+                <a:solidFill>
+                  <a:schemeClr val="accent1"/>
+                </a:solidFill>
+              </a:rPr>
+              <a:t> an object property by using either:</a:t>
+            </a:r>
+          </a:p>
+          <a:p>
+            <a:pPr marL="457200" lvl="1" indent="0">
+              <a:buNone/>
+            </a:pPr>
+            <a:r>
+              <a:rPr lang="en-US" sz="3200">
+                <a:solidFill>
+                  <a:srgbClr val="C00000"/>
+                </a:solidFill>
+                <a:latin typeface="Avenir Next Condensed" panose="020B0506020202020204" pitchFamily="34" charset="0"/>
+              </a:rPr>
+              <a:t>person.firstName</a:t>
+            </a:r>
+          </a:p>
+          <a:p>
+            <a:pPr marL="457200" lvl="1" indent="0">
+              <a:buNone/>
+            </a:pPr>
+            <a:r>
+              <a:rPr lang="en-US" sz="3200">
+                <a:solidFill>
+                  <a:srgbClr val="C00000"/>
+                </a:solidFill>
+                <a:latin typeface="Avenir Next Condensed" panose="020B0506020202020204" pitchFamily="34" charset="0"/>
+              </a:rPr>
+              <a:t>person['firstName']</a:t>
+            </a:r>
+          </a:p>
+          <a:p>
+            <a:r>
+              <a:rPr lang="en-US" sz="3200">
+                <a:solidFill>
+                  <a:schemeClr val="accent1"/>
+                </a:solidFill>
+              </a:rPr>
+              <a:t>If the property name is hyphenated or a number or made up of multiple words, you must use the second accessor pattern</a:t>
+            </a:r>
+          </a:p>
+          <a:p>
+            <a:r>
+              <a:rPr lang="en-US" sz="3200">
+                <a:solidFill>
+                  <a:schemeClr val="accent1"/>
+                </a:solidFill>
+              </a:rPr>
+              <a:t>Objects, by means of allowing us to store large bits of related information in a single variable, make life much easier for developers</a:t>
+            </a:r>
+          </a:p>
+          <a:p>
+            <a:endParaRPr lang="en-US" sz="3200">
+              <a:solidFill>
+                <a:schemeClr val="accent1"/>
+              </a:solidFill>
+            </a:endParaRPr>
+          </a:p>
+          <a:p>
+            <a:endParaRPr lang="en-US" sz="3200">
+              <a:solidFill>
+                <a:schemeClr val="accent1"/>
+              </a:solidFill>
+            </a:endParaRPr>
+          </a:p>
+          <a:p>
+            <a:endParaRPr lang="en-US" sz="3200">
+              <a:solidFill>
+                <a:schemeClr val="accent1"/>
+              </a:solidFill>
+            </a:endParaRPr>
+          </a:p>
+          <a:p>
+            <a:endParaRPr lang="en-US" sz="3200">
+              <a:solidFill>
+                <a:schemeClr val="accent1"/>
+              </a:solidFill>
+            </a:endParaRPr>
+          </a:p>
+          <a:p>
+            <a:pPr marL="0" indent="0">
+              <a:buNone/>
+            </a:pPr>
+            <a:endParaRPr lang="en-US" sz="3200">
+              <a:solidFill>
+                <a:schemeClr val="accent1"/>
+              </a:solidFill>
+            </a:endParaRPr>
+          </a:p>
+        </p:txBody>
+      </p:sp>
+    </p:spTree>
+    <p:extLst>
+      <p:ext uri="{BB962C8B-B14F-4D97-AF65-F5344CB8AC3E}">
+        <p14:creationId xmlns:p14="http://schemas.microsoft.com/office/powerpoint/2010/main" val="503465385"/>
+      </p:ext>
+    </p:extLst>
+  </p:cSld>
+  <p:clrMapOvr>
+    <a:masterClrMapping/>
+  </p:clrMapOvr>
+</p:sld>
+</file>
+
+<file path=ppt/slides/slide31.xml><?xml version="1.0" encoding="utf-8"?>
+<p:sld xmlns:a="http://schemas.openxmlformats.org/drawingml/2006/main" xmlns:r="http://schemas.openxmlformats.org/officeDocument/2006/relationships" xmlns:p="http://schemas.openxmlformats.org/presentationml/2006/main">
+  <p:cSld>
+    <p:spTree>
+      <p:nvGrpSpPr>
+        <p:cNvPr id="1" name=""/>
+        <p:cNvGrpSpPr/>
+        <p:nvPr/>
+      </p:nvGrpSpPr>
+      <p:grpSpPr>
+        <a:xfrm>
+          <a:off x="0" y="0"/>
+          <a:ext cx="0" cy="0"/>
+          <a:chOff x="0" y="0"/>
+          <a:chExt cx="0" cy="0"/>
+        </a:xfrm>
+      </p:grpSpPr>
+      <p:sp>
+        <p:nvSpPr>
+          <p:cNvPr id="2" name="Title 1">
+            <a:extLst>
+              <a:ext uri="{FF2B5EF4-FFF2-40B4-BE49-F238E27FC236}">
+                <a16:creationId xmlns:a16="http://schemas.microsoft.com/office/drawing/2014/main" id="{A4E49C21-6F83-1E43-83AE-B6C96EB3F5B9}"/>
+              </a:ext>
+            </a:extLst>
+          </p:cNvPr>
+          <p:cNvSpPr>
+            <a:spLocks noGrp="1"/>
+          </p:cNvSpPr>
+          <p:nvPr>
+            <p:ph type="title"/>
+          </p:nvPr>
+        </p:nvSpPr>
+        <p:spPr/>
+        <p:txBody>
+          <a:bodyPr/>
+          <a:lstStyle/>
+          <a:p>
+            <a:r>
+              <a:rPr lang="en-US">
+                <a:solidFill>
+                  <a:schemeClr val="accent1"/>
+                </a:solidFill>
+                <a:latin typeface="Contrail One" panose="02000000000000000000" pitchFamily="2" charset="77"/>
+              </a:rPr>
+              <a:t>Exercise 17</a:t>
+            </a:r>
+          </a:p>
+        </p:txBody>
+      </p:sp>
+      <p:sp>
+        <p:nvSpPr>
+          <p:cNvPr id="3" name="Content Placeholder 2">
+            <a:extLst>
+              <a:ext uri="{FF2B5EF4-FFF2-40B4-BE49-F238E27FC236}">
+                <a16:creationId xmlns:a16="http://schemas.microsoft.com/office/drawing/2014/main" id="{B06AC98F-540D-894F-849E-51C7D79CDE75}"/>
+              </a:ext>
+            </a:extLst>
+          </p:cNvPr>
+          <p:cNvSpPr>
+            <a:spLocks noGrp="1"/>
+          </p:cNvSpPr>
+          <p:nvPr>
+            <p:ph idx="1"/>
+          </p:nvPr>
+        </p:nvSpPr>
+        <p:spPr>
+          <a:xfrm>
+            <a:off x="838200" y="1319980"/>
+            <a:ext cx="11184802" cy="5379584"/>
+          </a:xfrm>
+        </p:spPr>
+        <p:txBody>
+          <a:bodyPr>
+            <a:noAutofit/>
+          </a:bodyPr>
+          <a:lstStyle/>
+          <a:p>
+            <a:r>
+              <a:rPr lang="en-US" sz="3200">
+                <a:solidFill>
+                  <a:schemeClr val="accent1"/>
+                </a:solidFill>
+              </a:rPr>
+              <a:t>CSS is an extremely powerful technology for styling web pages</a:t>
+            </a:r>
+          </a:p>
+          <a:p>
+            <a:r>
+              <a:rPr lang="en-US" sz="3200">
+                <a:solidFill>
+                  <a:schemeClr val="accent1"/>
+                </a:solidFill>
+              </a:rPr>
+              <a:t>In addition to doing some of the things you've already seen, it allows us to specify the </a:t>
+            </a:r>
+            <a:r>
+              <a:rPr lang="en-US" sz="3200" i="1">
+                <a:solidFill>
+                  <a:schemeClr val="accent1"/>
+                </a:solidFill>
+              </a:rPr>
+              <a:t>position</a:t>
+            </a:r>
+            <a:r>
+              <a:rPr lang="en-US" sz="3200">
+                <a:solidFill>
+                  <a:schemeClr val="accent1"/>
+                </a:solidFill>
+              </a:rPr>
+              <a:t> of HTML elements on the page</a:t>
+            </a:r>
+          </a:p>
+          <a:p>
+            <a:r>
+              <a:rPr lang="en-US" sz="3200">
+                <a:solidFill>
+                  <a:schemeClr val="accent1"/>
+                </a:solidFill>
+              </a:rPr>
+              <a:t>One important thing to understand is that different HTML elements – </a:t>
+            </a:r>
+            <a:r>
+              <a:rPr lang="en-US" sz="3200">
+                <a:solidFill>
+                  <a:srgbClr val="C00000"/>
+                </a:solidFill>
+                <a:latin typeface="Avenir Next Condensed" panose="020B0506020202020204" pitchFamily="34" charset="0"/>
+              </a:rPr>
+              <a:t>&lt;div&gt;</a:t>
+            </a:r>
+            <a:r>
+              <a:rPr lang="en-US" sz="3200">
+                <a:solidFill>
+                  <a:schemeClr val="accent1"/>
+                </a:solidFill>
+              </a:rPr>
+              <a:t>s, </a:t>
+            </a:r>
+            <a:r>
+              <a:rPr lang="en-US" sz="3200">
+                <a:solidFill>
+                  <a:srgbClr val="C00000"/>
+                </a:solidFill>
+                <a:latin typeface="Avenir Next Condensed" panose="020B0506020202020204" pitchFamily="34" charset="0"/>
+              </a:rPr>
+              <a:t>&lt;p&gt;</a:t>
+            </a:r>
+            <a:r>
+              <a:rPr lang="en-US" sz="3200">
+                <a:solidFill>
+                  <a:schemeClr val="accent1"/>
+                </a:solidFill>
+              </a:rPr>
+              <a:t>s, </a:t>
+            </a:r>
+            <a:r>
+              <a:rPr lang="en-US" sz="3200">
+                <a:solidFill>
+                  <a:srgbClr val="C00000"/>
+                </a:solidFill>
+                <a:latin typeface="Avenir Next Condensed" panose="020B0506020202020204" pitchFamily="34" charset="0"/>
+              </a:rPr>
+              <a:t>&lt;li&gt;</a:t>
+            </a:r>
+            <a:r>
+              <a:rPr lang="en-US" sz="3200">
+                <a:solidFill>
+                  <a:schemeClr val="accent1"/>
+                </a:solidFill>
+              </a:rPr>
+              <a:t>s, </a:t>
+            </a:r>
+            <a:r>
+              <a:rPr lang="en-US" sz="3200" i="1">
+                <a:solidFill>
+                  <a:schemeClr val="accent1"/>
+                </a:solidFill>
+              </a:rPr>
+              <a:t>etc. – </a:t>
+            </a:r>
+            <a:r>
+              <a:rPr lang="en-US" sz="3200">
+                <a:solidFill>
+                  <a:schemeClr val="accent1"/>
+                </a:solidFill>
+              </a:rPr>
+              <a:t>have default positioning behaviors</a:t>
+            </a:r>
+          </a:p>
+          <a:p>
+            <a:pPr lvl="1"/>
+            <a:r>
+              <a:rPr lang="en-US" sz="3200" i="1">
+                <a:solidFill>
+                  <a:schemeClr val="accent1"/>
+                </a:solidFill>
+              </a:rPr>
+              <a:t>block-level</a:t>
+            </a:r>
+            <a:r>
+              <a:rPr lang="en-US" sz="3200">
+                <a:solidFill>
+                  <a:schemeClr val="accent1"/>
+                </a:solidFill>
+              </a:rPr>
+              <a:t> elements position themselves on a new line</a:t>
+            </a:r>
+          </a:p>
+          <a:p>
+            <a:pPr lvl="1"/>
+            <a:r>
+              <a:rPr lang="en-US" sz="3200" i="1">
+                <a:solidFill>
+                  <a:schemeClr val="accent1"/>
+                </a:solidFill>
+              </a:rPr>
+              <a:t>inline</a:t>
+            </a:r>
+            <a:r>
+              <a:rPr lang="en-US" sz="3200">
+                <a:solidFill>
+                  <a:schemeClr val="accent1"/>
+                </a:solidFill>
+              </a:rPr>
+              <a:t> elements push themselves up against the previous element</a:t>
+            </a:r>
+          </a:p>
+          <a:p>
+            <a:pPr marL="0" indent="0">
+              <a:buNone/>
+            </a:pPr>
+            <a:endParaRPr lang="en-US" sz="3200">
+              <a:solidFill>
+                <a:schemeClr val="accent1"/>
+              </a:solidFill>
+            </a:endParaRPr>
+          </a:p>
+          <a:p>
+            <a:pPr marL="0" indent="0">
+              <a:buNone/>
+            </a:pPr>
+            <a:endParaRPr lang="en-US" sz="3200">
+              <a:solidFill>
+                <a:schemeClr val="accent1"/>
+              </a:solidFill>
+            </a:endParaRPr>
+          </a:p>
+        </p:txBody>
+      </p:sp>
+    </p:spTree>
+    <p:extLst>
+      <p:ext uri="{BB962C8B-B14F-4D97-AF65-F5344CB8AC3E}">
+        <p14:creationId xmlns:p14="http://schemas.microsoft.com/office/powerpoint/2010/main" val="1157054719"/>
+      </p:ext>
+    </p:extLst>
+  </p:cSld>
+  <p:clrMapOvr>
+    <a:masterClrMapping/>
+  </p:clrMapOvr>
+</p:sld>
+</file>
+
+<file path=ppt/slides/slide32.xml><?xml version="1.0" encoding="utf-8"?>
+<p:sld xmlns:a="http://schemas.openxmlformats.org/drawingml/2006/main" xmlns:r="http://schemas.openxmlformats.org/officeDocument/2006/relationships" xmlns:p="http://schemas.openxmlformats.org/presentationml/2006/main">
+  <p:cSld>
+    <p:spTree>
+      <p:nvGrpSpPr>
+        <p:cNvPr id="1" name=""/>
+        <p:cNvGrpSpPr/>
+        <p:nvPr/>
+      </p:nvGrpSpPr>
+      <p:grpSpPr>
+        <a:xfrm>
+          <a:off x="0" y="0"/>
+          <a:ext cx="0" cy="0"/>
+          <a:chOff x="0" y="0"/>
+          <a:chExt cx="0" cy="0"/>
+        </a:xfrm>
+      </p:grpSpPr>
+      <p:sp>
+        <p:nvSpPr>
+          <p:cNvPr id="2" name="Title 1">
+            <a:extLst>
+              <a:ext uri="{FF2B5EF4-FFF2-40B4-BE49-F238E27FC236}">
+                <a16:creationId xmlns:a16="http://schemas.microsoft.com/office/drawing/2014/main" id="{A4E49C21-6F83-1E43-83AE-B6C96EB3F5B9}"/>
+              </a:ext>
+            </a:extLst>
+          </p:cNvPr>
+          <p:cNvSpPr>
+            <a:spLocks noGrp="1"/>
+          </p:cNvSpPr>
+          <p:nvPr>
+            <p:ph type="title"/>
+          </p:nvPr>
+        </p:nvSpPr>
+        <p:spPr/>
+        <p:txBody>
+          <a:bodyPr/>
+          <a:lstStyle/>
+          <a:p>
+            <a:r>
+              <a:rPr lang="en-US">
+                <a:solidFill>
+                  <a:schemeClr val="accent1"/>
+                </a:solidFill>
+                <a:latin typeface="Contrail One" panose="02000000000000000000" pitchFamily="2" charset="77"/>
+              </a:rPr>
+              <a:t>Exercise 17</a:t>
+            </a:r>
+          </a:p>
+        </p:txBody>
+      </p:sp>
+      <p:sp>
+        <p:nvSpPr>
+          <p:cNvPr id="3" name="Content Placeholder 2">
+            <a:extLst>
+              <a:ext uri="{FF2B5EF4-FFF2-40B4-BE49-F238E27FC236}">
+                <a16:creationId xmlns:a16="http://schemas.microsoft.com/office/drawing/2014/main" id="{B06AC98F-540D-894F-849E-51C7D79CDE75}"/>
+              </a:ext>
+            </a:extLst>
+          </p:cNvPr>
+          <p:cNvSpPr>
+            <a:spLocks noGrp="1"/>
+          </p:cNvSpPr>
+          <p:nvPr>
+            <p:ph idx="1"/>
+          </p:nvPr>
+        </p:nvSpPr>
+        <p:spPr>
+          <a:xfrm>
+            <a:off x="838200" y="1319980"/>
+            <a:ext cx="11184802" cy="5379584"/>
+          </a:xfrm>
+        </p:spPr>
+        <p:txBody>
+          <a:bodyPr>
+            <a:normAutofit/>
+          </a:bodyPr>
+          <a:lstStyle/>
+          <a:p>
+            <a:r>
+              <a:rPr lang="en-US" sz="3200">
+                <a:solidFill>
+                  <a:schemeClr val="accent1"/>
+                </a:solidFill>
+              </a:rPr>
+              <a:t>The default positioning behavior can be overridden by changing the value of an element's </a:t>
+            </a:r>
+            <a:r>
+              <a:rPr lang="en-US" sz="3200">
+                <a:solidFill>
+                  <a:srgbClr val="C00000"/>
+                </a:solidFill>
+                <a:latin typeface="Avenir Next Condensed" panose="020B0506020202020204" pitchFamily="34" charset="0"/>
+              </a:rPr>
+              <a:t>position </a:t>
+            </a:r>
+            <a:r>
+              <a:rPr lang="en-US" sz="3200">
+                <a:solidFill>
+                  <a:schemeClr val="accent1"/>
+                </a:solidFill>
+              </a:rPr>
+              <a:t>property</a:t>
+            </a:r>
+          </a:p>
+          <a:p>
+            <a:r>
+              <a:rPr lang="en-US" sz="3200">
+                <a:solidFill>
+                  <a:schemeClr val="accent1"/>
+                </a:solidFill>
+              </a:rPr>
+              <a:t>In this exercise, we'll learn about setting an element's position to </a:t>
+            </a:r>
+            <a:r>
+              <a:rPr lang="en-US" sz="3200">
+                <a:solidFill>
+                  <a:srgbClr val="C00000"/>
+                </a:solidFill>
+                <a:latin typeface="Avenir Next Condensed" panose="020B0506020202020204" pitchFamily="34" charset="0"/>
+              </a:rPr>
+              <a:t>inline-block </a:t>
+            </a:r>
+            <a:r>
+              <a:rPr lang="en-US" sz="3200">
+                <a:solidFill>
+                  <a:schemeClr val="accent1"/>
+                </a:solidFill>
+              </a:rPr>
+              <a:t>that combines the qualities of block and inline</a:t>
+            </a:r>
+          </a:p>
+          <a:p>
+            <a:r>
+              <a:rPr lang="en-US" sz="3200">
+                <a:solidFill>
+                  <a:schemeClr val="accent1"/>
+                </a:solidFill>
+              </a:rPr>
+              <a:t>In later exercises, we'll look at CSS grid, a technology that lets us create complex layouts simply and powerfully</a:t>
+            </a:r>
+          </a:p>
+          <a:p>
+            <a:endParaRPr lang="en-US" sz="3200">
+              <a:solidFill>
+                <a:schemeClr val="accent1"/>
+              </a:solidFill>
+            </a:endParaRPr>
+          </a:p>
+          <a:p>
+            <a:endParaRPr lang="en-US" sz="3200">
+              <a:solidFill>
+                <a:schemeClr val="accent1"/>
+              </a:solidFill>
+            </a:endParaRPr>
+          </a:p>
+          <a:p>
+            <a:pPr marL="0" indent="0">
+              <a:buNone/>
+            </a:pPr>
+            <a:endParaRPr lang="en-US" sz="3200">
+              <a:solidFill>
+                <a:schemeClr val="accent1"/>
+              </a:solidFill>
+            </a:endParaRPr>
+          </a:p>
+        </p:txBody>
+      </p:sp>
+    </p:spTree>
+    <p:extLst>
+      <p:ext uri="{BB962C8B-B14F-4D97-AF65-F5344CB8AC3E}">
+        <p14:creationId xmlns:p14="http://schemas.microsoft.com/office/powerpoint/2010/main" val="1540723274"/>
+      </p:ext>
+    </p:extLst>
+  </p:cSld>
+  <p:clrMapOvr>
+    <a:masterClrMapping/>
+  </p:clrMapOvr>
+</p:sld>
+</file>
+
+<file path=ppt/slides/slide33.xml><?xml version="1.0" encoding="utf-8"?>
+<p:sld xmlns:a="http://schemas.openxmlformats.org/drawingml/2006/main" xmlns:r="http://schemas.openxmlformats.org/officeDocument/2006/relationships" xmlns:p="http://schemas.openxmlformats.org/presentationml/2006/main">
+  <p:cSld>
+    <p:spTree>
+      <p:nvGrpSpPr>
+        <p:cNvPr id="1" name=""/>
+        <p:cNvGrpSpPr/>
+        <p:nvPr/>
+      </p:nvGrpSpPr>
+      <p:grpSpPr>
+        <a:xfrm>
+          <a:off x="0" y="0"/>
+          <a:ext cx="0" cy="0"/>
+          <a:chOff x="0" y="0"/>
+          <a:chExt cx="0" cy="0"/>
+        </a:xfrm>
+      </p:grpSpPr>
+      <p:sp>
+        <p:nvSpPr>
+          <p:cNvPr id="2" name="Title 1">
+            <a:extLst>
+              <a:ext uri="{FF2B5EF4-FFF2-40B4-BE49-F238E27FC236}">
+                <a16:creationId xmlns:a16="http://schemas.microsoft.com/office/drawing/2014/main" id="{A4E49C21-6F83-1E43-83AE-B6C96EB3F5B9}"/>
+              </a:ext>
+            </a:extLst>
+          </p:cNvPr>
+          <p:cNvSpPr>
+            <a:spLocks noGrp="1"/>
+          </p:cNvSpPr>
+          <p:nvPr>
+            <p:ph type="title"/>
+          </p:nvPr>
+        </p:nvSpPr>
+        <p:spPr/>
+        <p:txBody>
+          <a:bodyPr/>
+          <a:lstStyle/>
+          <a:p>
+            <a:r>
+              <a:rPr lang="en-US">
+                <a:solidFill>
+                  <a:schemeClr val="accent1"/>
+                </a:solidFill>
+                <a:latin typeface="Contrail One" panose="02000000000000000000" pitchFamily="2" charset="77"/>
+              </a:rPr>
+              <a:t>Exercise 18</a:t>
+            </a:r>
+          </a:p>
+        </p:txBody>
+      </p:sp>
+      <p:sp>
+        <p:nvSpPr>
+          <p:cNvPr id="3" name="Content Placeholder 2">
+            <a:extLst>
+              <a:ext uri="{FF2B5EF4-FFF2-40B4-BE49-F238E27FC236}">
+                <a16:creationId xmlns:a16="http://schemas.microsoft.com/office/drawing/2014/main" id="{B06AC98F-540D-894F-849E-51C7D79CDE75}"/>
+              </a:ext>
+            </a:extLst>
+          </p:cNvPr>
+          <p:cNvSpPr>
+            <a:spLocks noGrp="1"/>
+          </p:cNvSpPr>
+          <p:nvPr>
+            <p:ph idx="1"/>
+          </p:nvPr>
+        </p:nvSpPr>
+        <p:spPr>
+          <a:xfrm>
+            <a:off x="838200" y="1319980"/>
+            <a:ext cx="11184802" cy="5379584"/>
+          </a:xfrm>
+        </p:spPr>
+        <p:txBody>
+          <a:bodyPr>
+            <a:normAutofit/>
+          </a:bodyPr>
+          <a:lstStyle/>
+          <a:p>
+            <a:r>
+              <a:rPr lang="en-US" sz="3200">
+                <a:solidFill>
+                  <a:schemeClr val="accent1"/>
+                </a:solidFill>
+              </a:rPr>
+              <a:t>Sample </a:t>
+            </a:r>
+            <a:r>
+              <a:rPr lang="en-US" sz="3200">
+                <a:solidFill>
+                  <a:srgbClr val="C00000"/>
+                </a:solidFill>
+                <a:latin typeface="Avenir Next Condensed" panose="020B0506020202020204" pitchFamily="34" charset="0"/>
+              </a:rPr>
+              <a:t>position </a:t>
+            </a:r>
+            <a:r>
+              <a:rPr lang="en-US" sz="3200">
+                <a:solidFill>
+                  <a:schemeClr val="accent1"/>
+                </a:solidFill>
+              </a:rPr>
+              <a:t>sample</a:t>
+            </a:r>
+          </a:p>
+          <a:p>
+            <a:endParaRPr lang="en-US" sz="3200">
+              <a:solidFill>
+                <a:schemeClr val="accent1"/>
+              </a:solidFill>
+            </a:endParaRPr>
+          </a:p>
+          <a:p>
+            <a:endParaRPr lang="en-US" sz="3200">
+              <a:solidFill>
+                <a:schemeClr val="accent1"/>
+              </a:solidFill>
+            </a:endParaRPr>
+          </a:p>
+          <a:p>
+            <a:pPr marL="0" indent="0">
+              <a:buNone/>
+            </a:pPr>
+            <a:endParaRPr lang="en-US" sz="3200">
+              <a:solidFill>
+                <a:schemeClr val="accent1"/>
+              </a:solidFill>
+            </a:endParaRPr>
+          </a:p>
+        </p:txBody>
+      </p:sp>
+    </p:spTree>
+    <p:extLst>
+      <p:ext uri="{BB962C8B-B14F-4D97-AF65-F5344CB8AC3E}">
+        <p14:creationId xmlns:p14="http://schemas.microsoft.com/office/powerpoint/2010/main" val="439751305"/>
       </p:ext>
     </p:extLst>
   </p:cSld>
@@ -6921,7 +11766,7 @@
           <a:lstStyle/>
           <a:p>
             <a:r>
-              <a:rPr lang="en-US">
+              <a:rPr lang="en-US" sz="3200">
                 <a:solidFill>
                   <a:schemeClr val="accent1"/>
                 </a:solidFill>
@@ -6931,7 +11776,7 @@
           </a:p>
           <a:p>
             <a:r>
-              <a:rPr lang="en-US">
+              <a:rPr lang="en-US" sz="3200">
                 <a:solidFill>
                   <a:schemeClr val="accent1"/>
                 </a:solidFill>
@@ -6942,61 +11787,106 @@
           <a:p>
             <a:pPr lvl="1"/>
             <a:r>
-              <a:rPr lang="en-US">
-                <a:solidFill>
-                  <a:schemeClr val="accent1"/>
-                </a:solidFill>
-              </a:rPr>
-              <a:t>&lt;p&gt; for paragraphs</a:t>
+              <a:rPr lang="en-US" sz="3200">
+                <a:solidFill>
+                  <a:srgbClr val="C00000"/>
+                </a:solidFill>
+                <a:latin typeface="Avenir Next Condensed" panose="020B0506020202020204" pitchFamily="34" charset="0"/>
+              </a:rPr>
+              <a:t>&lt;p&gt; </a:t>
+            </a:r>
+            <a:r>
+              <a:rPr lang="en-US" sz="3200">
+                <a:solidFill>
+                  <a:schemeClr val="accent1"/>
+                </a:solidFill>
+              </a:rPr>
+              <a:t>for paragraphs</a:t>
             </a:r>
           </a:p>
           <a:p>
             <a:pPr lvl="1"/>
             <a:r>
-              <a:rPr lang="en-US">
-                <a:solidFill>
-                  <a:schemeClr val="accent1"/>
-                </a:solidFill>
-              </a:rPr>
-              <a:t>&lt;ol&gt; for numbered lists</a:t>
+              <a:rPr lang="en-US" sz="3200">
+                <a:solidFill>
+                  <a:srgbClr val="C00000"/>
+                </a:solidFill>
+                <a:latin typeface="Avenir Next Condensed" panose="020B0506020202020204" pitchFamily="34" charset="0"/>
+              </a:rPr>
+              <a:t>&lt;ol&gt; </a:t>
+            </a:r>
+            <a:r>
+              <a:rPr lang="en-US" sz="3200">
+                <a:solidFill>
+                  <a:schemeClr val="accent1"/>
+                </a:solidFill>
+              </a:rPr>
+              <a:t>for numbered lists</a:t>
             </a:r>
           </a:p>
           <a:p>
             <a:pPr lvl="1"/>
             <a:r>
-              <a:rPr lang="en-US">
-                <a:solidFill>
-                  <a:schemeClr val="accent1"/>
-                </a:solidFill>
-              </a:rPr>
-              <a:t>&lt;ul&gt; for bullet points</a:t>
+              <a:rPr lang="en-US" sz="3200">
+                <a:solidFill>
+                  <a:srgbClr val="C00000"/>
+                </a:solidFill>
+                <a:latin typeface="Avenir Next Condensed" panose="020B0506020202020204" pitchFamily="34" charset="0"/>
+              </a:rPr>
+              <a:t>&lt;ul&gt; </a:t>
+            </a:r>
+            <a:r>
+              <a:rPr lang="en-US" sz="3200">
+                <a:solidFill>
+                  <a:schemeClr val="accent1"/>
+                </a:solidFill>
+              </a:rPr>
+              <a:t>for bullet points</a:t>
             </a:r>
           </a:p>
           <a:p>
             <a:pPr lvl="1"/>
             <a:r>
-              <a:rPr lang="en-US">
-                <a:solidFill>
-                  <a:schemeClr val="accent1"/>
-                </a:solidFill>
-              </a:rPr>
-              <a:t>&lt;h1&gt; for titles</a:t>
+              <a:rPr lang="en-US" sz="3200">
+                <a:solidFill>
+                  <a:srgbClr val="C00000"/>
+                </a:solidFill>
+                <a:latin typeface="Avenir Next Condensed" panose="020B0506020202020204" pitchFamily="34" charset="0"/>
+              </a:rPr>
+              <a:t>&lt;h1&gt; </a:t>
+            </a:r>
+            <a:r>
+              <a:rPr lang="en-US" sz="3200">
+                <a:solidFill>
+                  <a:schemeClr val="accent1"/>
+                </a:solidFill>
+              </a:rPr>
+              <a:t>for titles</a:t>
             </a:r>
           </a:p>
           <a:p>
             <a:pPr lvl="1"/>
             <a:r>
-              <a:rPr lang="en-US">
-                <a:solidFill>
-                  <a:schemeClr val="accent1"/>
-                </a:solidFill>
-              </a:rPr>
-              <a:t>&lt;a&gt; for links</a:t>
-            </a:r>
-          </a:p>
-          <a:p>
-            <a:r>
-              <a:rPr lang="en-US">
+              <a:rPr lang="en-US" sz="3200">
+                <a:solidFill>
+                  <a:srgbClr val="C00000"/>
+                </a:solidFill>
+                <a:latin typeface="Avenir Next Condensed" panose="020B0506020202020204" pitchFamily="34" charset="0"/>
+              </a:rPr>
+              <a:t>&lt;a&gt;</a:t>
+            </a:r>
+            <a:r>
+              <a:rPr lang="en-US" sz="3200">
+                <a:solidFill>
+                  <a:schemeClr val="accent1"/>
+                </a:solidFill>
+              </a:rPr>
+              <a:t> for links</a:t>
+            </a:r>
+          </a:p>
+          <a:p>
+            <a:r>
+              <a:rPr lang="en-US" sz="3200">
                 <a:solidFill>
                   <a:schemeClr val="accent1"/>
                 </a:solidFill>
@@ -7006,7 +11896,7 @@
           </a:p>
           <a:p>
             <a:pPr lvl="1"/>
-            <a:endParaRPr lang="en-US">
+            <a:endParaRPr lang="en-US" sz="3200">
               <a:solidFill>
                 <a:schemeClr val="accent1"/>
               </a:solidFill>
@@ -7106,7 +11996,7 @@
           <a:lstStyle/>
           <a:p>
             <a:r>
-              <a:rPr lang="en-US">
+              <a:rPr lang="en-US" sz="3200">
                 <a:solidFill>
                   <a:schemeClr val="accent1"/>
                 </a:solidFill>
@@ -7119,7 +12009,7 @@
               <a:buNone/>
             </a:pPr>
             <a:r>
-              <a:rPr lang="en-US" sz="2800">
+              <a:rPr lang="en-US" sz="3200">
                 <a:solidFill>
                   <a:srgbClr val="C00000"/>
                 </a:solidFill>
@@ -7130,7 +12020,7 @@
           </a:p>
           <a:p>
             <a:r>
-              <a:rPr lang="en-US">
+              <a:rPr lang="en-US" sz="3200">
                 <a:solidFill>
                   <a:schemeClr val="accent1"/>
                 </a:solidFill>
@@ -7143,7 +12033,7 @@
               <a:buNone/>
             </a:pPr>
             <a:r>
-              <a:rPr lang="en-US" sz="2800">
+              <a:rPr lang="en-US" sz="3200">
                 <a:solidFill>
                   <a:srgbClr val="C00000"/>
                 </a:solidFill>
@@ -7157,7 +12047,7 @@
               <a:buNone/>
             </a:pPr>
             <a:r>
-              <a:rPr lang="en-US" sz="2800">
+              <a:rPr lang="en-US" sz="3200">
                 <a:solidFill>
                   <a:srgbClr val="C00000"/>
                 </a:solidFill>
@@ -7168,7 +12058,7 @@
           </a:p>
           <a:p>
             <a:pPr lvl="1"/>
-            <a:endParaRPr lang="en-US">
+            <a:endParaRPr lang="en-US" sz="3200">
               <a:solidFill>
                 <a:schemeClr val="accent1"/>
               </a:solidFill>

--- a/public/video-presentation/video-presentation.pptx
+++ b/public/video-presentation/video-presentation.pptx
@@ -53,6 +53,15 @@
     <p:sldId id="292" r:id="rId47"/>
     <p:sldId id="304" r:id="rId48"/>
     <p:sldId id="293" r:id="rId49"/>
+    <p:sldId id="305" r:id="rId50"/>
+    <p:sldId id="306" r:id="rId51"/>
+    <p:sldId id="307" r:id="rId52"/>
+    <p:sldId id="308" r:id="rId53"/>
+    <p:sldId id="309" r:id="rId54"/>
+    <p:sldId id="310" r:id="rId55"/>
+    <p:sldId id="311" r:id="rId56"/>
+    <p:sldId id="312" r:id="rId57"/>
+    <p:sldId id="313" r:id="rId58"/>
   </p:sldIdLst>
   <p:sldSz cx="12192000" cy="6858000"/>
   <p:notesSz cx="6858000" cy="9144000"/>
@@ -316,7 +325,7 @@
           <a:lstStyle/>
           <a:p>
             <a:fld id="{89072D29-DAEF-3A4A-9594-4E05526E4924}" type="datetimeFigureOut">
-              <a:t>8/13/19</a:t>
+              <a:t>8/14/19</a:t>
             </a:fld>
             <a:endParaRPr lang="en-US"/>
           </a:p>
@@ -512,7 +521,7 @@
           <a:lstStyle/>
           <a:p>
             <a:fld id="{89072D29-DAEF-3A4A-9594-4E05526E4924}" type="datetimeFigureOut">
-              <a:t>8/13/19</a:t>
+              <a:t>8/14/19</a:t>
             </a:fld>
             <a:endParaRPr lang="en-US"/>
           </a:p>
@@ -718,7 +727,7 @@
           <a:lstStyle/>
           <a:p>
             <a:fld id="{89072D29-DAEF-3A4A-9594-4E05526E4924}" type="datetimeFigureOut">
-              <a:t>8/13/19</a:t>
+              <a:t>8/14/19</a:t>
             </a:fld>
             <a:endParaRPr lang="en-US"/>
           </a:p>
@@ -914,7 +923,7 @@
           <a:lstStyle/>
           <a:p>
             <a:fld id="{89072D29-DAEF-3A4A-9594-4E05526E4924}" type="datetimeFigureOut">
-              <a:t>8/13/19</a:t>
+              <a:t>8/14/19</a:t>
             </a:fld>
             <a:endParaRPr lang="en-US"/>
           </a:p>
@@ -1187,7 +1196,7 @@
           <a:lstStyle/>
           <a:p>
             <a:fld id="{89072D29-DAEF-3A4A-9594-4E05526E4924}" type="datetimeFigureOut">
-              <a:t>8/13/19</a:t>
+              <a:t>8/14/19</a:t>
             </a:fld>
             <a:endParaRPr lang="en-US"/>
           </a:p>
@@ -1450,7 +1459,7 @@
           <a:lstStyle/>
           <a:p>
             <a:fld id="{89072D29-DAEF-3A4A-9594-4E05526E4924}" type="datetimeFigureOut">
-              <a:t>8/13/19</a:t>
+              <a:t>8/14/19</a:t>
             </a:fld>
             <a:endParaRPr lang="en-US"/>
           </a:p>
@@ -1860,7 +1869,7 @@
           <a:lstStyle/>
           <a:p>
             <a:fld id="{89072D29-DAEF-3A4A-9594-4E05526E4924}" type="datetimeFigureOut">
-              <a:t>8/13/19</a:t>
+              <a:t>8/14/19</a:t>
             </a:fld>
             <a:endParaRPr lang="en-US"/>
           </a:p>
@@ -1999,7 +2008,7 @@
           <a:lstStyle/>
           <a:p>
             <a:fld id="{89072D29-DAEF-3A4A-9594-4E05526E4924}" type="datetimeFigureOut">
-              <a:t>8/13/19</a:t>
+              <a:t>8/14/19</a:t>
             </a:fld>
             <a:endParaRPr lang="en-US"/>
           </a:p>
@@ -2110,7 +2119,7 @@
           <a:lstStyle/>
           <a:p>
             <a:fld id="{89072D29-DAEF-3A4A-9594-4E05526E4924}" type="datetimeFigureOut">
-              <a:t>8/13/19</a:t>
+              <a:t>8/14/19</a:t>
             </a:fld>
             <a:endParaRPr lang="en-US"/>
           </a:p>
@@ -2419,7 +2428,7 @@
           <a:lstStyle/>
           <a:p>
             <a:fld id="{89072D29-DAEF-3A4A-9594-4E05526E4924}" type="datetimeFigureOut">
-              <a:t>8/13/19</a:t>
+              <a:t>8/14/19</a:t>
             </a:fld>
             <a:endParaRPr lang="en-US"/>
           </a:p>
@@ -2705,7 +2714,7 @@
           <a:lstStyle/>
           <a:p>
             <a:fld id="{89072D29-DAEF-3A4A-9594-4E05526E4924}" type="datetimeFigureOut">
-              <a:t>8/13/19</a:t>
+              <a:t>8/14/19</a:t>
             </a:fld>
             <a:endParaRPr lang="en-US"/>
           </a:p>
@@ -2944,7 +2953,7 @@
           </a:lstStyle>
           <a:p>
             <a:fld id="{89072D29-DAEF-3A4A-9594-4E05526E4924}" type="datetimeFigureOut">
-              <a:t>8/13/19</a:t>
+              <a:t>8/14/19</a:t>
             </a:fld>
             <a:endParaRPr lang="en-US"/>
           </a:p>
@@ -13509,6 +13518,185 @@
 </p:sld>
 </file>
 
+<file path=ppt/slides/slide49.xml><?xml version="1.0" encoding="utf-8"?>
+<p:sld xmlns:a="http://schemas.openxmlformats.org/drawingml/2006/main" xmlns:r="http://schemas.openxmlformats.org/officeDocument/2006/relationships" xmlns:p="http://schemas.openxmlformats.org/presentationml/2006/main">
+  <p:cSld>
+    <p:spTree>
+      <p:nvGrpSpPr>
+        <p:cNvPr id="1" name=""/>
+        <p:cNvGrpSpPr/>
+        <p:nvPr/>
+      </p:nvGrpSpPr>
+      <p:grpSpPr>
+        <a:xfrm>
+          <a:off x="0" y="0"/>
+          <a:ext cx="0" cy="0"/>
+          <a:chOff x="0" y="0"/>
+          <a:chExt cx="0" cy="0"/>
+        </a:xfrm>
+      </p:grpSpPr>
+      <p:sp>
+        <p:nvSpPr>
+          <p:cNvPr id="2" name="Title 1">
+            <a:extLst>
+              <a:ext uri="{FF2B5EF4-FFF2-40B4-BE49-F238E27FC236}">
+                <a16:creationId xmlns:a16="http://schemas.microsoft.com/office/drawing/2014/main" id="{A4E49C21-6F83-1E43-83AE-B6C96EB3F5B9}"/>
+              </a:ext>
+            </a:extLst>
+          </p:cNvPr>
+          <p:cNvSpPr>
+            <a:spLocks noGrp="1"/>
+          </p:cNvSpPr>
+          <p:nvPr>
+            <p:ph type="title"/>
+          </p:nvPr>
+        </p:nvSpPr>
+        <p:spPr/>
+        <p:txBody>
+          <a:bodyPr/>
+          <a:lstStyle/>
+          <a:p>
+            <a:r>
+              <a:rPr lang="en-US">
+                <a:solidFill>
+                  <a:schemeClr val="accent1"/>
+                </a:solidFill>
+                <a:latin typeface="Contrail One" panose="02000000000000000000" pitchFamily="2" charset="77"/>
+              </a:rPr>
+              <a:t>Exercise 21</a:t>
+            </a:r>
+          </a:p>
+        </p:txBody>
+      </p:sp>
+      <p:sp>
+        <p:nvSpPr>
+          <p:cNvPr id="3" name="Content Placeholder 2">
+            <a:extLst>
+              <a:ext uri="{FF2B5EF4-FFF2-40B4-BE49-F238E27FC236}">
+                <a16:creationId xmlns:a16="http://schemas.microsoft.com/office/drawing/2014/main" id="{B06AC98F-540D-894F-849E-51C7D79CDE75}"/>
+              </a:ext>
+            </a:extLst>
+          </p:cNvPr>
+          <p:cNvSpPr>
+            <a:spLocks noGrp="1"/>
+          </p:cNvSpPr>
+          <p:nvPr>
+            <p:ph idx="1"/>
+          </p:nvPr>
+        </p:nvSpPr>
+        <p:spPr>
+          <a:xfrm>
+            <a:off x="838200" y="1319980"/>
+            <a:ext cx="11184802" cy="5379584"/>
+          </a:xfrm>
+        </p:spPr>
+        <p:txBody>
+          <a:bodyPr>
+            <a:normAutofit/>
+          </a:bodyPr>
+          <a:lstStyle/>
+          <a:p>
+            <a:r>
+              <a:rPr lang="en-US" sz="3200">
+                <a:solidFill>
+                  <a:schemeClr val="accent1"/>
+                </a:solidFill>
+              </a:rPr>
+              <a:t>The technology that makes the Web the </a:t>
+            </a:r>
+            <a:r>
+              <a:rPr lang="en-US" sz="3200" i="1">
+                <a:solidFill>
+                  <a:schemeClr val="accent1"/>
+                </a:solidFill>
+              </a:rPr>
+              <a:t>Web</a:t>
+            </a:r>
+            <a:r>
+              <a:rPr lang="en-US" sz="3200">
+                <a:solidFill>
+                  <a:schemeClr val="accent1"/>
+                </a:solidFill>
+              </a:rPr>
+              <a:t> is the </a:t>
+            </a:r>
+            <a:r>
+              <a:rPr lang="en-US" sz="3200" i="1">
+                <a:solidFill>
+                  <a:schemeClr val="accent1"/>
+                </a:solidFill>
+              </a:rPr>
+              <a:t>link</a:t>
+            </a:r>
+            <a:endParaRPr lang="en-US" sz="3200">
+              <a:solidFill>
+                <a:schemeClr val="accent1"/>
+              </a:solidFill>
+            </a:endParaRPr>
+          </a:p>
+          <a:p>
+            <a:r>
+              <a:rPr lang="en-US" sz="3200">
+                <a:solidFill>
+                  <a:schemeClr val="accent1"/>
+                </a:solidFill>
+              </a:rPr>
+              <a:t>You can link to other pages on your site or to other sites</a:t>
+            </a:r>
+          </a:p>
+          <a:p>
+            <a:r>
+              <a:rPr lang="en-US" sz="3200">
+                <a:solidFill>
+                  <a:schemeClr val="accent1"/>
+                </a:solidFill>
+              </a:rPr>
+              <a:t>Using the </a:t>
+            </a:r>
+            <a:r>
+              <a:rPr lang="en-US" sz="3200">
+                <a:solidFill>
+                  <a:srgbClr val="C00000"/>
+                </a:solidFill>
+                <a:latin typeface="Avenir Next Condensed" panose="020B0506020202020204" pitchFamily="34" charset="0"/>
+              </a:rPr>
+              <a:t>target</a:t>
+            </a:r>
+            <a:r>
+              <a:rPr lang="en-US" sz="3200">
+                <a:solidFill>
+                  <a:schemeClr val="accent1"/>
+                </a:solidFill>
+              </a:rPr>
+              <a:t> attribute, you can specify whether the linked page should load in the current browser window or a separate one</a:t>
+            </a:r>
+          </a:p>
+          <a:p>
+            <a:pPr marL="0" indent="0">
+              <a:buNone/>
+            </a:pPr>
+            <a:endParaRPr lang="en-US" sz="3200">
+              <a:solidFill>
+                <a:srgbClr val="C00000"/>
+              </a:solidFill>
+              <a:latin typeface="Avenir Next Condensed" panose="020B0506020202020204" pitchFamily="34" charset="0"/>
+            </a:endParaRPr>
+          </a:p>
+        </p:txBody>
+      </p:sp>
+    </p:spTree>
+    <p:extLst>
+      <p:ext uri="{BB962C8B-B14F-4D97-AF65-F5344CB8AC3E}">
+        <p14:creationId xmlns:p14="http://schemas.microsoft.com/office/powerpoint/2010/main" val="1405237809"/>
+      </p:ext>
+    </p:extLst>
+  </p:cSld>
+  <p:clrMapOvr>
+    <a:masterClrMapping/>
+  </p:clrMapOvr>
+</p:sld>
+</file>
+
 <file path=ppt/slides/slide5.xml><?xml version="1.0" encoding="utf-8"?>
 <p:sld xmlns:a="http://schemas.openxmlformats.org/drawingml/2006/main" xmlns:r="http://schemas.openxmlformats.org/officeDocument/2006/relationships" xmlns:p="http://schemas.openxmlformats.org/presentationml/2006/main">
   <p:cSld>
@@ -14111,6 +14299,1195 @@
     <p:extLst>
       <p:ext uri="{BB962C8B-B14F-4D97-AF65-F5344CB8AC3E}">
         <p14:creationId xmlns:p14="http://schemas.microsoft.com/office/powerpoint/2010/main" val="1117847820"/>
+      </p:ext>
+    </p:extLst>
+  </p:cSld>
+  <p:clrMapOvr>
+    <a:masterClrMapping/>
+  </p:clrMapOvr>
+</p:sld>
+</file>
+
+<file path=ppt/slides/slide50.xml><?xml version="1.0" encoding="utf-8"?>
+<p:sld xmlns:a="http://schemas.openxmlformats.org/drawingml/2006/main" xmlns:r="http://schemas.openxmlformats.org/officeDocument/2006/relationships" xmlns:p="http://schemas.openxmlformats.org/presentationml/2006/main">
+  <p:cSld>
+    <p:spTree>
+      <p:nvGrpSpPr>
+        <p:cNvPr id="1" name=""/>
+        <p:cNvGrpSpPr/>
+        <p:nvPr/>
+      </p:nvGrpSpPr>
+      <p:grpSpPr>
+        <a:xfrm>
+          <a:off x="0" y="0"/>
+          <a:ext cx="0" cy="0"/>
+          <a:chOff x="0" y="0"/>
+          <a:chExt cx="0" cy="0"/>
+        </a:xfrm>
+      </p:grpSpPr>
+      <p:sp>
+        <p:nvSpPr>
+          <p:cNvPr id="2" name="Title 1">
+            <a:extLst>
+              <a:ext uri="{FF2B5EF4-FFF2-40B4-BE49-F238E27FC236}">
+                <a16:creationId xmlns:a16="http://schemas.microsoft.com/office/drawing/2014/main" id="{A4E49C21-6F83-1E43-83AE-B6C96EB3F5B9}"/>
+              </a:ext>
+            </a:extLst>
+          </p:cNvPr>
+          <p:cNvSpPr>
+            <a:spLocks noGrp="1"/>
+          </p:cNvSpPr>
+          <p:nvPr>
+            <p:ph type="title"/>
+          </p:nvPr>
+        </p:nvSpPr>
+        <p:spPr/>
+        <p:txBody>
+          <a:bodyPr/>
+          <a:lstStyle/>
+          <a:p>
+            <a:r>
+              <a:rPr lang="en-US">
+                <a:solidFill>
+                  <a:schemeClr val="accent1"/>
+                </a:solidFill>
+                <a:latin typeface="Contrail One" panose="02000000000000000000" pitchFamily="2" charset="77"/>
+              </a:rPr>
+              <a:t>Exercise 22</a:t>
+            </a:r>
+          </a:p>
+        </p:txBody>
+      </p:sp>
+      <p:sp>
+        <p:nvSpPr>
+          <p:cNvPr id="3" name="Content Placeholder 2">
+            <a:extLst>
+              <a:ext uri="{FF2B5EF4-FFF2-40B4-BE49-F238E27FC236}">
+                <a16:creationId xmlns:a16="http://schemas.microsoft.com/office/drawing/2014/main" id="{B06AC98F-540D-894F-849E-51C7D79CDE75}"/>
+              </a:ext>
+            </a:extLst>
+          </p:cNvPr>
+          <p:cNvSpPr>
+            <a:spLocks noGrp="1"/>
+          </p:cNvSpPr>
+          <p:nvPr>
+            <p:ph idx="1"/>
+          </p:nvPr>
+        </p:nvSpPr>
+        <p:spPr>
+          <a:xfrm>
+            <a:off x="838200" y="1319980"/>
+            <a:ext cx="11184802" cy="5379584"/>
+          </a:xfrm>
+        </p:spPr>
+        <p:txBody>
+          <a:bodyPr>
+            <a:normAutofit/>
+          </a:bodyPr>
+          <a:lstStyle/>
+          <a:p>
+            <a:r>
+              <a:rPr lang="en-US" sz="3200">
+                <a:solidFill>
+                  <a:schemeClr val="accent1"/>
+                </a:solidFill>
+              </a:rPr>
+              <a:t>In an earlier exercise, I said that the heart of JavaScript is the </a:t>
+            </a:r>
+            <a:r>
+              <a:rPr lang="en-US" sz="3200" i="1">
+                <a:solidFill>
+                  <a:schemeClr val="accent1"/>
+                </a:solidFill>
+              </a:rPr>
+              <a:t>function</a:t>
+            </a:r>
+            <a:r>
+              <a:rPr lang="en-US" sz="3200">
+                <a:solidFill>
+                  <a:schemeClr val="accent1"/>
+                </a:solidFill>
+              </a:rPr>
+              <a:t> – specifically the custom functions you write yourself</a:t>
+            </a:r>
+          </a:p>
+          <a:p>
+            <a:r>
+              <a:rPr lang="en-US" sz="3200">
+                <a:solidFill>
+                  <a:schemeClr val="accent1"/>
+                </a:solidFill>
+              </a:rPr>
+              <a:t>In this exercise, you'll get more practice creating your own functions, including functions that call </a:t>
+            </a:r>
+            <a:r>
+              <a:rPr lang="en-US" sz="3200" i="1">
+                <a:solidFill>
+                  <a:schemeClr val="accent1"/>
+                </a:solidFill>
+              </a:rPr>
+              <a:t>other</a:t>
+            </a:r>
+            <a:r>
+              <a:rPr lang="en-US" sz="3200">
+                <a:solidFill>
+                  <a:schemeClr val="accent1"/>
+                </a:solidFill>
+              </a:rPr>
+              <a:t> functions</a:t>
+            </a:r>
+          </a:p>
+          <a:p>
+            <a:r>
+              <a:rPr lang="en-US" sz="3200">
+                <a:solidFill>
+                  <a:schemeClr val="accent1"/>
+                </a:solidFill>
+              </a:rPr>
+              <a:t>Pay special attention to this exercise owing to the importance of functions in JavaScript</a:t>
+            </a:r>
+          </a:p>
+          <a:p>
+            <a:endParaRPr lang="en-US" sz="3200">
+              <a:solidFill>
+                <a:schemeClr val="accent1"/>
+              </a:solidFill>
+            </a:endParaRPr>
+          </a:p>
+          <a:p>
+            <a:pPr marL="0" indent="0">
+              <a:buNone/>
+            </a:pPr>
+            <a:endParaRPr lang="en-US" sz="3200">
+              <a:solidFill>
+                <a:srgbClr val="C00000"/>
+              </a:solidFill>
+              <a:latin typeface="Avenir Next Condensed" panose="020B0506020202020204" pitchFamily="34" charset="0"/>
+            </a:endParaRPr>
+          </a:p>
+        </p:txBody>
+      </p:sp>
+    </p:spTree>
+    <p:extLst>
+      <p:ext uri="{BB962C8B-B14F-4D97-AF65-F5344CB8AC3E}">
+        <p14:creationId xmlns:p14="http://schemas.microsoft.com/office/powerpoint/2010/main" val="4293087960"/>
+      </p:ext>
+    </p:extLst>
+  </p:cSld>
+  <p:clrMapOvr>
+    <a:masterClrMapping/>
+  </p:clrMapOvr>
+</p:sld>
+</file>
+
+<file path=ppt/slides/slide51.xml><?xml version="1.0" encoding="utf-8"?>
+<p:sld xmlns:a="http://schemas.openxmlformats.org/drawingml/2006/main" xmlns:r="http://schemas.openxmlformats.org/officeDocument/2006/relationships" xmlns:p="http://schemas.openxmlformats.org/presentationml/2006/main">
+  <p:cSld>
+    <p:spTree>
+      <p:nvGrpSpPr>
+        <p:cNvPr id="1" name=""/>
+        <p:cNvGrpSpPr/>
+        <p:nvPr/>
+      </p:nvGrpSpPr>
+      <p:grpSpPr>
+        <a:xfrm>
+          <a:off x="0" y="0"/>
+          <a:ext cx="0" cy="0"/>
+          <a:chOff x="0" y="0"/>
+          <a:chExt cx="0" cy="0"/>
+        </a:xfrm>
+      </p:grpSpPr>
+      <p:sp>
+        <p:nvSpPr>
+          <p:cNvPr id="2" name="Title 1">
+            <a:extLst>
+              <a:ext uri="{FF2B5EF4-FFF2-40B4-BE49-F238E27FC236}">
+                <a16:creationId xmlns:a16="http://schemas.microsoft.com/office/drawing/2014/main" id="{A4E49C21-6F83-1E43-83AE-B6C96EB3F5B9}"/>
+              </a:ext>
+            </a:extLst>
+          </p:cNvPr>
+          <p:cNvSpPr>
+            <a:spLocks noGrp="1"/>
+          </p:cNvSpPr>
+          <p:nvPr>
+            <p:ph type="title"/>
+          </p:nvPr>
+        </p:nvSpPr>
+        <p:spPr/>
+        <p:txBody>
+          <a:bodyPr/>
+          <a:lstStyle/>
+          <a:p>
+            <a:r>
+              <a:rPr lang="en-US">
+                <a:solidFill>
+                  <a:schemeClr val="accent1"/>
+                </a:solidFill>
+                <a:latin typeface="Contrail One" panose="02000000000000000000" pitchFamily="2" charset="77"/>
+              </a:rPr>
+              <a:t>Exercise 23</a:t>
+            </a:r>
+          </a:p>
+        </p:txBody>
+      </p:sp>
+      <p:sp>
+        <p:nvSpPr>
+          <p:cNvPr id="3" name="Content Placeholder 2">
+            <a:extLst>
+              <a:ext uri="{FF2B5EF4-FFF2-40B4-BE49-F238E27FC236}">
+                <a16:creationId xmlns:a16="http://schemas.microsoft.com/office/drawing/2014/main" id="{B06AC98F-540D-894F-849E-51C7D79CDE75}"/>
+              </a:ext>
+            </a:extLst>
+          </p:cNvPr>
+          <p:cNvSpPr>
+            <a:spLocks noGrp="1"/>
+          </p:cNvSpPr>
+          <p:nvPr>
+            <p:ph idx="1"/>
+          </p:nvPr>
+        </p:nvSpPr>
+        <p:spPr>
+          <a:xfrm>
+            <a:off x="838200" y="1319980"/>
+            <a:ext cx="11184802" cy="5379584"/>
+          </a:xfrm>
+        </p:spPr>
+        <p:txBody>
+          <a:bodyPr>
+            <a:normAutofit/>
+          </a:bodyPr>
+          <a:lstStyle/>
+          <a:p>
+            <a:r>
+              <a:rPr lang="en-US" sz="3200">
+                <a:solidFill>
+                  <a:schemeClr val="accent1"/>
+                </a:solidFill>
+              </a:rPr>
+              <a:t>This exercise gives you more experience working with CSS</a:t>
+            </a:r>
+          </a:p>
+          <a:p>
+            <a:r>
+              <a:rPr lang="en-US" sz="3200">
+                <a:solidFill>
+                  <a:schemeClr val="accent1"/>
+                </a:solidFill>
+              </a:rPr>
+              <a:t>Because CSS offers a great many options for styling, the best way to learn CSS is gradually</a:t>
+            </a:r>
+          </a:p>
+          <a:p>
+            <a:r>
+              <a:rPr lang="en-US" sz="3200">
+                <a:solidFill>
+                  <a:schemeClr val="accent1"/>
+                </a:solidFill>
+              </a:rPr>
+              <a:t>In all of these exercises, feel free to make adjustments to the CSS in order to get a feel for what CSS can do</a:t>
+            </a:r>
+          </a:p>
+          <a:p>
+            <a:endParaRPr lang="en-US" sz="3200">
+              <a:solidFill>
+                <a:schemeClr val="accent1"/>
+              </a:solidFill>
+            </a:endParaRPr>
+          </a:p>
+          <a:p>
+            <a:pPr marL="0" indent="0">
+              <a:buNone/>
+            </a:pPr>
+            <a:endParaRPr lang="en-US" sz="3200">
+              <a:solidFill>
+                <a:srgbClr val="C00000"/>
+              </a:solidFill>
+              <a:latin typeface="Avenir Next Condensed" panose="020B0506020202020204" pitchFamily="34" charset="0"/>
+            </a:endParaRPr>
+          </a:p>
+        </p:txBody>
+      </p:sp>
+    </p:spTree>
+    <p:extLst>
+      <p:ext uri="{BB962C8B-B14F-4D97-AF65-F5344CB8AC3E}">
+        <p14:creationId xmlns:p14="http://schemas.microsoft.com/office/powerpoint/2010/main" val="1107127618"/>
+      </p:ext>
+    </p:extLst>
+  </p:cSld>
+  <p:clrMapOvr>
+    <a:masterClrMapping/>
+  </p:clrMapOvr>
+</p:sld>
+</file>
+
+<file path=ppt/slides/slide52.xml><?xml version="1.0" encoding="utf-8"?>
+<p:sld xmlns:a="http://schemas.openxmlformats.org/drawingml/2006/main" xmlns:r="http://schemas.openxmlformats.org/officeDocument/2006/relationships" xmlns:p="http://schemas.openxmlformats.org/presentationml/2006/main">
+  <p:cSld>
+    <p:spTree>
+      <p:nvGrpSpPr>
+        <p:cNvPr id="1" name=""/>
+        <p:cNvGrpSpPr/>
+        <p:nvPr/>
+      </p:nvGrpSpPr>
+      <p:grpSpPr>
+        <a:xfrm>
+          <a:off x="0" y="0"/>
+          <a:ext cx="0" cy="0"/>
+          <a:chOff x="0" y="0"/>
+          <a:chExt cx="0" cy="0"/>
+        </a:xfrm>
+      </p:grpSpPr>
+      <p:sp>
+        <p:nvSpPr>
+          <p:cNvPr id="2" name="Title 1">
+            <a:extLst>
+              <a:ext uri="{FF2B5EF4-FFF2-40B4-BE49-F238E27FC236}">
+                <a16:creationId xmlns:a16="http://schemas.microsoft.com/office/drawing/2014/main" id="{A4E49C21-6F83-1E43-83AE-B6C96EB3F5B9}"/>
+              </a:ext>
+            </a:extLst>
+          </p:cNvPr>
+          <p:cNvSpPr>
+            <a:spLocks noGrp="1"/>
+          </p:cNvSpPr>
+          <p:nvPr>
+            <p:ph type="title"/>
+          </p:nvPr>
+        </p:nvSpPr>
+        <p:spPr/>
+        <p:txBody>
+          <a:bodyPr/>
+          <a:lstStyle/>
+          <a:p>
+            <a:r>
+              <a:rPr lang="en-US">
+                <a:solidFill>
+                  <a:schemeClr val="accent1"/>
+                </a:solidFill>
+                <a:latin typeface="Contrail One" panose="02000000000000000000" pitchFamily="2" charset="77"/>
+              </a:rPr>
+              <a:t>Exercise 24</a:t>
+            </a:r>
+          </a:p>
+        </p:txBody>
+      </p:sp>
+      <p:sp>
+        <p:nvSpPr>
+          <p:cNvPr id="3" name="Content Placeholder 2">
+            <a:extLst>
+              <a:ext uri="{FF2B5EF4-FFF2-40B4-BE49-F238E27FC236}">
+                <a16:creationId xmlns:a16="http://schemas.microsoft.com/office/drawing/2014/main" id="{B06AC98F-540D-894F-849E-51C7D79CDE75}"/>
+              </a:ext>
+            </a:extLst>
+          </p:cNvPr>
+          <p:cNvSpPr>
+            <a:spLocks noGrp="1"/>
+          </p:cNvSpPr>
+          <p:nvPr>
+            <p:ph idx="1"/>
+          </p:nvPr>
+        </p:nvSpPr>
+        <p:spPr>
+          <a:xfrm>
+            <a:off x="838200" y="1319980"/>
+            <a:ext cx="11184802" cy="5379584"/>
+          </a:xfrm>
+        </p:spPr>
+        <p:txBody>
+          <a:bodyPr>
+            <a:normAutofit/>
+          </a:bodyPr>
+          <a:lstStyle/>
+          <a:p>
+            <a:r>
+              <a:rPr lang="en-US" sz="3200">
+                <a:solidFill>
+                  <a:schemeClr val="accent1"/>
+                </a:solidFill>
+              </a:rPr>
+              <a:t>HTML </a:t>
+            </a:r>
+            <a:r>
+              <a:rPr lang="en-US" sz="3200" i="1">
+                <a:solidFill>
+                  <a:schemeClr val="accent1"/>
+                </a:solidFill>
+              </a:rPr>
+              <a:t>forms</a:t>
+            </a:r>
+            <a:r>
+              <a:rPr lang="en-US" sz="3200">
+                <a:solidFill>
+                  <a:schemeClr val="accent1"/>
+                </a:solidFill>
+              </a:rPr>
+              <a:t> are an integral part of web applications</a:t>
+            </a:r>
+          </a:p>
+          <a:p>
+            <a:r>
+              <a:rPr lang="en-US" sz="3200">
+                <a:solidFill>
+                  <a:schemeClr val="accent1"/>
+                </a:solidFill>
+              </a:rPr>
+              <a:t>In this exercise, you'll take baby steps towards working with forms</a:t>
+            </a:r>
+          </a:p>
+          <a:p>
+            <a:endParaRPr lang="en-US" sz="3200">
+              <a:solidFill>
+                <a:schemeClr val="accent1"/>
+              </a:solidFill>
+            </a:endParaRPr>
+          </a:p>
+          <a:p>
+            <a:pPr marL="0" indent="0">
+              <a:buNone/>
+            </a:pPr>
+            <a:endParaRPr lang="en-US" sz="3200">
+              <a:solidFill>
+                <a:srgbClr val="C00000"/>
+              </a:solidFill>
+              <a:latin typeface="Avenir Next Condensed" panose="020B0506020202020204" pitchFamily="34" charset="0"/>
+            </a:endParaRPr>
+          </a:p>
+        </p:txBody>
+      </p:sp>
+    </p:spTree>
+    <p:extLst>
+      <p:ext uri="{BB962C8B-B14F-4D97-AF65-F5344CB8AC3E}">
+        <p14:creationId xmlns:p14="http://schemas.microsoft.com/office/powerpoint/2010/main" val="2374269200"/>
+      </p:ext>
+    </p:extLst>
+  </p:cSld>
+  <p:clrMapOvr>
+    <a:masterClrMapping/>
+  </p:clrMapOvr>
+</p:sld>
+</file>
+
+<file path=ppt/slides/slide53.xml><?xml version="1.0" encoding="utf-8"?>
+<p:sld xmlns:a="http://schemas.openxmlformats.org/drawingml/2006/main" xmlns:r="http://schemas.openxmlformats.org/officeDocument/2006/relationships" xmlns:p="http://schemas.openxmlformats.org/presentationml/2006/main">
+  <p:cSld>
+    <p:spTree>
+      <p:nvGrpSpPr>
+        <p:cNvPr id="1" name=""/>
+        <p:cNvGrpSpPr/>
+        <p:nvPr/>
+      </p:nvGrpSpPr>
+      <p:grpSpPr>
+        <a:xfrm>
+          <a:off x="0" y="0"/>
+          <a:ext cx="0" cy="0"/>
+          <a:chOff x="0" y="0"/>
+          <a:chExt cx="0" cy="0"/>
+        </a:xfrm>
+      </p:grpSpPr>
+      <p:sp>
+        <p:nvSpPr>
+          <p:cNvPr id="2" name="Title 1">
+            <a:extLst>
+              <a:ext uri="{FF2B5EF4-FFF2-40B4-BE49-F238E27FC236}">
+                <a16:creationId xmlns:a16="http://schemas.microsoft.com/office/drawing/2014/main" id="{A4E49C21-6F83-1E43-83AE-B6C96EB3F5B9}"/>
+              </a:ext>
+            </a:extLst>
+          </p:cNvPr>
+          <p:cNvSpPr>
+            <a:spLocks noGrp="1"/>
+          </p:cNvSpPr>
+          <p:nvPr>
+            <p:ph type="title"/>
+          </p:nvPr>
+        </p:nvSpPr>
+        <p:spPr/>
+        <p:txBody>
+          <a:bodyPr/>
+          <a:lstStyle/>
+          <a:p>
+            <a:r>
+              <a:rPr lang="en-US">
+                <a:solidFill>
+                  <a:schemeClr val="accent1"/>
+                </a:solidFill>
+                <a:latin typeface="Contrail One" panose="02000000000000000000" pitchFamily="2" charset="77"/>
+              </a:rPr>
+              <a:t>Exercise 25</a:t>
+            </a:r>
+          </a:p>
+        </p:txBody>
+      </p:sp>
+      <p:sp>
+        <p:nvSpPr>
+          <p:cNvPr id="3" name="Content Placeholder 2">
+            <a:extLst>
+              <a:ext uri="{FF2B5EF4-FFF2-40B4-BE49-F238E27FC236}">
+                <a16:creationId xmlns:a16="http://schemas.microsoft.com/office/drawing/2014/main" id="{B06AC98F-540D-894F-849E-51C7D79CDE75}"/>
+              </a:ext>
+            </a:extLst>
+          </p:cNvPr>
+          <p:cNvSpPr>
+            <a:spLocks noGrp="1"/>
+          </p:cNvSpPr>
+          <p:nvPr>
+            <p:ph idx="1"/>
+          </p:nvPr>
+        </p:nvSpPr>
+        <p:spPr>
+          <a:xfrm>
+            <a:off x="838200" y="1319980"/>
+            <a:ext cx="11184802" cy="5379584"/>
+          </a:xfrm>
+        </p:spPr>
+        <p:txBody>
+          <a:bodyPr>
+            <a:normAutofit/>
+          </a:bodyPr>
+          <a:lstStyle/>
+          <a:p>
+            <a:r>
+              <a:rPr lang="en-US" sz="3200">
+                <a:solidFill>
+                  <a:schemeClr val="accent1"/>
+                </a:solidFill>
+              </a:rPr>
+              <a:t>In this exercise, you'll combine links with CSS to produce a </a:t>
+            </a:r>
+            <a:r>
+              <a:rPr lang="en-US" sz="3200" i="1">
+                <a:solidFill>
+                  <a:schemeClr val="accent1"/>
+                </a:solidFill>
+              </a:rPr>
+              <a:t>nav bar</a:t>
+            </a:r>
+            <a:endParaRPr lang="en-US" sz="3200">
+              <a:solidFill>
+                <a:schemeClr val="accent1"/>
+              </a:solidFill>
+            </a:endParaRPr>
+          </a:p>
+          <a:p>
+            <a:r>
+              <a:rPr lang="en-US" sz="3200">
+                <a:solidFill>
+                  <a:schemeClr val="accent1"/>
+                </a:solidFill>
+              </a:rPr>
+              <a:t>And, in this exercise, I ask you to do something very scary: wipe out an existing file and recreate it</a:t>
+            </a:r>
+          </a:p>
+          <a:p>
+            <a:r>
+              <a:rPr lang="en-US" sz="3200">
+                <a:solidFill>
+                  <a:schemeClr val="accent1"/>
+                </a:solidFill>
+              </a:rPr>
+              <a:t>You want to get to the point where you're not afraid to get rid of code – either because it's at a point where it's easier to start fresh or because you want to improve existing code that already is working (aka </a:t>
+            </a:r>
+            <a:r>
+              <a:rPr lang="en-US" sz="3200" i="1">
+                <a:solidFill>
+                  <a:schemeClr val="accent1"/>
+                </a:solidFill>
+              </a:rPr>
+              <a:t>refactoring</a:t>
+            </a:r>
+            <a:r>
+              <a:rPr lang="en-US" sz="3200">
+                <a:solidFill>
+                  <a:schemeClr val="accent1"/>
+                </a:solidFill>
+              </a:rPr>
+              <a:t>)</a:t>
+            </a:r>
+          </a:p>
+          <a:p>
+            <a:endParaRPr lang="en-US" sz="3200">
+              <a:solidFill>
+                <a:schemeClr val="accent1"/>
+              </a:solidFill>
+            </a:endParaRPr>
+          </a:p>
+          <a:p>
+            <a:pPr marL="0" indent="0">
+              <a:buNone/>
+            </a:pPr>
+            <a:endParaRPr lang="en-US" sz="3200">
+              <a:solidFill>
+                <a:srgbClr val="C00000"/>
+              </a:solidFill>
+              <a:latin typeface="Avenir Next Condensed" panose="020B0506020202020204" pitchFamily="34" charset="0"/>
+            </a:endParaRPr>
+          </a:p>
+        </p:txBody>
+      </p:sp>
+    </p:spTree>
+    <p:extLst>
+      <p:ext uri="{BB962C8B-B14F-4D97-AF65-F5344CB8AC3E}">
+        <p14:creationId xmlns:p14="http://schemas.microsoft.com/office/powerpoint/2010/main" val="3622098961"/>
+      </p:ext>
+    </p:extLst>
+  </p:cSld>
+  <p:clrMapOvr>
+    <a:masterClrMapping/>
+  </p:clrMapOvr>
+</p:sld>
+</file>
+
+<file path=ppt/slides/slide54.xml><?xml version="1.0" encoding="utf-8"?>
+<p:sld xmlns:a="http://schemas.openxmlformats.org/drawingml/2006/main" xmlns:r="http://schemas.openxmlformats.org/officeDocument/2006/relationships" xmlns:p="http://schemas.openxmlformats.org/presentationml/2006/main">
+  <p:cSld>
+    <p:spTree>
+      <p:nvGrpSpPr>
+        <p:cNvPr id="1" name=""/>
+        <p:cNvGrpSpPr/>
+        <p:nvPr/>
+      </p:nvGrpSpPr>
+      <p:grpSpPr>
+        <a:xfrm>
+          <a:off x="0" y="0"/>
+          <a:ext cx="0" cy="0"/>
+          <a:chOff x="0" y="0"/>
+          <a:chExt cx="0" cy="0"/>
+        </a:xfrm>
+      </p:grpSpPr>
+      <p:sp>
+        <p:nvSpPr>
+          <p:cNvPr id="2" name="Title 1">
+            <a:extLst>
+              <a:ext uri="{FF2B5EF4-FFF2-40B4-BE49-F238E27FC236}">
+                <a16:creationId xmlns:a16="http://schemas.microsoft.com/office/drawing/2014/main" id="{A4E49C21-6F83-1E43-83AE-B6C96EB3F5B9}"/>
+              </a:ext>
+            </a:extLst>
+          </p:cNvPr>
+          <p:cNvSpPr>
+            <a:spLocks noGrp="1"/>
+          </p:cNvSpPr>
+          <p:nvPr>
+            <p:ph type="title"/>
+          </p:nvPr>
+        </p:nvSpPr>
+        <p:spPr/>
+        <p:txBody>
+          <a:bodyPr/>
+          <a:lstStyle/>
+          <a:p>
+            <a:r>
+              <a:rPr lang="en-US">
+                <a:solidFill>
+                  <a:schemeClr val="accent1"/>
+                </a:solidFill>
+                <a:latin typeface="Contrail One" panose="02000000000000000000" pitchFamily="2" charset="77"/>
+              </a:rPr>
+              <a:t>Exercise 26</a:t>
+            </a:r>
+          </a:p>
+        </p:txBody>
+      </p:sp>
+      <p:sp>
+        <p:nvSpPr>
+          <p:cNvPr id="3" name="Content Placeholder 2">
+            <a:extLst>
+              <a:ext uri="{FF2B5EF4-FFF2-40B4-BE49-F238E27FC236}">
+                <a16:creationId xmlns:a16="http://schemas.microsoft.com/office/drawing/2014/main" id="{B06AC98F-540D-894F-849E-51C7D79CDE75}"/>
+              </a:ext>
+            </a:extLst>
+          </p:cNvPr>
+          <p:cNvSpPr>
+            <a:spLocks noGrp="1"/>
+          </p:cNvSpPr>
+          <p:nvPr>
+            <p:ph idx="1"/>
+          </p:nvPr>
+        </p:nvSpPr>
+        <p:spPr>
+          <a:xfrm>
+            <a:off x="838200" y="1319980"/>
+            <a:ext cx="11184802" cy="5379584"/>
+          </a:xfrm>
+        </p:spPr>
+        <p:txBody>
+          <a:bodyPr>
+            <a:normAutofit/>
+          </a:bodyPr>
+          <a:lstStyle/>
+          <a:p>
+            <a:r>
+              <a:rPr lang="en-US" sz="3200">
+                <a:solidFill>
+                  <a:schemeClr val="accent1"/>
+                </a:solidFill>
+              </a:rPr>
+              <a:t>HTML, when first conceived, came with a default set of behaviors</a:t>
+            </a:r>
+          </a:p>
+          <a:p>
+            <a:r>
+              <a:rPr lang="en-US" sz="3200">
+                <a:solidFill>
+                  <a:schemeClr val="accent1"/>
+                </a:solidFill>
+              </a:rPr>
+              <a:t>One of these was for forms</a:t>
+            </a:r>
+          </a:p>
+          <a:p>
+            <a:r>
+              <a:rPr lang="en-US" sz="3200">
+                <a:solidFill>
+                  <a:schemeClr val="accent1"/>
+                </a:solidFill>
+              </a:rPr>
+              <a:t>In modern development, we rely less on default behavior and more on creating our own, custom behavior</a:t>
+            </a:r>
+          </a:p>
+          <a:p>
+            <a:pPr marL="0" indent="0">
+              <a:buNone/>
+            </a:pPr>
+            <a:endParaRPr lang="en-US" sz="3200">
+              <a:solidFill>
+                <a:schemeClr val="accent1"/>
+              </a:solidFill>
+            </a:endParaRPr>
+          </a:p>
+          <a:p>
+            <a:pPr marL="0" indent="0">
+              <a:buNone/>
+            </a:pPr>
+            <a:endParaRPr lang="en-US" sz="3200">
+              <a:solidFill>
+                <a:srgbClr val="C00000"/>
+              </a:solidFill>
+              <a:latin typeface="Avenir Next Condensed" panose="020B0506020202020204" pitchFamily="34" charset="0"/>
+            </a:endParaRPr>
+          </a:p>
+        </p:txBody>
+      </p:sp>
+    </p:spTree>
+    <p:extLst>
+      <p:ext uri="{BB962C8B-B14F-4D97-AF65-F5344CB8AC3E}">
+        <p14:creationId xmlns:p14="http://schemas.microsoft.com/office/powerpoint/2010/main" val="431935833"/>
+      </p:ext>
+    </p:extLst>
+  </p:cSld>
+  <p:clrMapOvr>
+    <a:masterClrMapping/>
+  </p:clrMapOvr>
+</p:sld>
+</file>
+
+<file path=ppt/slides/slide55.xml><?xml version="1.0" encoding="utf-8"?>
+<p:sld xmlns:a="http://schemas.openxmlformats.org/drawingml/2006/main" xmlns:r="http://schemas.openxmlformats.org/officeDocument/2006/relationships" xmlns:p="http://schemas.openxmlformats.org/presentationml/2006/main">
+  <p:cSld>
+    <p:spTree>
+      <p:nvGrpSpPr>
+        <p:cNvPr id="1" name=""/>
+        <p:cNvGrpSpPr/>
+        <p:nvPr/>
+      </p:nvGrpSpPr>
+      <p:grpSpPr>
+        <a:xfrm>
+          <a:off x="0" y="0"/>
+          <a:ext cx="0" cy="0"/>
+          <a:chOff x="0" y="0"/>
+          <a:chExt cx="0" cy="0"/>
+        </a:xfrm>
+      </p:grpSpPr>
+      <p:sp>
+        <p:nvSpPr>
+          <p:cNvPr id="2" name="Title 1">
+            <a:extLst>
+              <a:ext uri="{FF2B5EF4-FFF2-40B4-BE49-F238E27FC236}">
+                <a16:creationId xmlns:a16="http://schemas.microsoft.com/office/drawing/2014/main" id="{A4E49C21-6F83-1E43-83AE-B6C96EB3F5B9}"/>
+              </a:ext>
+            </a:extLst>
+          </p:cNvPr>
+          <p:cNvSpPr>
+            <a:spLocks noGrp="1"/>
+          </p:cNvSpPr>
+          <p:nvPr>
+            <p:ph type="title"/>
+          </p:nvPr>
+        </p:nvSpPr>
+        <p:spPr/>
+        <p:txBody>
+          <a:bodyPr/>
+          <a:lstStyle/>
+          <a:p>
+            <a:r>
+              <a:rPr lang="en-US">
+                <a:solidFill>
+                  <a:schemeClr val="accent1"/>
+                </a:solidFill>
+                <a:latin typeface="Contrail One" panose="02000000000000000000" pitchFamily="2" charset="77"/>
+              </a:rPr>
+              <a:t>Exercise 26</a:t>
+            </a:r>
+          </a:p>
+        </p:txBody>
+      </p:sp>
+      <p:sp>
+        <p:nvSpPr>
+          <p:cNvPr id="3" name="Content Placeholder 2">
+            <a:extLst>
+              <a:ext uri="{FF2B5EF4-FFF2-40B4-BE49-F238E27FC236}">
+                <a16:creationId xmlns:a16="http://schemas.microsoft.com/office/drawing/2014/main" id="{B06AC98F-540D-894F-849E-51C7D79CDE75}"/>
+              </a:ext>
+            </a:extLst>
+          </p:cNvPr>
+          <p:cNvSpPr>
+            <a:spLocks noGrp="1"/>
+          </p:cNvSpPr>
+          <p:nvPr>
+            <p:ph idx="1"/>
+          </p:nvPr>
+        </p:nvSpPr>
+        <p:spPr>
+          <a:xfrm>
+            <a:off x="838200" y="1319980"/>
+            <a:ext cx="11184802" cy="5379584"/>
+          </a:xfrm>
+        </p:spPr>
+        <p:txBody>
+          <a:bodyPr>
+            <a:normAutofit/>
+          </a:bodyPr>
+          <a:lstStyle/>
+          <a:p>
+            <a:r>
+              <a:rPr lang="en-US" sz="3200">
+                <a:solidFill>
+                  <a:schemeClr val="accent1"/>
+                </a:solidFill>
+              </a:rPr>
+              <a:t>A common pattern in web development is to prevent the default submit behavior of forms, relying instead on putting form inputs into a JavaScript object</a:t>
+            </a:r>
+          </a:p>
+          <a:p>
+            <a:r>
+              <a:rPr lang="en-US" sz="3200">
+                <a:solidFill>
+                  <a:schemeClr val="accent1"/>
+                </a:solidFill>
+              </a:rPr>
+              <a:t>In this exercise, you'll get practice adding inputs to an object</a:t>
+            </a:r>
+          </a:p>
+          <a:p>
+            <a:endParaRPr lang="en-US" sz="3200">
+              <a:solidFill>
+                <a:schemeClr val="accent1"/>
+              </a:solidFill>
+            </a:endParaRPr>
+          </a:p>
+          <a:p>
+            <a:pPr marL="0" indent="0">
+              <a:buNone/>
+            </a:pPr>
+            <a:endParaRPr lang="en-US" sz="3200">
+              <a:solidFill>
+                <a:srgbClr val="C00000"/>
+              </a:solidFill>
+              <a:latin typeface="Avenir Next Condensed" panose="020B0506020202020204" pitchFamily="34" charset="0"/>
+            </a:endParaRPr>
+          </a:p>
+        </p:txBody>
+      </p:sp>
+    </p:spTree>
+    <p:extLst>
+      <p:ext uri="{BB962C8B-B14F-4D97-AF65-F5344CB8AC3E}">
+        <p14:creationId xmlns:p14="http://schemas.microsoft.com/office/powerpoint/2010/main" val="861986535"/>
+      </p:ext>
+    </p:extLst>
+  </p:cSld>
+  <p:clrMapOvr>
+    <a:masterClrMapping/>
+  </p:clrMapOvr>
+</p:sld>
+</file>
+
+<file path=ppt/slides/slide56.xml><?xml version="1.0" encoding="utf-8"?>
+<p:sld xmlns:a="http://schemas.openxmlformats.org/drawingml/2006/main" xmlns:r="http://schemas.openxmlformats.org/officeDocument/2006/relationships" xmlns:p="http://schemas.openxmlformats.org/presentationml/2006/main">
+  <p:cSld>
+    <p:spTree>
+      <p:nvGrpSpPr>
+        <p:cNvPr id="1" name=""/>
+        <p:cNvGrpSpPr/>
+        <p:nvPr/>
+      </p:nvGrpSpPr>
+      <p:grpSpPr>
+        <a:xfrm>
+          <a:off x="0" y="0"/>
+          <a:ext cx="0" cy="0"/>
+          <a:chOff x="0" y="0"/>
+          <a:chExt cx="0" cy="0"/>
+        </a:xfrm>
+      </p:grpSpPr>
+      <p:sp>
+        <p:nvSpPr>
+          <p:cNvPr id="2" name="Title 1">
+            <a:extLst>
+              <a:ext uri="{FF2B5EF4-FFF2-40B4-BE49-F238E27FC236}">
+                <a16:creationId xmlns:a16="http://schemas.microsoft.com/office/drawing/2014/main" id="{A4E49C21-6F83-1E43-83AE-B6C96EB3F5B9}"/>
+              </a:ext>
+            </a:extLst>
+          </p:cNvPr>
+          <p:cNvSpPr>
+            <a:spLocks noGrp="1"/>
+          </p:cNvSpPr>
+          <p:nvPr>
+            <p:ph type="title"/>
+          </p:nvPr>
+        </p:nvSpPr>
+        <p:spPr/>
+        <p:txBody>
+          <a:bodyPr/>
+          <a:lstStyle/>
+          <a:p>
+            <a:r>
+              <a:rPr lang="en-US">
+                <a:solidFill>
+                  <a:schemeClr val="accent1"/>
+                </a:solidFill>
+                <a:latin typeface="Contrail One" panose="02000000000000000000" pitchFamily="2" charset="77"/>
+              </a:rPr>
+              <a:t>Exercise 27</a:t>
+            </a:r>
+          </a:p>
+        </p:txBody>
+      </p:sp>
+      <p:sp>
+        <p:nvSpPr>
+          <p:cNvPr id="3" name="Content Placeholder 2">
+            <a:extLst>
+              <a:ext uri="{FF2B5EF4-FFF2-40B4-BE49-F238E27FC236}">
+                <a16:creationId xmlns:a16="http://schemas.microsoft.com/office/drawing/2014/main" id="{B06AC98F-540D-894F-849E-51C7D79CDE75}"/>
+              </a:ext>
+            </a:extLst>
+          </p:cNvPr>
+          <p:cNvSpPr>
+            <a:spLocks noGrp="1"/>
+          </p:cNvSpPr>
+          <p:nvPr>
+            <p:ph idx="1"/>
+          </p:nvPr>
+        </p:nvSpPr>
+        <p:spPr>
+          <a:xfrm>
+            <a:off x="838200" y="1319980"/>
+            <a:ext cx="11184802" cy="5379584"/>
+          </a:xfrm>
+        </p:spPr>
+        <p:txBody>
+          <a:bodyPr>
+            <a:normAutofit/>
+          </a:bodyPr>
+          <a:lstStyle/>
+          <a:p>
+            <a:r>
+              <a:rPr lang="en-US" sz="3200">
+                <a:solidFill>
+                  <a:schemeClr val="accent1"/>
+                </a:solidFill>
+              </a:rPr>
+              <a:t>When you combine JavaScript </a:t>
+            </a:r>
+            <a:r>
+              <a:rPr lang="en-US" sz="3200" i="1">
+                <a:solidFill>
+                  <a:schemeClr val="accent1"/>
+                </a:solidFill>
+              </a:rPr>
+              <a:t>objects</a:t>
+            </a:r>
+            <a:r>
+              <a:rPr lang="en-US" sz="3200">
+                <a:solidFill>
+                  <a:schemeClr val="accent1"/>
+                </a:solidFill>
+              </a:rPr>
+              <a:t> with JavaScript </a:t>
+            </a:r>
+            <a:r>
+              <a:rPr lang="en-US" sz="3200" i="1">
+                <a:solidFill>
+                  <a:schemeClr val="accent1"/>
+                </a:solidFill>
+              </a:rPr>
+              <a:t>functions</a:t>
+            </a:r>
+            <a:r>
+              <a:rPr lang="en-US" sz="3200">
+                <a:solidFill>
+                  <a:schemeClr val="accent1"/>
+                </a:solidFill>
+              </a:rPr>
+              <a:t>, you can accomplish great things</a:t>
+            </a:r>
+          </a:p>
+          <a:p>
+            <a:r>
+              <a:rPr lang="en-US" sz="3200">
+                <a:solidFill>
+                  <a:schemeClr val="accent1"/>
+                </a:solidFill>
+              </a:rPr>
+              <a:t>In this exercise, you'll do just that – and get even closer to what professional programmers do on a daily basis</a:t>
+            </a:r>
+          </a:p>
+          <a:p>
+            <a:endParaRPr lang="en-US" sz="3200">
+              <a:solidFill>
+                <a:schemeClr val="accent1"/>
+              </a:solidFill>
+            </a:endParaRPr>
+          </a:p>
+          <a:p>
+            <a:pPr marL="0" indent="0">
+              <a:buNone/>
+            </a:pPr>
+            <a:endParaRPr lang="en-US" sz="3200">
+              <a:solidFill>
+                <a:srgbClr val="C00000"/>
+              </a:solidFill>
+              <a:latin typeface="Avenir Next Condensed" panose="020B0506020202020204" pitchFamily="34" charset="0"/>
+            </a:endParaRPr>
+          </a:p>
+        </p:txBody>
+      </p:sp>
+    </p:spTree>
+    <p:extLst>
+      <p:ext uri="{BB962C8B-B14F-4D97-AF65-F5344CB8AC3E}">
+        <p14:creationId xmlns:p14="http://schemas.microsoft.com/office/powerpoint/2010/main" val="2780864135"/>
+      </p:ext>
+    </p:extLst>
+  </p:cSld>
+  <p:clrMapOvr>
+    <a:masterClrMapping/>
+  </p:clrMapOvr>
+</p:sld>
+</file>
+
+<file path=ppt/slides/slide57.xml><?xml version="1.0" encoding="utf-8"?>
+<p:sld xmlns:a="http://schemas.openxmlformats.org/drawingml/2006/main" xmlns:r="http://schemas.openxmlformats.org/officeDocument/2006/relationships" xmlns:p="http://schemas.openxmlformats.org/presentationml/2006/main">
+  <p:cSld>
+    <p:spTree>
+      <p:nvGrpSpPr>
+        <p:cNvPr id="1" name=""/>
+        <p:cNvGrpSpPr/>
+        <p:nvPr/>
+      </p:nvGrpSpPr>
+      <p:grpSpPr>
+        <a:xfrm>
+          <a:off x="0" y="0"/>
+          <a:ext cx="0" cy="0"/>
+          <a:chOff x="0" y="0"/>
+          <a:chExt cx="0" cy="0"/>
+        </a:xfrm>
+      </p:grpSpPr>
+      <p:sp>
+        <p:nvSpPr>
+          <p:cNvPr id="2" name="Title 1">
+            <a:extLst>
+              <a:ext uri="{FF2B5EF4-FFF2-40B4-BE49-F238E27FC236}">
+                <a16:creationId xmlns:a16="http://schemas.microsoft.com/office/drawing/2014/main" id="{A4E49C21-6F83-1E43-83AE-B6C96EB3F5B9}"/>
+              </a:ext>
+            </a:extLst>
+          </p:cNvPr>
+          <p:cNvSpPr>
+            <a:spLocks noGrp="1"/>
+          </p:cNvSpPr>
+          <p:nvPr>
+            <p:ph type="title"/>
+          </p:nvPr>
+        </p:nvSpPr>
+        <p:spPr/>
+        <p:txBody>
+          <a:bodyPr/>
+          <a:lstStyle/>
+          <a:p>
+            <a:r>
+              <a:rPr lang="en-US">
+                <a:solidFill>
+                  <a:schemeClr val="accent1"/>
+                </a:solidFill>
+                <a:latin typeface="Contrail One" panose="02000000000000000000" pitchFamily="2" charset="77"/>
+              </a:rPr>
+              <a:t>Exercise 28</a:t>
+            </a:r>
+          </a:p>
+        </p:txBody>
+      </p:sp>
+      <p:sp>
+        <p:nvSpPr>
+          <p:cNvPr id="3" name="Content Placeholder 2">
+            <a:extLst>
+              <a:ext uri="{FF2B5EF4-FFF2-40B4-BE49-F238E27FC236}">
+                <a16:creationId xmlns:a16="http://schemas.microsoft.com/office/drawing/2014/main" id="{B06AC98F-540D-894F-849E-51C7D79CDE75}"/>
+              </a:ext>
+            </a:extLst>
+          </p:cNvPr>
+          <p:cNvSpPr>
+            <a:spLocks noGrp="1"/>
+          </p:cNvSpPr>
+          <p:nvPr>
+            <p:ph idx="1"/>
+          </p:nvPr>
+        </p:nvSpPr>
+        <p:spPr>
+          <a:xfrm>
+            <a:off x="838200" y="1319980"/>
+            <a:ext cx="11184802" cy="5379584"/>
+          </a:xfrm>
+        </p:spPr>
+        <p:txBody>
+          <a:bodyPr>
+            <a:normAutofit/>
+          </a:bodyPr>
+          <a:lstStyle/>
+          <a:p>
+            <a:r>
+              <a:rPr lang="en-US" sz="3200">
+                <a:solidFill>
+                  <a:schemeClr val="accent1"/>
+                </a:solidFill>
+              </a:rPr>
+              <a:t>Back to work on integrating HTML forms with JavaScript</a:t>
+            </a:r>
+          </a:p>
+          <a:p>
+            <a:endParaRPr lang="en-US" sz="3200">
+              <a:solidFill>
+                <a:schemeClr val="accent1"/>
+              </a:solidFill>
+            </a:endParaRPr>
+          </a:p>
+          <a:p>
+            <a:endParaRPr lang="en-US" sz="3200">
+              <a:solidFill>
+                <a:schemeClr val="accent1"/>
+              </a:solidFill>
+            </a:endParaRPr>
+          </a:p>
+          <a:p>
+            <a:pPr marL="0" indent="0">
+              <a:buNone/>
+            </a:pPr>
+            <a:endParaRPr lang="en-US" sz="3200">
+              <a:solidFill>
+                <a:srgbClr val="C00000"/>
+              </a:solidFill>
+              <a:latin typeface="Avenir Next Condensed" panose="020B0506020202020204" pitchFamily="34" charset="0"/>
+            </a:endParaRPr>
+          </a:p>
+        </p:txBody>
+      </p:sp>
+    </p:spTree>
+    <p:extLst>
+      <p:ext uri="{BB962C8B-B14F-4D97-AF65-F5344CB8AC3E}">
+        <p14:creationId xmlns:p14="http://schemas.microsoft.com/office/powerpoint/2010/main" val="737525032"/>
       </p:ext>
     </p:extLst>
   </p:cSld>
